--- a/Presentazioni/Presentazioni RA/Presentazione RA.pptx
+++ b/Presentazioni/Presentazioni RA/Presentazione RA.pptx
@@ -157,560 +157,6 @@
             <a:pPr>
               <a:defRPr sz="2128" b="1" i="0" u="none" strike="noStrike" kern="1200" spc="100" baseline="0">
                 <a:solidFill>
-                  <a:srgbClr val="515151"/>
-                </a:solidFill>
-                <a:effectLst>
-                  <a:outerShdw blurRad="50800" dist="38100" dir="5400000" algn="t" rotWithShape="0">
-                    <a:prstClr val="black">
-                      <a:alpha val="40000"/>
-                    </a:prstClr>
-                  </a:outerShdw>
-                </a:effectLst>
-                <a:latin typeface="+mn-lt"/>
-                <a:ea typeface="+mn-ea"/>
-                <a:cs typeface="+mn-cs"/>
-              </a:defRPr>
-            </a:pPr>
-            <a:r>
-              <a:rPr lang="it-IT"/>
-              <a:t>Coverage</a:t>
-            </a:r>
-            <a:endParaRPr lang="it-IT" dirty="0"/>
-          </a:p>
-        </c:rich>
-      </c:tx>
-      <c:overlay val="0"/>
-      <c:spPr>
-        <a:noFill/>
-        <a:ln>
-          <a:noFill/>
-        </a:ln>
-        <a:effectLst/>
-      </c:spPr>
-      <c:txPr>
-        <a:bodyPr rot="0" spcFirstLastPara="1" vertOverflow="ellipsis" vert="horz" wrap="square" anchor="ctr" anchorCtr="1"/>
-        <a:lstStyle/>
-        <a:p>
-          <a:pPr>
-            <a:defRPr sz="2128" b="1" i="0" u="none" strike="noStrike" kern="1200" spc="100" baseline="0">
-              <a:solidFill>
-                <a:srgbClr val="515151"/>
-              </a:solidFill>
-              <a:effectLst>
-                <a:outerShdw blurRad="50800" dist="38100" dir="5400000" algn="t" rotWithShape="0">
-                  <a:prstClr val="black">
-                    <a:alpha val="40000"/>
-                  </a:prstClr>
-                </a:outerShdw>
-              </a:effectLst>
-              <a:latin typeface="+mn-lt"/>
-              <a:ea typeface="+mn-ea"/>
-              <a:cs typeface="+mn-cs"/>
-            </a:defRPr>
-          </a:pPr>
-          <a:endParaRPr lang="it-IT"/>
-        </a:p>
-      </c:txPr>
-    </c:title>
-    <c:autoTitleDeleted val="0"/>
-    <c:plotArea>
-      <c:layout/>
-      <c:pieChart>
-        <c:varyColors val="1"/>
-        <c:ser>
-          <c:idx val="0"/>
-          <c:order val="0"/>
-          <c:tx>
-            <c:strRef>
-              <c:f>Foglio1!$B$1</c:f>
-              <c:strCache>
-                <c:ptCount val="1"/>
-                <c:pt idx="0">
-                  <c:v>Archittettura</c:v>
-                </c:pt>
-              </c:strCache>
-            </c:strRef>
-          </c:tx>
-          <c:explosion val="14"/>
-          <c:dPt>
-            <c:idx val="0"/>
-            <c:bubble3D val="0"/>
-            <c:spPr>
-              <a:gradFill rotWithShape="1">
-                <a:gsLst>
-                  <a:gs pos="0">
-                    <a:schemeClr val="accent1">
-                      <a:satMod val="103000"/>
-                      <a:lumMod val="102000"/>
-                      <a:tint val="94000"/>
-                    </a:schemeClr>
-                  </a:gs>
-                  <a:gs pos="50000">
-                    <a:schemeClr val="accent1">
-                      <a:satMod val="110000"/>
-                      <a:lumMod val="100000"/>
-                      <a:shade val="100000"/>
-                    </a:schemeClr>
-                  </a:gs>
-                  <a:gs pos="100000">
-                    <a:schemeClr val="accent1">
-                      <a:lumMod val="99000"/>
-                      <a:satMod val="120000"/>
-                      <a:shade val="78000"/>
-                    </a:schemeClr>
-                  </a:gs>
-                </a:gsLst>
-                <a:lin ang="5400000" scaled="0"/>
-              </a:gradFill>
-              <a:ln>
-                <a:noFill/>
-              </a:ln>
-              <a:effectLst>
-                <a:outerShdw blurRad="57150" dist="19050" dir="5400000" algn="ctr" rotWithShape="0">
-                  <a:srgbClr val="000000">
-                    <a:alpha val="63000"/>
-                  </a:srgbClr>
-                </a:outerShdw>
-              </a:effectLst>
-            </c:spPr>
-            <c:extLst>
-              <c:ext xmlns:c16="http://schemas.microsoft.com/office/drawing/2014/chart" uri="{C3380CC4-5D6E-409C-BE32-E72D297353CC}">
-                <c16:uniqueId val="{00000001-63F7-475F-AF59-8BEFF012D9F8}"/>
-              </c:ext>
-            </c:extLst>
-          </c:dPt>
-          <c:dPt>
-            <c:idx val="1"/>
-            <c:bubble3D val="0"/>
-            <c:spPr>
-              <a:gradFill rotWithShape="1">
-                <a:gsLst>
-                  <a:gs pos="0">
-                    <a:schemeClr val="accent2">
-                      <a:satMod val="103000"/>
-                      <a:lumMod val="102000"/>
-                      <a:tint val="94000"/>
-                    </a:schemeClr>
-                  </a:gs>
-                  <a:gs pos="50000">
-                    <a:schemeClr val="accent2">
-                      <a:satMod val="110000"/>
-                      <a:lumMod val="100000"/>
-                      <a:shade val="100000"/>
-                    </a:schemeClr>
-                  </a:gs>
-                  <a:gs pos="100000">
-                    <a:schemeClr val="accent2">
-                      <a:lumMod val="99000"/>
-                      <a:satMod val="120000"/>
-                      <a:shade val="78000"/>
-                    </a:schemeClr>
-                  </a:gs>
-                </a:gsLst>
-                <a:lin ang="5400000" scaled="0"/>
-              </a:gradFill>
-              <a:ln>
-                <a:noFill/>
-              </a:ln>
-              <a:effectLst>
-                <a:outerShdw blurRad="57150" dist="19050" dir="5400000" algn="ctr" rotWithShape="0">
-                  <a:srgbClr val="000000">
-                    <a:alpha val="63000"/>
-                  </a:srgbClr>
-                </a:outerShdw>
-              </a:effectLst>
-            </c:spPr>
-            <c:extLst>
-              <c:ext xmlns:c16="http://schemas.microsoft.com/office/drawing/2014/chart" uri="{C3380CC4-5D6E-409C-BE32-E72D297353CC}">
-                <c16:uniqueId val="{00000003-63F7-475F-AF59-8BEFF012D9F8}"/>
-              </c:ext>
-            </c:extLst>
-          </c:dPt>
-          <c:dPt>
-            <c:idx val="2"/>
-            <c:bubble3D val="0"/>
-            <c:spPr>
-              <a:gradFill rotWithShape="1">
-                <a:gsLst>
-                  <a:gs pos="0">
-                    <a:schemeClr val="accent3">
-                      <a:satMod val="103000"/>
-                      <a:lumMod val="102000"/>
-                      <a:tint val="94000"/>
-                    </a:schemeClr>
-                  </a:gs>
-                  <a:gs pos="50000">
-                    <a:schemeClr val="accent3">
-                      <a:satMod val="110000"/>
-                      <a:lumMod val="100000"/>
-                      <a:shade val="100000"/>
-                    </a:schemeClr>
-                  </a:gs>
-                  <a:gs pos="100000">
-                    <a:schemeClr val="accent3">
-                      <a:lumMod val="99000"/>
-                      <a:satMod val="120000"/>
-                      <a:shade val="78000"/>
-                    </a:schemeClr>
-                  </a:gs>
-                </a:gsLst>
-                <a:lin ang="5400000" scaled="0"/>
-              </a:gradFill>
-              <a:ln>
-                <a:noFill/>
-              </a:ln>
-              <a:effectLst>
-                <a:outerShdw blurRad="57150" dist="19050" dir="5400000" algn="ctr" rotWithShape="0">
-                  <a:srgbClr val="000000">
-                    <a:alpha val="63000"/>
-                  </a:srgbClr>
-                </a:outerShdw>
-              </a:effectLst>
-            </c:spPr>
-            <c:extLst>
-              <c:ext xmlns:c16="http://schemas.microsoft.com/office/drawing/2014/chart" uri="{C3380CC4-5D6E-409C-BE32-E72D297353CC}">
-                <c16:uniqueId val="{00000005-63F7-475F-AF59-8BEFF012D9F8}"/>
-              </c:ext>
-            </c:extLst>
-          </c:dPt>
-          <c:dPt>
-            <c:idx val="3"/>
-            <c:bubble3D val="0"/>
-            <c:spPr>
-              <a:gradFill rotWithShape="1">
-                <a:gsLst>
-                  <a:gs pos="0">
-                    <a:schemeClr val="accent4">
-                      <a:satMod val="103000"/>
-                      <a:lumMod val="102000"/>
-                      <a:tint val="94000"/>
-                    </a:schemeClr>
-                  </a:gs>
-                  <a:gs pos="50000">
-                    <a:schemeClr val="accent4">
-                      <a:satMod val="110000"/>
-                      <a:lumMod val="100000"/>
-                      <a:shade val="100000"/>
-                    </a:schemeClr>
-                  </a:gs>
-                  <a:gs pos="100000">
-                    <a:schemeClr val="accent4">
-                      <a:lumMod val="99000"/>
-                      <a:satMod val="120000"/>
-                      <a:shade val="78000"/>
-                    </a:schemeClr>
-                  </a:gs>
-                </a:gsLst>
-                <a:lin ang="5400000" scaled="0"/>
-              </a:gradFill>
-              <a:ln>
-                <a:noFill/>
-              </a:ln>
-              <a:effectLst>
-                <a:outerShdw blurRad="57150" dist="19050" dir="5400000" algn="ctr" rotWithShape="0">
-                  <a:srgbClr val="000000">
-                    <a:alpha val="63000"/>
-                  </a:srgbClr>
-                </a:outerShdw>
-              </a:effectLst>
-            </c:spPr>
-            <c:extLst>
-              <c:ext xmlns:c16="http://schemas.microsoft.com/office/drawing/2014/chart" uri="{C3380CC4-5D6E-409C-BE32-E72D297353CC}">
-                <c16:uniqueId val="{00000007-63F7-475F-AF59-8BEFF012D9F8}"/>
-              </c:ext>
-            </c:extLst>
-          </c:dPt>
-          <c:dLbls>
-            <c:dLbl>
-              <c:idx val="0"/>
-              <c:spPr>
-                <a:noFill/>
-                <a:ln>
-                  <a:noFill/>
-                </a:ln>
-                <a:effectLst/>
-              </c:spPr>
-              <c:txPr>
-                <a:bodyPr rot="0" spcFirstLastPara="1" vertOverflow="ellipsis" vert="horz" wrap="square" lIns="38100" tIns="19050" rIns="38100" bIns="19050" anchor="ctr" anchorCtr="1">
-                  <a:spAutoFit/>
-                </a:bodyPr>
-                <a:lstStyle/>
-                <a:p>
-                  <a:pPr>
-                    <a:defRPr sz="1600" b="1" i="0" u="none" strike="noStrike" kern="1200" baseline="0">
-                      <a:solidFill>
-                        <a:schemeClr val="lt1">
-                          <a:lumMod val="85000"/>
-                        </a:schemeClr>
-                      </a:solidFill>
-                      <a:latin typeface="+mn-lt"/>
-                      <a:ea typeface="+mn-ea"/>
-                      <a:cs typeface="+mn-cs"/>
-                    </a:defRPr>
-                  </a:pPr>
-                  <a:endParaRPr lang="it-IT"/>
-                </a:p>
-              </c:txPr>
-              <c:dLblPos val="inEnd"/>
-              <c:showLegendKey val="0"/>
-              <c:showVal val="0"/>
-              <c:showCatName val="0"/>
-              <c:showSerName val="0"/>
-              <c:showPercent val="1"/>
-              <c:showBubbleSize val="0"/>
-              <c:extLst>
-                <c:ext xmlns:c16="http://schemas.microsoft.com/office/drawing/2014/chart" uri="{C3380CC4-5D6E-409C-BE32-E72D297353CC}">
-                  <c16:uniqueId val="{00000001-63F7-475F-AF59-8BEFF012D9F8}"/>
-                </c:ext>
-              </c:extLst>
-            </c:dLbl>
-            <c:dLbl>
-              <c:idx val="1"/>
-              <c:spPr>
-                <a:noFill/>
-                <a:ln>
-                  <a:noFill/>
-                </a:ln>
-                <a:effectLst/>
-              </c:spPr>
-              <c:txPr>
-                <a:bodyPr rot="0" spcFirstLastPara="1" vertOverflow="ellipsis" vert="horz" wrap="square" lIns="38100" tIns="19050" rIns="38100" bIns="19050" anchor="ctr" anchorCtr="1">
-                  <a:spAutoFit/>
-                </a:bodyPr>
-                <a:lstStyle/>
-                <a:p>
-                  <a:pPr>
-                    <a:defRPr sz="1600" b="1" i="0" u="none" strike="noStrike" kern="1200" baseline="0">
-                      <a:solidFill>
-                        <a:schemeClr val="lt1">
-                          <a:lumMod val="85000"/>
-                        </a:schemeClr>
-                      </a:solidFill>
-                      <a:latin typeface="+mn-lt"/>
-                      <a:ea typeface="+mn-ea"/>
-                      <a:cs typeface="+mn-cs"/>
-                    </a:defRPr>
-                  </a:pPr>
-                  <a:endParaRPr lang="it-IT"/>
-                </a:p>
-              </c:txPr>
-              <c:dLblPos val="inEnd"/>
-              <c:showLegendKey val="0"/>
-              <c:showVal val="0"/>
-              <c:showCatName val="0"/>
-              <c:showSerName val="0"/>
-              <c:showPercent val="1"/>
-              <c:showBubbleSize val="0"/>
-              <c:extLst>
-                <c:ext xmlns:c16="http://schemas.microsoft.com/office/drawing/2014/chart" uri="{C3380CC4-5D6E-409C-BE32-E72D297353CC}">
-                  <c16:uniqueId val="{00000003-63F7-475F-AF59-8BEFF012D9F8}"/>
-                </c:ext>
-              </c:extLst>
-            </c:dLbl>
-            <c:spPr>
-              <a:noFill/>
-              <a:ln>
-                <a:noFill/>
-              </a:ln>
-              <a:effectLst/>
-            </c:spPr>
-            <c:txPr>
-              <a:bodyPr rot="0" spcFirstLastPara="1" vertOverflow="ellipsis" vert="horz" wrap="square" lIns="38100" tIns="19050" rIns="38100" bIns="19050" anchor="ctr" anchorCtr="1">
-                <a:spAutoFit/>
-              </a:bodyPr>
-              <a:lstStyle/>
-              <a:p>
-                <a:pPr>
-                  <a:defRPr sz="1197" b="1" i="0" u="none" strike="noStrike" kern="1200" baseline="0">
-                    <a:solidFill>
-                      <a:schemeClr val="lt1">
-                        <a:lumMod val="85000"/>
-                      </a:schemeClr>
-                    </a:solidFill>
-                    <a:latin typeface="+mn-lt"/>
-                    <a:ea typeface="+mn-ea"/>
-                    <a:cs typeface="+mn-cs"/>
-                  </a:defRPr>
-                </a:pPr>
-                <a:endParaRPr lang="it-IT"/>
-              </a:p>
-            </c:txPr>
-            <c:dLblPos val="inEnd"/>
-            <c:showLegendKey val="0"/>
-            <c:showVal val="0"/>
-            <c:showCatName val="0"/>
-            <c:showSerName val="0"/>
-            <c:showPercent val="1"/>
-            <c:showBubbleSize val="0"/>
-            <c:showLeaderLines val="1"/>
-            <c:leaderLines>
-              <c:spPr>
-                <a:ln w="9525">
-                  <a:solidFill>
-                    <a:schemeClr val="lt1">
-                      <a:lumMod val="95000"/>
-                      <a:alpha val="54000"/>
-                    </a:schemeClr>
-                  </a:solidFill>
-                </a:ln>
-                <a:effectLst/>
-              </c:spPr>
-            </c:leaderLines>
-            <c:extLst>
-              <c:ext xmlns:c15="http://schemas.microsoft.com/office/drawing/2012/chart" uri="{CE6537A1-D6FC-4f65-9D91-7224C49458BB}"/>
-            </c:extLst>
-          </c:dLbls>
-          <c:cat>
-            <c:strRef>
-              <c:f>Foglio1!$A$2:$A$5</c:f>
-              <c:strCache>
-                <c:ptCount val="2"/>
-                <c:pt idx="0">
-                  <c:v>Coperti</c:v>
-                </c:pt>
-                <c:pt idx="1">
-                  <c:v>Non coperti</c:v>
-                </c:pt>
-              </c:strCache>
-            </c:strRef>
-          </c:cat>
-          <c:val>
-            <c:numRef>
-              <c:f>Foglio1!$B$2:$B$5</c:f>
-              <c:numCache>
-                <c:formatCode>General</c:formatCode>
-                <c:ptCount val="4"/>
-                <c:pt idx="0">
-                  <c:v>0.67</c:v>
-                </c:pt>
-                <c:pt idx="1">
-                  <c:v>0.33</c:v>
-                </c:pt>
-              </c:numCache>
-            </c:numRef>
-          </c:val>
-          <c:extLst>
-            <c:ext xmlns:c16="http://schemas.microsoft.com/office/drawing/2014/chart" uri="{C3380CC4-5D6E-409C-BE32-E72D297353CC}">
-              <c16:uniqueId val="{00000008-63F7-475F-AF59-8BEFF012D9F8}"/>
-            </c:ext>
-          </c:extLst>
-        </c:ser>
-        <c:dLbls>
-          <c:dLblPos val="inEnd"/>
-          <c:showLegendKey val="0"/>
-          <c:showVal val="0"/>
-          <c:showCatName val="0"/>
-          <c:showSerName val="0"/>
-          <c:showPercent val="1"/>
-          <c:showBubbleSize val="0"/>
-          <c:showLeaderLines val="1"/>
-        </c:dLbls>
-        <c:firstSliceAng val="0"/>
-      </c:pieChart>
-      <c:spPr>
-        <a:noFill/>
-        <a:ln>
-          <a:noFill/>
-        </a:ln>
-        <a:effectLst/>
-      </c:spPr>
-    </c:plotArea>
-    <c:legend>
-      <c:legendPos val="b"/>
-      <c:legendEntry>
-        <c:idx val="2"/>
-        <c:delete val="1"/>
-      </c:legendEntry>
-      <c:legendEntry>
-        <c:idx val="3"/>
-        <c:delete val="1"/>
-      </c:legendEntry>
-      <c:overlay val="0"/>
-      <c:spPr>
-        <a:noFill/>
-        <a:ln>
-          <a:noFill/>
-        </a:ln>
-        <a:effectLst/>
-      </c:spPr>
-      <c:txPr>
-        <a:bodyPr rot="0" spcFirstLastPara="1" vertOverflow="ellipsis" vert="horz" wrap="square" anchor="ctr" anchorCtr="1"/>
-        <a:lstStyle/>
-        <a:p>
-          <a:pPr>
-            <a:defRPr sz="1600" b="0" i="0" u="none" strike="noStrike" kern="1200" baseline="0">
-              <a:solidFill>
-                <a:schemeClr val="tx1">
-                  <a:lumMod val="50000"/>
-                  <a:lumOff val="50000"/>
-                </a:schemeClr>
-              </a:solidFill>
-              <a:latin typeface="+mn-lt"/>
-              <a:ea typeface="+mn-ea"/>
-              <a:cs typeface="+mn-cs"/>
-            </a:defRPr>
-          </a:pPr>
-          <a:endParaRPr lang="it-IT"/>
-        </a:p>
-      </c:txPr>
-    </c:legend>
-    <c:plotVisOnly val="1"/>
-    <c:dispBlanksAs val="gap"/>
-    <c:showDLblsOverMax val="0"/>
-    <c:extLst>
-      <c:ext xmlns:c16r3="http://schemas.microsoft.com/office/drawing/2017/03/chart" uri="{56B9EC1D-385E-4148-901F-78D8002777C0}">
-        <c16r3:dataDisplayOptions16>
-          <c16r3:dispNaAsBlank val="1"/>
-        </c16r3:dataDisplayOptions16>
-      </c:ext>
-    </c:extLst>
-  </c:chart>
-  <c:spPr>
-    <a:noFill/>
-    <a:ln>
-      <a:noFill/>
-    </a:ln>
-    <a:effectLst/>
-  </c:spPr>
-  <c:txPr>
-    <a:bodyPr/>
-    <a:lstStyle/>
-    <a:p>
-      <a:pPr>
-        <a:defRPr/>
-      </a:pPr>
-      <a:endParaRPr lang="it-IT"/>
-    </a:p>
-  </c:txPr>
-  <c:externalData r:id="rId3">
-    <c:autoUpdate val="0"/>
-  </c:externalData>
-</c:chartSpace>
-</file>
-
-<file path=ppt/charts/chart2.xml><?xml version="1.0" encoding="utf-8"?>
-<c:chartSpace xmlns:c="http://schemas.openxmlformats.org/drawingml/2006/chart" xmlns:a="http://schemas.openxmlformats.org/drawingml/2006/main" xmlns:r="http://schemas.openxmlformats.org/officeDocument/2006/relationships" xmlns:c16r2="http://schemas.microsoft.com/office/drawing/2015/06/chart">
-  <c:date1904 val="0"/>
-  <c:lang val="it-IT"/>
-  <c:roundedCorners val="0"/>
-  <mc:AlternateContent xmlns:mc="http://schemas.openxmlformats.org/markup-compatibility/2006">
-    <mc:Choice xmlns:c14="http://schemas.microsoft.com/office/drawing/2007/8/2/chart" Requires="c14">
-      <c14:style val="102"/>
-    </mc:Choice>
-    <mc:Fallback>
-      <c:style val="2"/>
-    </mc:Fallback>
-  </mc:AlternateContent>
-  <c:chart>
-    <c:title>
-      <c:tx>
-        <c:rich>
-          <a:bodyPr rot="0" spcFirstLastPara="1" vertOverflow="ellipsis" vert="horz" wrap="square" anchor="ctr" anchorCtr="1"/>
-          <a:lstStyle/>
-          <a:p>
-            <a:pPr>
-              <a:defRPr sz="2128" b="1" i="0" u="none" strike="noStrike" kern="1200" spc="100" baseline="0">
-                <a:solidFill>
                   <a:schemeClr val="tx1">
                     <a:lumMod val="50000"/>
                     <a:lumOff val="50000"/>
@@ -734,11 +180,27 @@
                   <a:srgbClr val="515151"/>
                 </a:solidFill>
               </a:rPr>
-              <a:t>Line coverage</a:t>
+              <a:t>Line </a:t>
+            </a:r>
+            <a:r>
+              <a:rPr lang="en-US" sz="2250" u="none" baseline="0" dirty="0">
+                <a:solidFill>
+                  <a:srgbClr val="515151"/>
+                </a:solidFill>
+              </a:rPr>
+              <a:t>coverage</a:t>
             </a:r>
           </a:p>
         </c:rich>
       </c:tx>
+      <c:layout>
+        <c:manualLayout>
+          <c:xMode val="edge"/>
+          <c:yMode val="edge"/>
+          <c:x val="1.9899337264441538E-2"/>
+          <c:y val="0.42870271965433732"/>
+        </c:manualLayout>
+      </c:layout>
       <c:overlay val="0"/>
       <c:spPr>
         <a:noFill/>
@@ -988,8 +450,8 @@
               <c:idx val="0"/>
               <c:layout>
                 <c:manualLayout>
-                  <c:x val="-0.20171557230853732"/>
-                  <c:y val="-0.18629664594536774"/>
+                  <c:x val="-0.12664106071998557"/>
+                  <c:y val="-0.2499104918375526"/>
                 </c:manualLayout>
               </c:layout>
               <c:spPr>
@@ -1038,8 +500,8 @@
               <c:idx val="1"/>
               <c:layout>
                 <c:manualLayout>
-                  <c:x val="0.15010662841064679"/>
-                  <c:y val="9.7533987542663E-2"/>
+                  <c:x val="7.2087922430602969E-2"/>
+                  <c:y val="0.12795812498911094"/>
                 </c:manualLayout>
               </c:layout>
               <c:spPr>
@@ -1305,543 +767,7 @@
 </cs:colorStyle>
 </file>
 
-<file path=ppt/charts/colors2.xml><?xml version="1.0" encoding="utf-8"?>
-<cs:colorStyle xmlns:cs="http://schemas.microsoft.com/office/drawing/2012/chartStyle" xmlns:a="http://schemas.openxmlformats.org/drawingml/2006/main" meth="cycle" id="10">
-  <a:schemeClr val="accent1"/>
-  <a:schemeClr val="accent2"/>
-  <a:schemeClr val="accent3"/>
-  <a:schemeClr val="accent4"/>
-  <a:schemeClr val="accent5"/>
-  <a:schemeClr val="accent6"/>
-  <cs:variation/>
-  <cs:variation>
-    <a:lumMod val="60000"/>
-  </cs:variation>
-  <cs:variation>
-    <a:lumMod val="80000"/>
-    <a:lumOff val="20000"/>
-  </cs:variation>
-  <cs:variation>
-    <a:lumMod val="80000"/>
-  </cs:variation>
-  <cs:variation>
-    <a:lumMod val="60000"/>
-    <a:lumOff val="40000"/>
-  </cs:variation>
-  <cs:variation>
-    <a:lumMod val="50000"/>
-  </cs:variation>
-  <cs:variation>
-    <a:lumMod val="70000"/>
-    <a:lumOff val="30000"/>
-  </cs:variation>
-  <cs:variation>
-    <a:lumMod val="70000"/>
-  </cs:variation>
-  <cs:variation>
-    <a:lumMod val="50000"/>
-    <a:lumOff val="50000"/>
-  </cs:variation>
-</cs:colorStyle>
-</file>
-
 <file path=ppt/charts/style1.xml><?xml version="1.0" encoding="utf-8"?>
-<cs:chartStyle xmlns:cs="http://schemas.microsoft.com/office/drawing/2012/chartStyle" xmlns:a="http://schemas.openxmlformats.org/drawingml/2006/main" id="257">
-  <cs:axisTitle>
-    <cs:lnRef idx="0"/>
-    <cs:fillRef idx="0"/>
-    <cs:effectRef idx="0"/>
-    <cs:fontRef idx="minor">
-      <a:schemeClr val="lt1">
-        <a:lumMod val="85000"/>
-      </a:schemeClr>
-    </cs:fontRef>
-    <cs:defRPr sz="1197" b="1" kern="1200" cap="all"/>
-  </cs:axisTitle>
-  <cs:categoryAxis>
-    <cs:lnRef idx="0"/>
-    <cs:fillRef idx="0"/>
-    <cs:effectRef idx="0"/>
-    <cs:fontRef idx="minor">
-      <a:schemeClr val="lt1">
-        <a:lumMod val="85000"/>
-      </a:schemeClr>
-    </cs:fontRef>
-    <cs:spPr>
-      <a:ln w="12700" cap="flat" cmpd="sng" algn="ctr">
-        <a:solidFill>
-          <a:schemeClr val="lt1">
-            <a:lumMod val="95000"/>
-            <a:alpha val="54000"/>
-          </a:schemeClr>
-        </a:solidFill>
-        <a:round/>
-      </a:ln>
-    </cs:spPr>
-    <cs:defRPr sz="1197" kern="1200"/>
-  </cs:categoryAxis>
-  <cs:chartArea>
-    <cs:lnRef idx="0"/>
-    <cs:fillRef idx="0"/>
-    <cs:effectRef idx="0"/>
-    <cs:fontRef idx="minor">
-      <a:schemeClr val="dk1"/>
-    </cs:fontRef>
-    <cs:spPr>
-      <a:gradFill flip="none" rotWithShape="1">
-        <a:gsLst>
-          <a:gs pos="0">
-            <a:schemeClr val="dk1">
-              <a:lumMod val="65000"/>
-              <a:lumOff val="35000"/>
-            </a:schemeClr>
-          </a:gs>
-          <a:gs pos="100000">
-            <a:schemeClr val="dk1">
-              <a:lumMod val="85000"/>
-              <a:lumOff val="15000"/>
-            </a:schemeClr>
-          </a:gs>
-        </a:gsLst>
-        <a:path path="circle">
-          <a:fillToRect l="50000" t="50000" r="50000" b="50000"/>
-        </a:path>
-        <a:tileRect/>
-      </a:gradFill>
-    </cs:spPr>
-    <cs:defRPr sz="1330" kern="1200"/>
-  </cs:chartArea>
-  <cs:dataLabel>
-    <cs:lnRef idx="0"/>
-    <cs:fillRef idx="0"/>
-    <cs:effectRef idx="0"/>
-    <cs:fontRef idx="minor">
-      <a:schemeClr val="lt1">
-        <a:lumMod val="85000"/>
-      </a:schemeClr>
-    </cs:fontRef>
-    <cs:defRPr sz="1197" kern="1200"/>
-  </cs:dataLabel>
-  <cs:dataLabelCallout>
-    <cs:lnRef idx="0"/>
-    <cs:fillRef idx="0"/>
-    <cs:effectRef idx="0"/>
-    <cs:fontRef idx="minor">
-      <a:schemeClr val="dk1">
-        <a:lumMod val="65000"/>
-        <a:lumOff val="35000"/>
-      </a:schemeClr>
-    </cs:fontRef>
-    <cs:spPr>
-      <a:solidFill>
-        <a:schemeClr val="lt1"/>
-      </a:solidFill>
-    </cs:spPr>
-    <cs:defRPr sz="1197" kern="1200"/>
-    <cs:bodyPr rot="0" spcFirstLastPara="1" vertOverflow="clip" horzOverflow="clip" vert="horz" wrap="square" lIns="36576" tIns="18288" rIns="36576" bIns="18288" anchor="ctr" anchorCtr="1">
-      <a:spAutoFit/>
-    </cs:bodyPr>
-  </cs:dataLabelCallout>
-  <cs:dataPoint>
-    <cs:lnRef idx="0"/>
-    <cs:fillRef idx="3">
-      <cs:styleClr val="auto"/>
-    </cs:fillRef>
-    <cs:effectRef idx="3"/>
-    <cs:fontRef idx="minor">
-      <a:schemeClr val="tx1"/>
-    </cs:fontRef>
-  </cs:dataPoint>
-  <cs:dataPoint3D>
-    <cs:lnRef idx="0"/>
-    <cs:fillRef idx="3">
-      <cs:styleClr val="auto"/>
-    </cs:fillRef>
-    <cs:effectRef idx="3"/>
-    <cs:fontRef idx="minor">
-      <a:schemeClr val="tx1"/>
-    </cs:fontRef>
-  </cs:dataPoint3D>
-  <cs:dataPointLine>
-    <cs:lnRef idx="0">
-      <cs:styleClr val="auto"/>
-    </cs:lnRef>
-    <cs:fillRef idx="3"/>
-    <cs:effectRef idx="3"/>
-    <cs:fontRef idx="minor">
-      <a:schemeClr val="tx1"/>
-    </cs:fontRef>
-    <cs:spPr>
-      <a:ln w="34925" cap="rnd">
-        <a:solidFill>
-          <a:schemeClr val="phClr"/>
-        </a:solidFill>
-        <a:round/>
-      </a:ln>
-    </cs:spPr>
-  </cs:dataPointLine>
-  <cs:dataPointMarker>
-    <cs:lnRef idx="0">
-      <cs:styleClr val="auto"/>
-    </cs:lnRef>
-    <cs:fillRef idx="3">
-      <cs:styleClr val="auto"/>
-    </cs:fillRef>
-    <cs:effectRef idx="3"/>
-    <cs:fontRef idx="minor">
-      <a:schemeClr val="tx1"/>
-    </cs:fontRef>
-    <cs:spPr>
-      <a:ln w="9525">
-        <a:solidFill>
-          <a:schemeClr val="phClr"/>
-        </a:solidFill>
-        <a:round/>
-      </a:ln>
-    </cs:spPr>
-  </cs:dataPointMarker>
-  <cs:dataPointMarkerLayout symbol="circle" size="6"/>
-  <cs:dataPointWireframe>
-    <cs:lnRef idx="0">
-      <cs:styleClr val="auto"/>
-    </cs:lnRef>
-    <cs:fillRef idx="3"/>
-    <cs:effectRef idx="3"/>
-    <cs:fontRef idx="minor">
-      <a:schemeClr val="tx1"/>
-    </cs:fontRef>
-    <cs:spPr>
-      <a:ln w="9525" cap="rnd">
-        <a:solidFill>
-          <a:schemeClr val="phClr"/>
-        </a:solidFill>
-        <a:round/>
-      </a:ln>
-    </cs:spPr>
-  </cs:dataPointWireframe>
-  <cs:dataTable>
-    <cs:lnRef idx="0"/>
-    <cs:fillRef idx="0"/>
-    <cs:effectRef idx="0"/>
-    <cs:fontRef idx="minor">
-      <a:schemeClr val="lt1">
-        <a:lumMod val="85000"/>
-      </a:schemeClr>
-    </cs:fontRef>
-    <cs:spPr>
-      <a:ln w="9525">
-        <a:solidFill>
-          <a:schemeClr val="lt1">
-            <a:lumMod val="95000"/>
-            <a:alpha val="54000"/>
-          </a:schemeClr>
-        </a:solidFill>
-      </a:ln>
-    </cs:spPr>
-    <cs:defRPr sz="1197" kern="1200"/>
-  </cs:dataTable>
-  <cs:downBar>
-    <cs:lnRef idx="0"/>
-    <cs:fillRef idx="0"/>
-    <cs:effectRef idx="0"/>
-    <cs:fontRef idx="minor">
-      <a:schemeClr val="tx1"/>
-    </cs:fontRef>
-    <cs:spPr>
-      <a:solidFill>
-        <a:schemeClr val="dk1">
-          <a:lumMod val="75000"/>
-          <a:lumOff val="25000"/>
-        </a:schemeClr>
-      </a:solidFill>
-      <a:ln w="9525">
-        <a:solidFill>
-          <a:schemeClr val="lt1">
-            <a:lumMod val="95000"/>
-            <a:alpha val="54000"/>
-          </a:schemeClr>
-        </a:solidFill>
-      </a:ln>
-    </cs:spPr>
-  </cs:downBar>
-  <cs:dropLine>
-    <cs:lnRef idx="0"/>
-    <cs:fillRef idx="0"/>
-    <cs:effectRef idx="0"/>
-    <cs:fontRef idx="minor">
-      <a:schemeClr val="tx1"/>
-    </cs:fontRef>
-    <cs:spPr>
-      <a:ln w="9525">
-        <a:solidFill>
-          <a:schemeClr val="lt1">
-            <a:lumMod val="95000"/>
-            <a:alpha val="54000"/>
-          </a:schemeClr>
-        </a:solidFill>
-        <a:prstDash val="dash"/>
-      </a:ln>
-    </cs:spPr>
-  </cs:dropLine>
-  <cs:errorBar>
-    <cs:lnRef idx="0"/>
-    <cs:fillRef idx="0"/>
-    <cs:effectRef idx="0"/>
-    <cs:fontRef idx="minor">
-      <a:schemeClr val="tx1"/>
-    </cs:fontRef>
-    <cs:spPr>
-      <a:ln w="9525" cap="flat" cmpd="sng" algn="ctr">
-        <a:solidFill>
-          <a:schemeClr val="lt1">
-            <a:lumMod val="95000"/>
-          </a:schemeClr>
-        </a:solidFill>
-        <a:round/>
-      </a:ln>
-    </cs:spPr>
-  </cs:errorBar>
-  <cs:floor>
-    <cs:lnRef idx="0"/>
-    <cs:fillRef idx="0"/>
-    <cs:effectRef idx="0"/>
-    <cs:fontRef idx="minor">
-      <a:schemeClr val="tx1"/>
-    </cs:fontRef>
-  </cs:floor>
-  <cs:gridlineMajor>
-    <cs:lnRef idx="0"/>
-    <cs:fillRef idx="0"/>
-    <cs:effectRef idx="0"/>
-    <cs:fontRef idx="minor">
-      <a:schemeClr val="tx1"/>
-    </cs:fontRef>
-    <cs:spPr>
-      <a:ln w="9525" cap="flat" cmpd="sng" algn="ctr">
-        <a:solidFill>
-          <a:schemeClr val="lt1">
-            <a:lumMod val="95000"/>
-            <a:alpha val="10000"/>
-          </a:schemeClr>
-        </a:solidFill>
-        <a:round/>
-      </a:ln>
-    </cs:spPr>
-  </cs:gridlineMajor>
-  <cs:gridlineMinor>
-    <cs:lnRef idx="0"/>
-    <cs:fillRef idx="0"/>
-    <cs:effectRef idx="0"/>
-    <cs:fontRef idx="minor">
-      <a:schemeClr val="tx1"/>
-    </cs:fontRef>
-    <cs:spPr>
-      <a:ln>
-        <a:solidFill>
-          <a:schemeClr val="lt1">
-            <a:lumMod val="95000"/>
-            <a:alpha val="5000"/>
-          </a:schemeClr>
-        </a:solidFill>
-      </a:ln>
-    </cs:spPr>
-  </cs:gridlineMinor>
-  <cs:hiLoLine>
-    <cs:lnRef idx="0"/>
-    <cs:fillRef idx="0"/>
-    <cs:effectRef idx="0"/>
-    <cs:fontRef idx="minor">
-      <a:schemeClr val="tx1"/>
-    </cs:fontRef>
-    <cs:spPr>
-      <a:ln w="9525">
-        <a:solidFill>
-          <a:schemeClr val="lt1">
-            <a:lumMod val="95000"/>
-            <a:alpha val="54000"/>
-          </a:schemeClr>
-        </a:solidFill>
-        <a:prstDash val="dash"/>
-      </a:ln>
-    </cs:spPr>
-  </cs:hiLoLine>
-  <cs:leaderLine>
-    <cs:lnRef idx="0"/>
-    <cs:fillRef idx="0"/>
-    <cs:effectRef idx="0"/>
-    <cs:fontRef idx="minor">
-      <a:schemeClr val="tx1"/>
-    </cs:fontRef>
-    <cs:spPr>
-      <a:ln w="9525">
-        <a:solidFill>
-          <a:schemeClr val="lt1">
-            <a:lumMod val="95000"/>
-            <a:alpha val="54000"/>
-          </a:schemeClr>
-        </a:solidFill>
-      </a:ln>
-    </cs:spPr>
-  </cs:leaderLine>
-  <cs:legend>
-    <cs:lnRef idx="0"/>
-    <cs:fillRef idx="0"/>
-    <cs:effectRef idx="0"/>
-    <cs:fontRef idx="minor">
-      <a:schemeClr val="lt1">
-        <a:lumMod val="85000"/>
-      </a:schemeClr>
-    </cs:fontRef>
-    <cs:defRPr sz="1197" kern="1200"/>
-  </cs:legend>
-  <cs:plotArea>
-    <cs:lnRef idx="0"/>
-    <cs:fillRef idx="0"/>
-    <cs:effectRef idx="0"/>
-    <cs:fontRef idx="minor">
-      <a:schemeClr val="tx1"/>
-    </cs:fontRef>
-  </cs:plotArea>
-  <cs:plotArea3D>
-    <cs:lnRef idx="0"/>
-    <cs:fillRef idx="0"/>
-    <cs:effectRef idx="0"/>
-    <cs:fontRef idx="minor">
-      <a:schemeClr val="tx1"/>
-    </cs:fontRef>
-  </cs:plotArea3D>
-  <cs:seriesAxis>
-    <cs:lnRef idx="0"/>
-    <cs:fillRef idx="0"/>
-    <cs:effectRef idx="0"/>
-    <cs:fontRef idx="minor">
-      <a:schemeClr val="lt1">
-        <a:lumMod val="85000"/>
-      </a:schemeClr>
-    </cs:fontRef>
-    <cs:spPr>
-      <a:ln w="12700" cap="flat" cmpd="sng" algn="ctr">
-        <a:solidFill>
-          <a:schemeClr val="lt1">
-            <a:lumMod val="95000"/>
-            <a:alpha val="54000"/>
-          </a:schemeClr>
-        </a:solidFill>
-        <a:round/>
-      </a:ln>
-    </cs:spPr>
-    <cs:defRPr sz="1197" kern="1200"/>
-  </cs:seriesAxis>
-  <cs:seriesLine>
-    <cs:lnRef idx="0"/>
-    <cs:fillRef idx="0"/>
-    <cs:effectRef idx="0"/>
-    <cs:fontRef idx="minor">
-      <a:schemeClr val="lt1"/>
-    </cs:fontRef>
-    <cs:spPr>
-      <a:ln w="9525" cap="flat" cmpd="sng" algn="ctr">
-        <a:solidFill>
-          <a:schemeClr val="lt1">
-            <a:lumMod val="95000"/>
-            <a:alpha val="54000"/>
-          </a:schemeClr>
-        </a:solidFill>
-        <a:round/>
-      </a:ln>
-    </cs:spPr>
-  </cs:seriesLine>
-  <cs:title>
-    <cs:lnRef idx="0"/>
-    <cs:fillRef idx="0"/>
-    <cs:effectRef idx="0"/>
-    <cs:fontRef idx="minor">
-      <a:schemeClr val="lt1">
-        <a:lumMod val="95000"/>
-      </a:schemeClr>
-    </cs:fontRef>
-    <cs:defRPr sz="2128" b="1" kern="1200" spc="100" baseline="0">
-      <a:effectLst>
-        <a:outerShdw blurRad="50800" dist="38100" dir="5400000" algn="t" rotWithShape="0">
-          <a:prstClr val="black">
-            <a:alpha val="40000"/>
-          </a:prstClr>
-        </a:outerShdw>
-      </a:effectLst>
-    </cs:defRPr>
-  </cs:title>
-  <cs:trendline>
-    <cs:lnRef idx="0">
-      <cs:styleClr val="auto"/>
-    </cs:lnRef>
-    <cs:fillRef idx="0"/>
-    <cs:effectRef idx="0"/>
-    <cs:fontRef idx="minor">
-      <a:schemeClr val="tx1"/>
-    </cs:fontRef>
-    <cs:spPr>
-      <a:ln w="19050" cap="rnd">
-        <a:solidFill>
-          <a:schemeClr val="phClr"/>
-        </a:solidFill>
-      </a:ln>
-    </cs:spPr>
-  </cs:trendline>
-  <cs:trendlineLabel>
-    <cs:lnRef idx="0"/>
-    <cs:fillRef idx="0"/>
-    <cs:effectRef idx="0"/>
-    <cs:fontRef idx="minor">
-      <a:schemeClr val="lt1">
-        <a:lumMod val="85000"/>
-      </a:schemeClr>
-    </cs:fontRef>
-    <cs:defRPr sz="1197" kern="1200"/>
-  </cs:trendlineLabel>
-  <cs:upBar>
-    <cs:lnRef idx="0"/>
-    <cs:fillRef idx="0"/>
-    <cs:effectRef idx="0"/>
-    <cs:fontRef idx="minor">
-      <a:schemeClr val="tx1"/>
-    </cs:fontRef>
-    <cs:spPr>
-      <a:solidFill>
-        <a:schemeClr val="lt1"/>
-      </a:solidFill>
-      <a:ln w="9525">
-        <a:solidFill>
-          <a:schemeClr val="lt1">
-            <a:lumMod val="95000"/>
-            <a:alpha val="54000"/>
-          </a:schemeClr>
-        </a:solidFill>
-      </a:ln>
-    </cs:spPr>
-  </cs:upBar>
-  <cs:valueAxis>
-    <cs:lnRef idx="0"/>
-    <cs:fillRef idx="0"/>
-    <cs:effectRef idx="0"/>
-    <cs:fontRef idx="minor">
-      <a:schemeClr val="lt1">
-        <a:lumMod val="85000"/>
-      </a:schemeClr>
-    </cs:fontRef>
-    <cs:defRPr sz="1197" kern="1200"/>
-  </cs:valueAxis>
-  <cs:wall>
-    <cs:lnRef idx="0"/>
-    <cs:fillRef idx="0"/>
-    <cs:effectRef idx="0"/>
-    <cs:fontRef idx="minor">
-      <a:schemeClr val="tx1"/>
-    </cs:fontRef>
-  </cs:wall>
-</cs:chartStyle>
-</file>
-
-<file path=ppt/charts/style2.xml><?xml version="1.0" encoding="utf-8"?>
 <cs:chartStyle xmlns:cs="http://schemas.microsoft.com/office/drawing/2012/chartStyle" xmlns:a="http://schemas.openxmlformats.org/drawingml/2006/main" id="257">
   <cs:axisTitle>
     <cs:lnRef idx="0"/>
@@ -2419,7 +1345,7 @@
           <a:p>
             <a:fld id="{9BB1FC3C-743C-D440-849B-A5D1FCB9B240}" type="datetimeFigureOut">
               <a:rPr lang="it-IT" smtClean="0"/>
-              <a:t>12/05/2018</a:t>
+              <a:t>13/05/2018</a:t>
             </a:fld>
             <a:endParaRPr lang="it-IT"/>
           </a:p>
@@ -7596,117 +6522,6 @@
       </p:sp>
       <p:sp>
         <p:nvSpPr>
-          <p:cNvPr id="22" name="五边形 21"/>
-          <p:cNvSpPr/>
-          <p:nvPr/>
-        </p:nvSpPr>
-        <p:spPr>
-          <a:xfrm>
-            <a:off x="5143499" y="1432283"/>
-            <a:ext cx="1966067" cy="632045"/>
-          </a:xfrm>
-          <a:prstGeom prst="homePlate">
-            <a:avLst>
-              <a:gd name="adj" fmla="val 0"/>
-            </a:avLst>
-          </a:prstGeom>
-          <a:solidFill>
-            <a:schemeClr val="accent3"/>
-          </a:solidFill>
-          <a:ln w="25400" cap="flat" cmpd="sng" algn="ctr">
-            <a:noFill/>
-            <a:prstDash val="solid"/>
-          </a:ln>
-          <a:effectLst/>
-        </p:spPr>
-        <p:txBody>
-          <a:bodyPr rtlCol="0" anchor="t"/>
-          <a:lstStyle/>
-          <a:p>
-            <a:pPr marL="0" marR="0" lvl="0" indent="0" defTabSz="609630" eaLnBrk="1" fontAlgn="auto" latinLnBrk="0" hangingPunct="1">
-              <a:lnSpc>
-                <a:spcPct val="100000"/>
-              </a:lnSpc>
-              <a:spcBef>
-                <a:spcPts val="0"/>
-              </a:spcBef>
-              <a:spcAft>
-                <a:spcPts val="0"/>
-              </a:spcAft>
-              <a:buClrTx/>
-              <a:buSzTx/>
-              <a:buFontTx/>
-              <a:buNone/>
-              <a:tabLst/>
-              <a:defRPr/>
-            </a:pPr>
-            <a:endParaRPr kumimoji="0" lang="en-US" altLang="zh-CN" sz="1867" b="0" i="0" u="none" strike="noStrike" kern="0" cap="none" spc="0" normalizeH="0" baseline="0" noProof="0" dirty="0">
-              <a:ln>
-                <a:noFill/>
-              </a:ln>
-              <a:solidFill>
-                <a:srgbClr val="FFFFFF"/>
-              </a:solidFill>
-              <a:effectLst/>
-              <a:uLnTx/>
-              <a:uFillTx/>
-              <a:latin typeface="Century Gothic"/>
-              <a:ea typeface="微软雅黑" charset="0"/>
-              <a:cs typeface=""/>
-            </a:endParaRPr>
-          </a:p>
-        </p:txBody>
-      </p:sp>
-      <p:sp>
-        <p:nvSpPr>
-          <p:cNvPr id="31" name="矩形 30"/>
-          <p:cNvSpPr/>
-          <p:nvPr/>
-        </p:nvSpPr>
-        <p:spPr>
-          <a:xfrm>
-            <a:off x="5152014" y="1517472"/>
-            <a:ext cx="1957553" cy="461665"/>
-          </a:xfrm>
-          <a:prstGeom prst="rect">
-            <a:avLst/>
-          </a:prstGeom>
-        </p:spPr>
-        <p:txBody>
-          <a:bodyPr wrap="square">
-            <a:spAutoFit/>
-          </a:bodyPr>
-          <a:lstStyle/>
-          <a:p>
-            <a:pPr algn="ctr" defTabSz="609630"/>
-            <a:r>
-              <a:rPr lang="it-IT" sz="2400" dirty="0">
-                <a:solidFill>
-                  <a:schemeClr val="accent4">
-                    <a:lumMod val="75000"/>
-                  </a:schemeClr>
-                </a:solidFill>
-                <a:latin typeface="Microsoft YaHei" charset="-122"/>
-                <a:ea typeface="Microsoft YaHei" charset="-122"/>
-                <a:cs typeface="Microsoft YaHei" charset="-122"/>
-              </a:rPr>
-              <a:t>Copertura</a:t>
-            </a:r>
-            <a:endParaRPr lang="it-IT" sz="2400" i="1" dirty="0">
-              <a:solidFill>
-                <a:schemeClr val="accent4">
-                  <a:lumMod val="75000"/>
-                </a:schemeClr>
-              </a:solidFill>
-              <a:latin typeface="Microsoft YaHei" charset="-122"/>
-              <a:ea typeface="Microsoft YaHei" charset="-122"/>
-              <a:cs typeface="Microsoft YaHei" charset="-122"/>
-            </a:endParaRPr>
-          </a:p>
-        </p:txBody>
-      </p:sp>
-      <p:sp>
-        <p:nvSpPr>
           <p:cNvPr id="8" name="CasellaDiTesto 7"/>
           <p:cNvSpPr txBox="1"/>
           <p:nvPr/>
@@ -7737,34 +6552,6 @@
       </p:sp>
       <p:graphicFrame>
         <p:nvGraphicFramePr>
-          <p:cNvPr id="7" name="Grafico 6">
-            <a:extLst>
-              <a:ext uri="{FF2B5EF4-FFF2-40B4-BE49-F238E27FC236}">
-                <a16:creationId xmlns:a16="http://schemas.microsoft.com/office/drawing/2014/main" id="{43FB6957-9C73-4A49-BF34-997B8AA5A42C}"/>
-              </a:ext>
-            </a:extLst>
-          </p:cNvPr>
-          <p:cNvGraphicFramePr/>
-          <p:nvPr>
-            <p:extLst>
-              <p:ext uri="{D42A27DB-BD31-4B8C-83A1-F6EECF244321}">
-                <p14:modId xmlns:p14="http://schemas.microsoft.com/office/powerpoint/2010/main" val="626978479"/>
-              </p:ext>
-            </p:extLst>
-          </p:nvPr>
-        </p:nvGraphicFramePr>
-        <p:xfrm>
-          <a:off x="6587570" y="2064328"/>
-          <a:ext cx="3928029" cy="4234933"/>
-        </p:xfrm>
-        <a:graphic>
-          <a:graphicData uri="http://schemas.openxmlformats.org/drawingml/2006/chart">
-            <c:chart xmlns:c="http://schemas.openxmlformats.org/drawingml/2006/chart" xmlns:r="http://schemas.openxmlformats.org/officeDocument/2006/relationships" r:id="rId2"/>
-          </a:graphicData>
-        </a:graphic>
-      </p:graphicFrame>
-      <p:graphicFrame>
-        <p:nvGraphicFramePr>
           <p:cNvPr id="10" name="Grafico 9">
             <a:extLst>
               <a:ext uri="{FF2B5EF4-FFF2-40B4-BE49-F238E27FC236}">
@@ -7776,18 +6563,18 @@
           <p:nvPr>
             <p:extLst>
               <p:ext uri="{D42A27DB-BD31-4B8C-83A1-F6EECF244321}">
-                <p14:modId xmlns:p14="http://schemas.microsoft.com/office/powerpoint/2010/main" val="1319985132"/>
+                <p14:modId xmlns:p14="http://schemas.microsoft.com/office/powerpoint/2010/main" val="2130019417"/>
               </p:ext>
             </p:extLst>
           </p:nvPr>
         </p:nvGraphicFramePr>
         <p:xfrm>
-          <a:off x="1884785" y="2064328"/>
-          <a:ext cx="4034572" cy="4234934"/>
+          <a:off x="2024743" y="1399592"/>
+          <a:ext cx="8627423" cy="4591760"/>
         </p:xfrm>
         <a:graphic>
           <a:graphicData uri="http://schemas.openxmlformats.org/drawingml/2006/chart">
-            <c:chart xmlns:c="http://schemas.openxmlformats.org/drawingml/2006/chart" xmlns:r="http://schemas.openxmlformats.org/officeDocument/2006/relationships" r:id="rId3"/>
+            <c:chart xmlns:c="http://schemas.openxmlformats.org/drawingml/2006/chart" xmlns:r="http://schemas.openxmlformats.org/officeDocument/2006/relationships" r:id="rId2"/>
           </a:graphicData>
         </a:graphic>
       </p:graphicFrame>
@@ -7885,7 +6672,7 @@
                 <a:ea typeface="Microsoft YaHei" charset="-122"/>
                 <a:cs typeface="Microsoft YaHei" charset="-122"/>
               </a:rPr>
-              <a:t>Collaudo</a:t>
+              <a:t>Copertura</a:t>
             </a:r>
           </a:p>
         </p:txBody>
@@ -7996,79 +6783,6 @@
                                   </p:childTnLst>
                                 </p:cTn>
                               </p:par>
-                              <p:par>
-                                <p:cTn id="9" presetID="2" presetClass="entr" presetSubtype="4" fill="hold" grpId="0" nodeType="withEffect">
-                                  <p:stCondLst>
-                                    <p:cond delay="0"/>
-                                  </p:stCondLst>
-                                  <p:childTnLst>
-                                    <p:set>
-                                      <p:cBhvr>
-                                        <p:cTn id="10" dur="1" fill="hold">
-                                          <p:stCondLst>
-                                            <p:cond delay="0"/>
-                                          </p:stCondLst>
-                                        </p:cTn>
-                                        <p:tgtEl>
-                                          <p:spTgt spid="7"/>
-                                        </p:tgtEl>
-                                        <p:attrNameLst>
-                                          <p:attrName>style.visibility</p:attrName>
-                                        </p:attrNameLst>
-                                      </p:cBhvr>
-                                      <p:to>
-                                        <p:strVal val="visible"/>
-                                      </p:to>
-                                    </p:set>
-                                    <p:anim calcmode="lin" valueType="num">
-                                      <p:cBhvr additive="base">
-                                        <p:cTn id="11" dur="500" fill="hold"/>
-                                        <p:tgtEl>
-                                          <p:spTgt spid="7"/>
-                                        </p:tgtEl>
-                                        <p:attrNameLst>
-                                          <p:attrName>ppt_x</p:attrName>
-                                        </p:attrNameLst>
-                                      </p:cBhvr>
-                                      <p:tavLst>
-                                        <p:tav tm="0">
-                                          <p:val>
-                                            <p:strVal val="#ppt_x"/>
-                                          </p:val>
-                                        </p:tav>
-                                        <p:tav tm="100000">
-                                          <p:val>
-                                            <p:strVal val="#ppt_x"/>
-                                          </p:val>
-                                        </p:tav>
-                                      </p:tavLst>
-                                    </p:anim>
-                                    <p:anim calcmode="lin" valueType="num">
-                                      <p:cBhvr additive="base">
-                                        <p:cTn id="12" dur="500" fill="hold"/>
-                                        <p:tgtEl>
-                                          <p:spTgt spid="7"/>
-                                        </p:tgtEl>
-                                        <p:attrNameLst>
-                                          <p:attrName>ppt_y</p:attrName>
-                                        </p:attrNameLst>
-                                      </p:cBhvr>
-                                      <p:tavLst>
-                                        <p:tav tm="0">
-                                          <p:val>
-                                            <p:strVal val="1+#ppt_h/2"/>
-                                          </p:val>
-                                        </p:tav>
-                                        <p:tav tm="100000">
-                                          <p:val>
-                                            <p:strVal val="#ppt_y"/>
-                                          </p:val>
-                                        </p:tav>
-                                      </p:tavLst>
-                                    </p:anim>
-                                  </p:childTnLst>
-                                </p:cTn>
-                              </p:par>
                             </p:childTnLst>
                           </p:cTn>
                         </p:par>
@@ -8097,9 +6811,6 @@
       </p:par>
     </p:tnLst>
     <p:bldLst>
-      <p:bldGraphic spid="7" grpId="0">
-        <p:bldAsOne/>
-      </p:bldGraphic>
       <p:bldGraphic spid="10" grpId="0">
         <p:bldAsOne/>
       </p:bldGraphic>

--- a/Presentazioni/Presentazioni RA/Presentazione RA.pptx
+++ b/Presentazioni/Presentazioni RA/Presentazione RA.pptx
@@ -5,7 +5,7 @@
     <p:sldMasterId id="2147483666" r:id="rId1"/>
   </p:sldMasterIdLst>
   <p:notesMasterIdLst>
-    <p:notesMasterId r:id="rId22"/>
+    <p:notesMasterId r:id="rId21"/>
   </p:notesMasterIdLst>
   <p:sldIdLst>
     <p:sldId id="258" r:id="rId2"/>
@@ -26,8 +26,7 @@
     <p:sldId id="285" r:id="rId17"/>
     <p:sldId id="286" r:id="rId18"/>
     <p:sldId id="298" r:id="rId19"/>
-    <p:sldId id="299" r:id="rId20"/>
-    <p:sldId id="274" r:id="rId21"/>
+    <p:sldId id="274" r:id="rId20"/>
   </p:sldIdLst>
   <p:sldSz cx="12192000" cy="6858000"/>
   <p:notesSz cx="6858000" cy="9144000"/>
@@ -4708,7 +4707,7 @@
           <a:p>
             <a:r>
               <a:rPr lang="en-US" altLang="zh-TW" dirty="0"/>
-              <a:t>1/19</a:t>
+              <a:t>1/18</a:t>
             </a:r>
             <a:endParaRPr lang="it-IT" dirty="0"/>
           </a:p>
@@ -4922,7 +4921,7 @@
           <a:p>
             <a:r>
               <a:rPr lang="en-US" altLang="zh-TW" dirty="0"/>
-              <a:t>10/19</a:t>
+              <a:t>10/18</a:t>
             </a:r>
             <a:endParaRPr lang="it-IT" dirty="0"/>
           </a:p>
@@ -5158,7 +5157,7 @@
                   <a:schemeClr val="bg1"/>
                 </a:solidFill>
               </a:rPr>
-              <a:t>11/19</a:t>
+              <a:t>11/18</a:t>
             </a:r>
             <a:endParaRPr lang="it-IT" dirty="0">
               <a:solidFill>
@@ -5388,7 +5387,7 @@
                   <a:schemeClr val="bg1"/>
                 </a:solidFill>
               </a:rPr>
-              <a:t>12/19</a:t>
+              <a:t>12/18</a:t>
             </a:r>
             <a:endParaRPr lang="it-IT" dirty="0">
               <a:solidFill>
@@ -5540,7 +5539,7 @@
           <a:p>
             <a:r>
               <a:rPr lang="en-US" altLang="zh-TW" dirty="0"/>
-              <a:t>13/19</a:t>
+              <a:t>13/18</a:t>
             </a:r>
             <a:endParaRPr lang="it-IT" dirty="0"/>
           </a:p>
@@ -6544,7 +6543,7 @@
           <a:p>
             <a:r>
               <a:rPr lang="en-US" altLang="zh-TW" dirty="0"/>
-              <a:t>14/19</a:t>
+              <a:t>14/18</a:t>
             </a:r>
             <a:endParaRPr lang="it-IT" dirty="0"/>
           </a:p>
@@ -6908,7 +6907,7 @@
                   <a:schemeClr val="bg1"/>
                 </a:solidFill>
               </a:rPr>
-              <a:t>15/19</a:t>
+              <a:t>15/18</a:t>
             </a:r>
             <a:endParaRPr lang="it-IT" dirty="0">
               <a:solidFill>
@@ -7087,7 +7086,7 @@
           <a:p>
             <a:r>
               <a:rPr lang="en-US" altLang="zh-TW" dirty="0"/>
-              <a:t>16/19</a:t>
+              <a:t>16/18</a:t>
             </a:r>
             <a:endParaRPr lang="it-IT" dirty="0"/>
           </a:p>
@@ -12326,7 +12325,7 @@
           <a:p>
             <a:r>
               <a:rPr lang="en-US" altLang="zh-TW" dirty="0"/>
-              <a:t>17/19</a:t>
+              <a:t>17/18</a:t>
             </a:r>
             <a:endParaRPr lang="it-IT" dirty="0"/>
           </a:p>
@@ -12646,7 +12645,7 @@
           <a:p>
             <a:r>
               <a:rPr lang="en-US" altLang="zh-TW" dirty="0"/>
-              <a:t>18/19</a:t>
+              <a:t>18/18</a:t>
             </a:r>
             <a:endParaRPr lang="it-IT" dirty="0"/>
           </a:p>
@@ -14013,2428 +14012,6 @@
       </p:grpSpPr>
       <p:sp>
         <p:nvSpPr>
-          <p:cNvPr id="2" name="文本占位符 1"/>
-          <p:cNvSpPr>
-            <a:spLocks noGrp="1"/>
-          </p:cNvSpPr>
-          <p:nvPr>
-            <p:ph type="body" sz="quarter" idx="10"/>
-          </p:nvPr>
-        </p:nvSpPr>
-        <p:spPr>
-          <a:xfrm>
-            <a:off x="531225" y="296335"/>
-            <a:ext cx="11068083" cy="877711"/>
-          </a:xfrm>
-        </p:spPr>
-        <p:txBody>
-          <a:bodyPr/>
-          <a:lstStyle/>
-          <a:p>
-            <a:pPr defTabSz="609630">
-              <a:lnSpc>
-                <a:spcPct val="110000"/>
-              </a:lnSpc>
-            </a:pPr>
-            <a:endParaRPr kumimoji="1" lang="it-IT" sz="3600" dirty="0">
-              <a:latin typeface="Microsoft YaHei" charset="0"/>
-              <a:ea typeface="Microsoft YaHei" charset="0"/>
-            </a:endParaRPr>
-          </a:p>
-          <a:p>
-            <a:pPr defTabSz="609630">
-              <a:lnSpc>
-                <a:spcPct val="110000"/>
-              </a:lnSpc>
-            </a:pPr>
-            <a:r>
-              <a:rPr lang="it-IT" sz="3600" dirty="0"/>
-              <a:t>Rendicontazione di impegno e costi</a:t>
-            </a:r>
-            <a:endParaRPr lang="it-IT" altLang="zh-CN" sz="3600" dirty="0"/>
-          </a:p>
-          <a:p>
-            <a:pPr defTabSz="609630">
-              <a:lnSpc>
-                <a:spcPct val="110000"/>
-              </a:lnSpc>
-            </a:pPr>
-            <a:endParaRPr kumimoji="1" lang="it-IT" altLang="zh-CN" sz="3600" dirty="0">
-              <a:latin typeface="Microsoft YaHei" charset="0"/>
-              <a:ea typeface="Microsoft YaHei" charset="0"/>
-              <a:cs typeface="Microsoft YaHei" charset="0"/>
-            </a:endParaRPr>
-          </a:p>
-        </p:txBody>
-      </p:sp>
-      <p:sp>
-        <p:nvSpPr>
-          <p:cNvPr id="9" name="五边形 21"/>
-          <p:cNvSpPr/>
-          <p:nvPr/>
-        </p:nvSpPr>
-        <p:spPr>
-          <a:xfrm>
-            <a:off x="5952931" y="1137941"/>
-            <a:ext cx="6239067" cy="632045"/>
-          </a:xfrm>
-          <a:prstGeom prst="homePlate">
-            <a:avLst>
-              <a:gd name="adj" fmla="val 0"/>
-            </a:avLst>
-          </a:prstGeom>
-          <a:solidFill>
-            <a:schemeClr val="accent3"/>
-          </a:solidFill>
-          <a:ln w="25400" cap="flat" cmpd="sng" algn="ctr">
-            <a:noFill/>
-            <a:prstDash val="solid"/>
-          </a:ln>
-          <a:effectLst/>
-        </p:spPr>
-        <p:txBody>
-          <a:bodyPr rtlCol="0" anchor="t"/>
-          <a:lstStyle/>
-          <a:p>
-            <a:pPr marL="0" marR="0" lvl="0" indent="0" defTabSz="609630" eaLnBrk="1" fontAlgn="auto" latinLnBrk="0" hangingPunct="1">
-              <a:lnSpc>
-                <a:spcPct val="100000"/>
-              </a:lnSpc>
-              <a:spcBef>
-                <a:spcPts val="0"/>
-              </a:spcBef>
-              <a:spcAft>
-                <a:spcPts val="0"/>
-              </a:spcAft>
-              <a:buClrTx/>
-              <a:buSzTx/>
-              <a:buFontTx/>
-              <a:buNone/>
-              <a:tabLst/>
-              <a:defRPr/>
-            </a:pPr>
-            <a:endParaRPr kumimoji="0" lang="en-US" altLang="zh-CN" sz="1867" b="0" i="0" u="none" strike="noStrike" kern="0" cap="none" spc="0" normalizeH="0" baseline="0" noProof="0" dirty="0">
-              <a:ln>
-                <a:noFill/>
-              </a:ln>
-              <a:solidFill>
-                <a:srgbClr val="FFFFFF"/>
-              </a:solidFill>
-              <a:effectLst/>
-              <a:uLnTx/>
-              <a:uFillTx/>
-              <a:latin typeface="Century Gothic"/>
-              <a:ea typeface="微软雅黑" charset="0"/>
-              <a:cs typeface=""/>
-            </a:endParaRPr>
-          </a:p>
-        </p:txBody>
-      </p:sp>
-      <p:sp>
-        <p:nvSpPr>
-          <p:cNvPr id="4" name="Rettangolo 3"/>
-          <p:cNvSpPr/>
-          <p:nvPr/>
-        </p:nvSpPr>
-        <p:spPr>
-          <a:xfrm>
-            <a:off x="5952932" y="1187319"/>
-            <a:ext cx="6239067" cy="566309"/>
-          </a:xfrm>
-          <a:prstGeom prst="rect">
-            <a:avLst/>
-          </a:prstGeom>
-        </p:spPr>
-        <p:txBody>
-          <a:bodyPr wrap="square">
-            <a:spAutoFit/>
-          </a:bodyPr>
-          <a:lstStyle/>
-          <a:p>
-            <a:pPr algn="ctr" defTabSz="609630">
-              <a:lnSpc>
-                <a:spcPct val="110000"/>
-              </a:lnSpc>
-            </a:pPr>
-            <a:r>
-              <a:rPr kumimoji="1" lang="it-IT" altLang="zh-CN" sz="2800" dirty="0">
-                <a:solidFill>
-                  <a:srgbClr val="515151"/>
-                </a:solidFill>
-                <a:latin typeface="Microsoft YaHei" charset="-122"/>
-                <a:ea typeface="Microsoft YaHei" charset="-122"/>
-              </a:rPr>
-              <a:t>Ore rendicontate con investimento</a:t>
-            </a:r>
-            <a:endParaRPr kumimoji="1" lang="zh-CN" altLang="en-US" sz="2800" dirty="0">
-              <a:solidFill>
-                <a:srgbClr val="515151"/>
-              </a:solidFill>
-              <a:latin typeface="Microsoft YaHei" charset="-122"/>
-              <a:ea typeface="Microsoft YaHei" charset="-122"/>
-            </a:endParaRPr>
-          </a:p>
-        </p:txBody>
-      </p:sp>
-      <p:sp>
-        <p:nvSpPr>
-          <p:cNvPr id="12" name="CasellaDiTesto 11">
-            <a:extLst>
-              <a:ext uri="{FF2B5EF4-FFF2-40B4-BE49-F238E27FC236}">
-                <a16:creationId xmlns:a16="http://schemas.microsoft.com/office/drawing/2014/main" id="{795E173F-2ED3-45FB-ABF3-2904DBCD1335}"/>
-              </a:ext>
-            </a:extLst>
-          </p:cNvPr>
-          <p:cNvSpPr txBox="1"/>
-          <p:nvPr/>
-        </p:nvSpPr>
-        <p:spPr>
-          <a:xfrm>
-            <a:off x="11288776" y="6299261"/>
-            <a:ext cx="798617" cy="369332"/>
-          </a:xfrm>
-          <a:prstGeom prst="rect">
-            <a:avLst/>
-          </a:prstGeom>
-          <a:noFill/>
-        </p:spPr>
-        <p:txBody>
-          <a:bodyPr wrap="none" rtlCol="0">
-            <a:spAutoFit/>
-          </a:bodyPr>
-          <a:lstStyle/>
-          <a:p>
-            <a:r>
-              <a:rPr lang="en-US" altLang="zh-TW" dirty="0"/>
-              <a:t>19/19</a:t>
-            </a:r>
-            <a:endParaRPr lang="it-IT" dirty="0"/>
-          </a:p>
-        </p:txBody>
-      </p:sp>
-      <p:graphicFrame>
-        <p:nvGraphicFramePr>
-          <p:cNvPr id="7" name="Tabella 6">
-            <a:extLst>
-              <a:ext uri="{FF2B5EF4-FFF2-40B4-BE49-F238E27FC236}">
-                <a16:creationId xmlns:a16="http://schemas.microsoft.com/office/drawing/2014/main" id="{B7B307AF-B50C-49C1-B367-18AD83144F46}"/>
-              </a:ext>
-            </a:extLst>
-          </p:cNvPr>
-          <p:cNvGraphicFramePr>
-            <a:graphicFrameLocks noGrp="1"/>
-          </p:cNvGraphicFramePr>
-          <p:nvPr>
-            <p:extLst>
-              <p:ext uri="{D42A27DB-BD31-4B8C-83A1-F6EECF244321}">
-                <p14:modId xmlns:p14="http://schemas.microsoft.com/office/powerpoint/2010/main" val="148270312"/>
-              </p:ext>
-            </p:extLst>
-          </p:nvPr>
-        </p:nvGraphicFramePr>
-        <p:xfrm>
-          <a:off x="969919" y="1988206"/>
-          <a:ext cx="9530371" cy="4219530"/>
-        </p:xfrm>
-        <a:graphic>
-          <a:graphicData uri="http://schemas.openxmlformats.org/drawingml/2006/table">
-            <a:tbl>
-              <a:tblPr firstRow="1" bandRow="1">
-                <a:tableStyleId>{F5AB1C69-6EDB-4FF4-983F-18BD219EF322}</a:tableStyleId>
-              </a:tblPr>
-              <a:tblGrid>
-                <a:gridCol w="2430780">
-                  <a:extLst>
-                    <a:ext uri="{9D8B030D-6E8A-4147-A177-3AD203B41FA5}">
-                      <a16:colId xmlns:a16="http://schemas.microsoft.com/office/drawing/2014/main" val="20000"/>
-                    </a:ext>
-                  </a:extLst>
-                </a:gridCol>
-                <a:gridCol w="935355">
-                  <a:extLst>
-                    <a:ext uri="{9D8B030D-6E8A-4147-A177-3AD203B41FA5}">
-                      <a16:colId xmlns:a16="http://schemas.microsoft.com/office/drawing/2014/main" val="20001"/>
-                    </a:ext>
-                  </a:extLst>
-                </a:gridCol>
-                <a:gridCol w="935355">
-                  <a:extLst>
-                    <a:ext uri="{9D8B030D-6E8A-4147-A177-3AD203B41FA5}">
-                      <a16:colId xmlns:a16="http://schemas.microsoft.com/office/drawing/2014/main" val="20002"/>
-                    </a:ext>
-                  </a:extLst>
-                </a:gridCol>
-                <a:gridCol w="1034963">
-                  <a:extLst>
-                    <a:ext uri="{9D8B030D-6E8A-4147-A177-3AD203B41FA5}">
-                      <a16:colId xmlns:a16="http://schemas.microsoft.com/office/drawing/2014/main" val="20003"/>
-                    </a:ext>
-                  </a:extLst>
-                </a:gridCol>
-                <a:gridCol w="1034963">
-                  <a:extLst>
-                    <a:ext uri="{9D8B030D-6E8A-4147-A177-3AD203B41FA5}">
-                      <a16:colId xmlns:a16="http://schemas.microsoft.com/office/drawing/2014/main" val="20004"/>
-                    </a:ext>
-                  </a:extLst>
-                </a:gridCol>
-                <a:gridCol w="970711">
-                  <a:extLst>
-                    <a:ext uri="{9D8B030D-6E8A-4147-A177-3AD203B41FA5}">
-                      <a16:colId xmlns:a16="http://schemas.microsoft.com/office/drawing/2014/main" val="20005"/>
-                    </a:ext>
-                  </a:extLst>
-                </a:gridCol>
-                <a:gridCol w="1124267">
-                  <a:extLst>
-                    <a:ext uri="{9D8B030D-6E8A-4147-A177-3AD203B41FA5}">
-                      <a16:colId xmlns:a16="http://schemas.microsoft.com/office/drawing/2014/main" val="20006"/>
-                    </a:ext>
-                  </a:extLst>
-                </a:gridCol>
-                <a:gridCol w="1063977">
-                  <a:extLst>
-                    <a:ext uri="{9D8B030D-6E8A-4147-A177-3AD203B41FA5}">
-                      <a16:colId xmlns:a16="http://schemas.microsoft.com/office/drawing/2014/main" val="20007"/>
-                    </a:ext>
-                  </a:extLst>
-                </a:gridCol>
-              </a:tblGrid>
-              <a:tr h="748818">
-                <a:tc>
-                  <a:txBody>
-                    <a:bodyPr/>
-                    <a:lstStyle/>
-                    <a:p>
-                      <a:pPr algn="l"/>
-                      <a:r>
-                        <a:rPr lang="it-IT" dirty="0">
-                          <a:solidFill>
-                            <a:schemeClr val="tx1"/>
-                          </a:solidFill>
-                        </a:rPr>
-                        <a:t>Nominativo</a:t>
-                      </a:r>
-                    </a:p>
-                  </a:txBody>
-                  <a:tcPr anchor="ctr"/>
-                </a:tc>
-                <a:tc>
-                  <a:txBody>
-                    <a:bodyPr/>
-                    <a:lstStyle/>
-                    <a:p>
-                      <a:pPr algn="ctr"/>
-                      <a:r>
-                        <a:rPr lang="it-IT" dirty="0">
-                          <a:solidFill>
-                            <a:schemeClr val="tx1"/>
-                          </a:solidFill>
-                        </a:rPr>
-                        <a:t>Re</a:t>
-                      </a:r>
-                    </a:p>
-                  </a:txBody>
-                  <a:tcPr anchor="ctr"/>
-                </a:tc>
-                <a:tc>
-                  <a:txBody>
-                    <a:bodyPr/>
-                    <a:lstStyle/>
-                    <a:p>
-                      <a:pPr algn="ctr"/>
-                      <a:r>
-                        <a:rPr lang="it-IT" dirty="0" err="1">
-                          <a:solidFill>
-                            <a:schemeClr val="tx1"/>
-                          </a:solidFill>
-                        </a:rPr>
-                        <a:t>Am</a:t>
-                      </a:r>
-                      <a:endParaRPr lang="it-IT" dirty="0">
-                        <a:solidFill>
-                          <a:schemeClr val="tx1"/>
-                        </a:solidFill>
-                      </a:endParaRPr>
-                    </a:p>
-                  </a:txBody>
-                  <a:tcPr anchor="ctr"/>
-                </a:tc>
-                <a:tc>
-                  <a:txBody>
-                    <a:bodyPr/>
-                    <a:lstStyle/>
-                    <a:p>
-                      <a:pPr algn="ctr"/>
-                      <a:r>
-                        <a:rPr lang="it-IT" dirty="0">
-                          <a:solidFill>
-                            <a:schemeClr val="tx1"/>
-                          </a:solidFill>
-                        </a:rPr>
-                        <a:t>An</a:t>
-                      </a:r>
-                    </a:p>
-                  </a:txBody>
-                  <a:tcPr anchor="ctr"/>
-                </a:tc>
-                <a:tc>
-                  <a:txBody>
-                    <a:bodyPr/>
-                    <a:lstStyle/>
-                    <a:p>
-                      <a:pPr algn="ctr"/>
-                      <a:r>
-                        <a:rPr lang="it-IT" dirty="0" err="1">
-                          <a:solidFill>
-                            <a:schemeClr val="tx1"/>
-                          </a:solidFill>
-                        </a:rPr>
-                        <a:t>Pt</a:t>
-                      </a:r>
-                      <a:endParaRPr lang="it-IT" dirty="0">
-                        <a:solidFill>
-                          <a:schemeClr val="tx1"/>
-                        </a:solidFill>
-                      </a:endParaRPr>
-                    </a:p>
-                  </a:txBody>
-                  <a:tcPr anchor="ctr"/>
-                </a:tc>
-                <a:tc>
-                  <a:txBody>
-                    <a:bodyPr/>
-                    <a:lstStyle/>
-                    <a:p>
-                      <a:pPr algn="ctr"/>
-                      <a:r>
-                        <a:rPr lang="it-IT" dirty="0">
-                          <a:solidFill>
-                            <a:schemeClr val="tx1"/>
-                          </a:solidFill>
-                        </a:rPr>
-                        <a:t>Pr</a:t>
-                      </a:r>
-                    </a:p>
-                  </a:txBody>
-                  <a:tcPr anchor="ctr"/>
-                </a:tc>
-                <a:tc>
-                  <a:txBody>
-                    <a:bodyPr/>
-                    <a:lstStyle/>
-                    <a:p>
-                      <a:pPr algn="ctr"/>
-                      <a:r>
-                        <a:rPr lang="it-IT" dirty="0">
-                          <a:solidFill>
-                            <a:schemeClr val="tx1"/>
-                          </a:solidFill>
-                        </a:rPr>
-                        <a:t>Ve</a:t>
-                      </a:r>
-                    </a:p>
-                  </a:txBody>
-                  <a:tcPr anchor="ctr"/>
-                </a:tc>
-                <a:tc>
-                  <a:txBody>
-                    <a:bodyPr/>
-                    <a:lstStyle/>
-                    <a:p>
-                      <a:pPr algn="ctr"/>
-                      <a:r>
-                        <a:rPr lang="it-IT" dirty="0">
-                          <a:solidFill>
-                            <a:schemeClr val="tx1"/>
-                          </a:solidFill>
-                        </a:rPr>
-                        <a:t>Ore totali</a:t>
-                      </a:r>
-                    </a:p>
-                  </a:txBody>
-                  <a:tcPr anchor="ctr"/>
-                </a:tc>
-                <a:extLst>
-                  <a:ext uri="{0D108BD9-81ED-4DB2-BD59-A6C34878D82A}">
-                    <a16:rowId xmlns:a16="http://schemas.microsoft.com/office/drawing/2014/main" val="10000"/>
-                  </a:ext>
-                </a:extLst>
-              </a:tr>
-              <a:tr h="433839">
-                <a:tc>
-                  <a:txBody>
-                    <a:bodyPr/>
-                    <a:lstStyle/>
-                    <a:p>
-                      <a:pPr algn="l"/>
-                      <a:r>
-                        <a:rPr lang="it-IT" dirty="0"/>
-                        <a:t>Marco Focchiatti</a:t>
-                      </a:r>
-                    </a:p>
-                  </a:txBody>
-                  <a:tcPr anchor="ctr"/>
-                </a:tc>
-                <a:tc>
-                  <a:txBody>
-                    <a:bodyPr/>
-                    <a:lstStyle/>
-                    <a:p>
-                      <a:pPr algn="ctr"/>
-                      <a:r>
-                        <a:rPr lang="it-IT" dirty="0"/>
-                        <a:t>10</a:t>
-                      </a:r>
-                    </a:p>
-                  </a:txBody>
-                  <a:tcPr anchor="ctr"/>
-                </a:tc>
-                <a:tc>
-                  <a:txBody>
-                    <a:bodyPr/>
-                    <a:lstStyle/>
-                    <a:p>
-                      <a:pPr algn="ctr"/>
-                      <a:r>
-                        <a:rPr lang="it-IT" dirty="0"/>
-                        <a:t>5</a:t>
-                      </a:r>
-                    </a:p>
-                  </a:txBody>
-                  <a:tcPr anchor="ctr"/>
-                </a:tc>
-                <a:tc>
-                  <a:txBody>
-                    <a:bodyPr/>
-                    <a:lstStyle/>
-                    <a:p>
-                      <a:pPr algn="ctr"/>
-                      <a:r>
-                        <a:rPr lang="it-IT" dirty="0"/>
-                        <a:t>21</a:t>
-                      </a:r>
-                    </a:p>
-                  </a:txBody>
-                  <a:tcPr anchor="ctr"/>
-                </a:tc>
-                <a:tc>
-                  <a:txBody>
-                    <a:bodyPr/>
-                    <a:lstStyle/>
-                    <a:p>
-                      <a:pPr algn="ctr"/>
-                      <a:r>
-                        <a:rPr lang="it-IT" dirty="0"/>
-                        <a:t>32</a:t>
-                      </a:r>
-                    </a:p>
-                  </a:txBody>
-                  <a:tcPr anchor="ctr"/>
-                </a:tc>
-                <a:tc>
-                  <a:txBody>
-                    <a:bodyPr/>
-                    <a:lstStyle/>
-                    <a:p>
-                      <a:pPr algn="ctr"/>
-                      <a:r>
-                        <a:rPr lang="it-IT" dirty="0"/>
-                        <a:t>22</a:t>
-                      </a:r>
-                    </a:p>
-                  </a:txBody>
-                  <a:tcPr anchor="ctr"/>
-                </a:tc>
-                <a:tc>
-                  <a:txBody>
-                    <a:bodyPr/>
-                    <a:lstStyle/>
-                    <a:p>
-                      <a:pPr algn="ctr"/>
-                      <a:r>
-                        <a:rPr lang="it-IT" dirty="0"/>
-                        <a:t>41</a:t>
-                      </a:r>
-                    </a:p>
-                  </a:txBody>
-                  <a:tcPr anchor="ctr"/>
-                </a:tc>
-                <a:tc>
-                  <a:txBody>
-                    <a:bodyPr/>
-                    <a:lstStyle/>
-                    <a:p>
-                      <a:pPr algn="ctr"/>
-                      <a:r>
-                        <a:rPr lang="it-IT" dirty="0"/>
-                        <a:t>131</a:t>
-                      </a:r>
-                    </a:p>
-                  </a:txBody>
-                  <a:tcPr anchor="ctr"/>
-                </a:tc>
-                <a:extLst>
-                  <a:ext uri="{0D108BD9-81ED-4DB2-BD59-A6C34878D82A}">
-                    <a16:rowId xmlns:a16="http://schemas.microsoft.com/office/drawing/2014/main" val="10001"/>
-                  </a:ext>
-                </a:extLst>
-              </a:tr>
-              <a:tr h="433839">
-                <a:tc>
-                  <a:txBody>
-                    <a:bodyPr/>
-                    <a:lstStyle/>
-                    <a:p>
-                      <a:pPr algn="l"/>
-                      <a:r>
-                        <a:rPr lang="it-IT" dirty="0"/>
-                        <a:t>Samuele Modena</a:t>
-                      </a:r>
-                    </a:p>
-                  </a:txBody>
-                  <a:tcPr anchor="ctr"/>
-                </a:tc>
-                <a:tc>
-                  <a:txBody>
-                    <a:bodyPr/>
-                    <a:lstStyle/>
-                    <a:p>
-                      <a:pPr algn="ctr"/>
-                      <a:r>
-                        <a:rPr lang="it-IT" dirty="0"/>
-                        <a:t>10</a:t>
-                      </a:r>
-                    </a:p>
-                  </a:txBody>
-                  <a:tcPr anchor="ctr"/>
-                </a:tc>
-                <a:tc>
-                  <a:txBody>
-                    <a:bodyPr/>
-                    <a:lstStyle/>
-                    <a:p>
-                      <a:pPr algn="ctr"/>
-                      <a:r>
-                        <a:rPr lang="it-IT" dirty="0"/>
-                        <a:t>10</a:t>
-                      </a:r>
-                    </a:p>
-                  </a:txBody>
-                  <a:tcPr anchor="ctr"/>
-                </a:tc>
-                <a:tc>
-                  <a:txBody>
-                    <a:bodyPr/>
-                    <a:lstStyle/>
-                    <a:p>
-                      <a:pPr algn="ctr"/>
-                      <a:r>
-                        <a:rPr lang="it-IT" dirty="0"/>
-                        <a:t>19</a:t>
-                      </a:r>
-                    </a:p>
-                  </a:txBody>
-                  <a:tcPr anchor="ctr"/>
-                </a:tc>
-                <a:tc>
-                  <a:txBody>
-                    <a:bodyPr/>
-                    <a:lstStyle/>
-                    <a:p>
-                      <a:pPr algn="ctr"/>
-                      <a:r>
-                        <a:rPr lang="it-IT" dirty="0"/>
-                        <a:t>34</a:t>
-                      </a:r>
-                    </a:p>
-                  </a:txBody>
-                  <a:tcPr anchor="ctr"/>
-                </a:tc>
-                <a:tc>
-                  <a:txBody>
-                    <a:bodyPr/>
-                    <a:lstStyle/>
-                    <a:p>
-                      <a:pPr algn="ctr"/>
-                      <a:r>
-                        <a:rPr lang="it-IT" dirty="0"/>
-                        <a:t>24</a:t>
-                      </a:r>
-                    </a:p>
-                  </a:txBody>
-                  <a:tcPr anchor="ctr"/>
-                </a:tc>
-                <a:tc>
-                  <a:txBody>
-                    <a:bodyPr/>
-                    <a:lstStyle/>
-                    <a:p>
-                      <a:pPr algn="ctr"/>
-                      <a:r>
-                        <a:rPr lang="it-IT" dirty="0"/>
-                        <a:t>34</a:t>
-                      </a:r>
-                    </a:p>
-                  </a:txBody>
-                  <a:tcPr anchor="ctr"/>
-                </a:tc>
-                <a:tc>
-                  <a:txBody>
-                    <a:bodyPr/>
-                    <a:lstStyle/>
-                    <a:p>
-                      <a:pPr marL="0" marR="0" lvl="0" indent="0" algn="ctr" defTabSz="914400" rtl="0" eaLnBrk="1" fontAlgn="auto" latinLnBrk="0" hangingPunct="1">
-                        <a:lnSpc>
-                          <a:spcPct val="100000"/>
-                        </a:lnSpc>
-                        <a:spcBef>
-                          <a:spcPts val="0"/>
-                        </a:spcBef>
-                        <a:spcAft>
-                          <a:spcPts val="0"/>
-                        </a:spcAft>
-                        <a:buClrTx/>
-                        <a:buSzTx/>
-                        <a:buFontTx/>
-                        <a:buNone/>
-                        <a:tabLst/>
-                        <a:defRPr/>
-                      </a:pPr>
-                      <a:r>
-                        <a:rPr lang="it-IT" dirty="0"/>
-                        <a:t>131</a:t>
-                      </a:r>
-                    </a:p>
-                  </a:txBody>
-                  <a:tcPr anchor="ctr"/>
-                </a:tc>
-                <a:extLst>
-                  <a:ext uri="{0D108BD9-81ED-4DB2-BD59-A6C34878D82A}">
-                    <a16:rowId xmlns:a16="http://schemas.microsoft.com/office/drawing/2014/main" val="10002"/>
-                  </a:ext>
-                </a:extLst>
-              </a:tr>
-              <a:tr h="433839">
-                <a:tc>
-                  <a:txBody>
-                    <a:bodyPr/>
-                    <a:lstStyle/>
-                    <a:p>
-                      <a:pPr algn="l"/>
-                      <a:r>
-                        <a:rPr lang="it-IT" dirty="0"/>
-                        <a:t>Matteo Rizzo</a:t>
-                      </a:r>
-                    </a:p>
-                  </a:txBody>
-                  <a:tcPr anchor="ctr"/>
-                </a:tc>
-                <a:tc>
-                  <a:txBody>
-                    <a:bodyPr/>
-                    <a:lstStyle/>
-                    <a:p>
-                      <a:pPr algn="ctr"/>
-                      <a:r>
-                        <a:rPr lang="it-IT" dirty="0"/>
-                        <a:t>9</a:t>
-                      </a:r>
-                    </a:p>
-                  </a:txBody>
-                  <a:tcPr anchor="ctr"/>
-                </a:tc>
-                <a:tc>
-                  <a:txBody>
-                    <a:bodyPr/>
-                    <a:lstStyle/>
-                    <a:p>
-                      <a:pPr algn="ctr"/>
-                      <a:r>
-                        <a:rPr lang="it-IT" dirty="0"/>
-                        <a:t>12</a:t>
-                      </a:r>
-                    </a:p>
-                  </a:txBody>
-                  <a:tcPr anchor="ctr"/>
-                </a:tc>
-                <a:tc>
-                  <a:txBody>
-                    <a:bodyPr/>
-                    <a:lstStyle/>
-                    <a:p>
-                      <a:pPr algn="ctr"/>
-                      <a:r>
-                        <a:rPr lang="it-IT" dirty="0"/>
-                        <a:t>12</a:t>
-                      </a:r>
-                    </a:p>
-                  </a:txBody>
-                  <a:tcPr anchor="ctr"/>
-                </a:tc>
-                <a:tc>
-                  <a:txBody>
-                    <a:bodyPr/>
-                    <a:lstStyle/>
-                    <a:p>
-                      <a:pPr algn="ctr"/>
-                      <a:r>
-                        <a:rPr lang="it-IT" dirty="0"/>
-                        <a:t>42</a:t>
-                      </a:r>
-                    </a:p>
-                  </a:txBody>
-                  <a:tcPr anchor="ctr"/>
-                </a:tc>
-                <a:tc>
-                  <a:txBody>
-                    <a:bodyPr/>
-                    <a:lstStyle/>
-                    <a:p>
-                      <a:pPr algn="ctr"/>
-                      <a:r>
-                        <a:rPr lang="it-IT" dirty="0"/>
-                        <a:t>22</a:t>
-                      </a:r>
-                    </a:p>
-                  </a:txBody>
-                  <a:tcPr anchor="ctr"/>
-                </a:tc>
-                <a:tc>
-                  <a:txBody>
-                    <a:bodyPr/>
-                    <a:lstStyle/>
-                    <a:p>
-                      <a:pPr algn="ctr"/>
-                      <a:r>
-                        <a:rPr lang="it-IT" dirty="0"/>
-                        <a:t>32</a:t>
-                      </a:r>
-                    </a:p>
-                  </a:txBody>
-                  <a:tcPr anchor="ctr"/>
-                </a:tc>
-                <a:tc>
-                  <a:txBody>
-                    <a:bodyPr/>
-                    <a:lstStyle/>
-                    <a:p>
-                      <a:pPr marL="0" marR="0" lvl="0" indent="0" algn="ctr" defTabSz="914400" rtl="0" eaLnBrk="1" fontAlgn="auto" latinLnBrk="0" hangingPunct="1">
-                        <a:lnSpc>
-                          <a:spcPct val="100000"/>
-                        </a:lnSpc>
-                        <a:spcBef>
-                          <a:spcPts val="0"/>
-                        </a:spcBef>
-                        <a:spcAft>
-                          <a:spcPts val="0"/>
-                        </a:spcAft>
-                        <a:buClrTx/>
-                        <a:buSzTx/>
-                        <a:buFontTx/>
-                        <a:buNone/>
-                        <a:tabLst/>
-                        <a:defRPr/>
-                      </a:pPr>
-                      <a:r>
-                        <a:rPr lang="it-IT" dirty="0"/>
-                        <a:t>129</a:t>
-                      </a:r>
-                    </a:p>
-                  </a:txBody>
-                  <a:tcPr anchor="ctr"/>
-                </a:tc>
-                <a:extLst>
-                  <a:ext uri="{0D108BD9-81ED-4DB2-BD59-A6C34878D82A}">
-                    <a16:rowId xmlns:a16="http://schemas.microsoft.com/office/drawing/2014/main" val="10003"/>
-                  </a:ext>
-                </a:extLst>
-              </a:tr>
-              <a:tr h="433839">
-                <a:tc>
-                  <a:txBody>
-                    <a:bodyPr/>
-                    <a:lstStyle/>
-                    <a:p>
-                      <a:pPr algn="l"/>
-                      <a:r>
-                        <a:rPr lang="it-IT" dirty="0"/>
-                        <a:t>Giulio</a:t>
-                      </a:r>
-                      <a:r>
-                        <a:rPr lang="it-IT" baseline="0" dirty="0"/>
-                        <a:t> Rossetti</a:t>
-                      </a:r>
-                      <a:endParaRPr lang="it-IT" dirty="0"/>
-                    </a:p>
-                  </a:txBody>
-                  <a:tcPr anchor="ctr"/>
-                </a:tc>
-                <a:tc>
-                  <a:txBody>
-                    <a:bodyPr/>
-                    <a:lstStyle/>
-                    <a:p>
-                      <a:pPr algn="ctr"/>
-                      <a:r>
-                        <a:rPr lang="it-IT" dirty="0"/>
-                        <a:t>12</a:t>
-                      </a:r>
-                    </a:p>
-                  </a:txBody>
-                  <a:tcPr anchor="ctr"/>
-                </a:tc>
-                <a:tc>
-                  <a:txBody>
-                    <a:bodyPr/>
-                    <a:lstStyle/>
-                    <a:p>
-                      <a:pPr algn="ctr"/>
-                      <a:r>
-                        <a:rPr lang="it-IT" dirty="0"/>
-                        <a:t>8</a:t>
-                      </a:r>
-                    </a:p>
-                  </a:txBody>
-                  <a:tcPr anchor="ctr"/>
-                </a:tc>
-                <a:tc>
-                  <a:txBody>
-                    <a:bodyPr/>
-                    <a:lstStyle/>
-                    <a:p>
-                      <a:pPr algn="ctr"/>
-                      <a:r>
-                        <a:rPr lang="it-IT" dirty="0"/>
-                        <a:t>11</a:t>
-                      </a:r>
-                    </a:p>
-                  </a:txBody>
-                  <a:tcPr anchor="ctr"/>
-                </a:tc>
-                <a:tc>
-                  <a:txBody>
-                    <a:bodyPr/>
-                    <a:lstStyle/>
-                    <a:p>
-                      <a:pPr algn="ctr"/>
-                      <a:r>
-                        <a:rPr lang="it-IT" dirty="0"/>
-                        <a:t>40</a:t>
-                      </a:r>
-                    </a:p>
-                  </a:txBody>
-                  <a:tcPr anchor="ctr"/>
-                </a:tc>
-                <a:tc>
-                  <a:txBody>
-                    <a:bodyPr/>
-                    <a:lstStyle/>
-                    <a:p>
-                      <a:pPr algn="ctr"/>
-                      <a:r>
-                        <a:rPr lang="it-IT" dirty="0"/>
-                        <a:t>22</a:t>
-                      </a:r>
-                    </a:p>
-                  </a:txBody>
-                  <a:tcPr anchor="ctr"/>
-                </a:tc>
-                <a:tc>
-                  <a:txBody>
-                    <a:bodyPr/>
-                    <a:lstStyle/>
-                    <a:p>
-                      <a:pPr algn="ctr"/>
-                      <a:r>
-                        <a:rPr lang="it-IT" dirty="0"/>
-                        <a:t>37</a:t>
-                      </a:r>
-                    </a:p>
-                  </a:txBody>
-                  <a:tcPr anchor="ctr"/>
-                </a:tc>
-                <a:tc>
-                  <a:txBody>
-                    <a:bodyPr/>
-                    <a:lstStyle/>
-                    <a:p>
-                      <a:pPr marL="0" marR="0" lvl="0" indent="0" algn="ctr" defTabSz="914400" rtl="0" eaLnBrk="1" fontAlgn="auto" latinLnBrk="0" hangingPunct="1">
-                        <a:lnSpc>
-                          <a:spcPct val="100000"/>
-                        </a:lnSpc>
-                        <a:spcBef>
-                          <a:spcPts val="0"/>
-                        </a:spcBef>
-                        <a:spcAft>
-                          <a:spcPts val="0"/>
-                        </a:spcAft>
-                        <a:buClrTx/>
-                        <a:buSzTx/>
-                        <a:buFontTx/>
-                        <a:buNone/>
-                        <a:tabLst/>
-                        <a:defRPr/>
-                      </a:pPr>
-                      <a:r>
-                        <a:rPr lang="it-IT" dirty="0"/>
-                        <a:t>130</a:t>
-                      </a:r>
-                    </a:p>
-                  </a:txBody>
-                  <a:tcPr anchor="ctr"/>
-                </a:tc>
-                <a:extLst>
-                  <a:ext uri="{0D108BD9-81ED-4DB2-BD59-A6C34878D82A}">
-                    <a16:rowId xmlns:a16="http://schemas.microsoft.com/office/drawing/2014/main" val="10004"/>
-                  </a:ext>
-                </a:extLst>
-              </a:tr>
-              <a:tr h="433839">
-                <a:tc>
-                  <a:txBody>
-                    <a:bodyPr/>
-                    <a:lstStyle/>
-                    <a:p>
-                      <a:pPr algn="l"/>
-                      <a:r>
-                        <a:rPr lang="it-IT" dirty="0"/>
-                        <a:t>Kevin</a:t>
-                      </a:r>
-                      <a:r>
-                        <a:rPr lang="it-IT" baseline="0" dirty="0"/>
-                        <a:t> Silvestri</a:t>
-                      </a:r>
-                      <a:endParaRPr lang="it-IT" dirty="0"/>
-                    </a:p>
-                  </a:txBody>
-                  <a:tcPr anchor="ctr"/>
-                </a:tc>
-                <a:tc>
-                  <a:txBody>
-                    <a:bodyPr/>
-                    <a:lstStyle/>
-                    <a:p>
-                      <a:pPr algn="ctr"/>
-                      <a:r>
-                        <a:rPr lang="it-IT" dirty="0"/>
-                        <a:t>8</a:t>
-                      </a:r>
-                    </a:p>
-                  </a:txBody>
-                  <a:tcPr anchor="ctr"/>
-                </a:tc>
-                <a:tc>
-                  <a:txBody>
-                    <a:bodyPr/>
-                    <a:lstStyle/>
-                    <a:p>
-                      <a:pPr algn="ctr"/>
-                      <a:r>
-                        <a:rPr lang="it-IT" dirty="0"/>
-                        <a:t>8</a:t>
-                      </a:r>
-                    </a:p>
-                  </a:txBody>
-                  <a:tcPr anchor="ctr"/>
-                </a:tc>
-                <a:tc>
-                  <a:txBody>
-                    <a:bodyPr/>
-                    <a:lstStyle/>
-                    <a:p>
-                      <a:pPr algn="ctr"/>
-                      <a:r>
-                        <a:rPr lang="it-IT" dirty="0"/>
-                        <a:t>11</a:t>
-                      </a:r>
-                    </a:p>
-                  </a:txBody>
-                  <a:tcPr anchor="ctr"/>
-                </a:tc>
-                <a:tc>
-                  <a:txBody>
-                    <a:bodyPr/>
-                    <a:lstStyle/>
-                    <a:p>
-                      <a:pPr algn="ctr"/>
-                      <a:r>
-                        <a:rPr lang="it-IT" dirty="0"/>
-                        <a:t>35</a:t>
-                      </a:r>
-                    </a:p>
-                  </a:txBody>
-                  <a:tcPr anchor="ctr"/>
-                </a:tc>
-                <a:tc>
-                  <a:txBody>
-                    <a:bodyPr/>
-                    <a:lstStyle/>
-                    <a:p>
-                      <a:pPr algn="ctr"/>
-                      <a:r>
-                        <a:rPr lang="it-IT" dirty="0"/>
-                        <a:t>22</a:t>
-                      </a:r>
-                    </a:p>
-                  </a:txBody>
-                  <a:tcPr anchor="ctr"/>
-                </a:tc>
-                <a:tc>
-                  <a:txBody>
-                    <a:bodyPr/>
-                    <a:lstStyle/>
-                    <a:p>
-                      <a:pPr algn="ctr"/>
-                      <a:r>
-                        <a:rPr lang="it-IT" dirty="0"/>
-                        <a:t>45</a:t>
-                      </a:r>
-                    </a:p>
-                  </a:txBody>
-                  <a:tcPr anchor="ctr"/>
-                </a:tc>
-                <a:tc>
-                  <a:txBody>
-                    <a:bodyPr/>
-                    <a:lstStyle/>
-                    <a:p>
-                      <a:pPr marL="0" marR="0" lvl="0" indent="0" algn="ctr" defTabSz="914400" rtl="0" eaLnBrk="1" fontAlgn="auto" latinLnBrk="0" hangingPunct="1">
-                        <a:lnSpc>
-                          <a:spcPct val="100000"/>
-                        </a:lnSpc>
-                        <a:spcBef>
-                          <a:spcPts val="0"/>
-                        </a:spcBef>
-                        <a:spcAft>
-                          <a:spcPts val="0"/>
-                        </a:spcAft>
-                        <a:buClrTx/>
-                        <a:buSzTx/>
-                        <a:buFontTx/>
-                        <a:buNone/>
-                        <a:tabLst/>
-                        <a:defRPr/>
-                      </a:pPr>
-                      <a:r>
-                        <a:rPr lang="it-IT" dirty="0"/>
-                        <a:t>129</a:t>
-                      </a:r>
-                    </a:p>
-                  </a:txBody>
-                  <a:tcPr anchor="ctr"/>
-                </a:tc>
-                <a:extLst>
-                  <a:ext uri="{0D108BD9-81ED-4DB2-BD59-A6C34878D82A}">
-                    <a16:rowId xmlns:a16="http://schemas.microsoft.com/office/drawing/2014/main" val="10005"/>
-                  </a:ext>
-                </a:extLst>
-              </a:tr>
-              <a:tr h="433839">
-                <a:tc>
-                  <a:txBody>
-                    <a:bodyPr/>
-                    <a:lstStyle/>
-                    <a:p>
-                      <a:pPr algn="l"/>
-                      <a:r>
-                        <a:rPr lang="it-IT"/>
-                        <a:t>Manfredi Smaniotto</a:t>
-                      </a:r>
-                      <a:endParaRPr lang="it-IT" dirty="0"/>
-                    </a:p>
-                  </a:txBody>
-                  <a:tcPr anchor="ctr"/>
-                </a:tc>
-                <a:tc>
-                  <a:txBody>
-                    <a:bodyPr/>
-                    <a:lstStyle/>
-                    <a:p>
-                      <a:pPr algn="ctr"/>
-                      <a:r>
-                        <a:rPr lang="it-IT" dirty="0"/>
-                        <a:t>8</a:t>
-                      </a:r>
-                    </a:p>
-                  </a:txBody>
-                  <a:tcPr anchor="ctr"/>
-                </a:tc>
-                <a:tc>
-                  <a:txBody>
-                    <a:bodyPr/>
-                    <a:lstStyle/>
-                    <a:p>
-                      <a:pPr algn="ctr"/>
-                      <a:r>
-                        <a:rPr lang="it-IT" dirty="0"/>
-                        <a:t>9</a:t>
-                      </a:r>
-                    </a:p>
-                  </a:txBody>
-                  <a:tcPr anchor="ctr"/>
-                </a:tc>
-                <a:tc>
-                  <a:txBody>
-                    <a:bodyPr/>
-                    <a:lstStyle/>
-                    <a:p>
-                      <a:pPr algn="ctr"/>
-                      <a:r>
-                        <a:rPr lang="it-IT" dirty="0"/>
-                        <a:t>17</a:t>
-                      </a:r>
-                    </a:p>
-                  </a:txBody>
-                  <a:tcPr anchor="ctr"/>
-                </a:tc>
-                <a:tc>
-                  <a:txBody>
-                    <a:bodyPr/>
-                    <a:lstStyle/>
-                    <a:p>
-                      <a:pPr algn="ctr"/>
-                      <a:r>
-                        <a:rPr lang="it-IT" dirty="0"/>
-                        <a:t>34</a:t>
-                      </a:r>
-                    </a:p>
-                  </a:txBody>
-                  <a:tcPr anchor="ctr"/>
-                </a:tc>
-                <a:tc>
-                  <a:txBody>
-                    <a:bodyPr/>
-                    <a:lstStyle/>
-                    <a:p>
-                      <a:pPr algn="ctr"/>
-                      <a:r>
-                        <a:rPr lang="it-IT" dirty="0"/>
-                        <a:t>21</a:t>
-                      </a:r>
-                    </a:p>
-                  </a:txBody>
-                  <a:tcPr anchor="ctr"/>
-                </a:tc>
-                <a:tc>
-                  <a:txBody>
-                    <a:bodyPr/>
-                    <a:lstStyle/>
-                    <a:p>
-                      <a:pPr algn="ctr"/>
-                      <a:r>
-                        <a:rPr lang="it-IT" dirty="0"/>
-                        <a:t>42</a:t>
-                      </a:r>
-                    </a:p>
-                  </a:txBody>
-                  <a:tcPr anchor="ctr"/>
-                </a:tc>
-                <a:tc>
-                  <a:txBody>
-                    <a:bodyPr/>
-                    <a:lstStyle/>
-                    <a:p>
-                      <a:pPr marL="0" marR="0" lvl="0" indent="0" algn="ctr" defTabSz="914400" rtl="0" eaLnBrk="1" fontAlgn="auto" latinLnBrk="0" hangingPunct="1">
-                        <a:lnSpc>
-                          <a:spcPct val="100000"/>
-                        </a:lnSpc>
-                        <a:spcBef>
-                          <a:spcPts val="0"/>
-                        </a:spcBef>
-                        <a:spcAft>
-                          <a:spcPts val="0"/>
-                        </a:spcAft>
-                        <a:buClrTx/>
-                        <a:buSzTx/>
-                        <a:buFontTx/>
-                        <a:buNone/>
-                        <a:tabLst/>
-                        <a:defRPr/>
-                      </a:pPr>
-                      <a:r>
-                        <a:rPr lang="it-IT" dirty="0"/>
-                        <a:t>131</a:t>
-                      </a:r>
-                    </a:p>
-                  </a:txBody>
-                  <a:tcPr anchor="ctr"/>
-                </a:tc>
-                <a:extLst>
-                  <a:ext uri="{0D108BD9-81ED-4DB2-BD59-A6C34878D82A}">
-                    <a16:rowId xmlns:a16="http://schemas.microsoft.com/office/drawing/2014/main" val="10006"/>
-                  </a:ext>
-                </a:extLst>
-              </a:tr>
-              <a:tr h="433839">
-                <a:tc>
-                  <a:txBody>
-                    <a:bodyPr/>
-                    <a:lstStyle/>
-                    <a:p>
-                      <a:pPr algn="l"/>
-                      <a:r>
-                        <a:rPr lang="it-IT" dirty="0"/>
-                        <a:t>Cristiano Tessarolo</a:t>
-                      </a:r>
-                    </a:p>
-                  </a:txBody>
-                  <a:tcPr anchor="ctr"/>
-                </a:tc>
-                <a:tc>
-                  <a:txBody>
-                    <a:bodyPr/>
-                    <a:lstStyle/>
-                    <a:p>
-                      <a:pPr algn="ctr"/>
-                      <a:r>
-                        <a:rPr lang="it-IT" dirty="0"/>
-                        <a:t>8</a:t>
-                      </a:r>
-                    </a:p>
-                  </a:txBody>
-                  <a:tcPr anchor="ctr"/>
-                </a:tc>
-                <a:tc>
-                  <a:txBody>
-                    <a:bodyPr/>
-                    <a:lstStyle/>
-                    <a:p>
-                      <a:pPr algn="ctr"/>
-                      <a:r>
-                        <a:rPr lang="it-IT" dirty="0"/>
-                        <a:t>8</a:t>
-                      </a:r>
-                    </a:p>
-                  </a:txBody>
-                  <a:tcPr anchor="ctr"/>
-                </a:tc>
-                <a:tc>
-                  <a:txBody>
-                    <a:bodyPr/>
-                    <a:lstStyle/>
-                    <a:p>
-                      <a:pPr algn="ctr"/>
-                      <a:r>
-                        <a:rPr lang="it-IT" dirty="0"/>
-                        <a:t>14</a:t>
-                      </a:r>
-                    </a:p>
-                  </a:txBody>
-                  <a:tcPr anchor="ctr"/>
-                </a:tc>
-                <a:tc>
-                  <a:txBody>
-                    <a:bodyPr/>
-                    <a:lstStyle/>
-                    <a:p>
-                      <a:pPr algn="ctr"/>
-                      <a:r>
-                        <a:rPr lang="it-IT" dirty="0"/>
-                        <a:t>34</a:t>
-                      </a:r>
-                    </a:p>
-                  </a:txBody>
-                  <a:tcPr anchor="ctr"/>
-                </a:tc>
-                <a:tc>
-                  <a:txBody>
-                    <a:bodyPr/>
-                    <a:lstStyle/>
-                    <a:p>
-                      <a:pPr algn="ctr"/>
-                      <a:r>
-                        <a:rPr lang="it-IT" dirty="0"/>
-                        <a:t>21</a:t>
-                      </a:r>
-                    </a:p>
-                  </a:txBody>
-                  <a:tcPr anchor="ctr"/>
-                </a:tc>
-                <a:tc>
-                  <a:txBody>
-                    <a:bodyPr/>
-                    <a:lstStyle/>
-                    <a:p>
-                      <a:pPr algn="ctr"/>
-                      <a:r>
-                        <a:rPr lang="it-IT" dirty="0"/>
-                        <a:t>46</a:t>
-                      </a:r>
-                    </a:p>
-                  </a:txBody>
-                  <a:tcPr anchor="ctr"/>
-                </a:tc>
-                <a:tc>
-                  <a:txBody>
-                    <a:bodyPr/>
-                    <a:lstStyle/>
-                    <a:p>
-                      <a:pPr marL="0" marR="0" lvl="0" indent="0" algn="ctr" defTabSz="914400" rtl="0" eaLnBrk="1" fontAlgn="auto" latinLnBrk="0" hangingPunct="1">
-                        <a:lnSpc>
-                          <a:spcPct val="100000"/>
-                        </a:lnSpc>
-                        <a:spcBef>
-                          <a:spcPts val="0"/>
-                        </a:spcBef>
-                        <a:spcAft>
-                          <a:spcPts val="0"/>
-                        </a:spcAft>
-                        <a:buClrTx/>
-                        <a:buSzTx/>
-                        <a:buFontTx/>
-                        <a:buNone/>
-                        <a:tabLst/>
-                        <a:defRPr/>
-                      </a:pPr>
-                      <a:r>
-                        <a:rPr lang="it-IT" dirty="0"/>
-                        <a:t>131</a:t>
-                      </a:r>
-                    </a:p>
-                  </a:txBody>
-                  <a:tcPr anchor="ctr"/>
-                </a:tc>
-                <a:extLst>
-                  <a:ext uri="{0D108BD9-81ED-4DB2-BD59-A6C34878D82A}">
-                    <a16:rowId xmlns:a16="http://schemas.microsoft.com/office/drawing/2014/main" val="10007"/>
-                  </a:ext>
-                </a:extLst>
-              </a:tr>
-              <a:tr h="433839">
-                <a:tc>
-                  <a:txBody>
-                    <a:bodyPr/>
-                    <a:lstStyle/>
-                    <a:p>
-                      <a:pPr algn="l"/>
-                      <a:r>
-                        <a:rPr lang="it-IT" dirty="0"/>
-                        <a:t>Ore totali</a:t>
-                      </a:r>
-                    </a:p>
-                  </a:txBody>
-                  <a:tcPr anchor="ctr">
-                    <a:solidFill>
-                      <a:srgbClr val="F7F8E5"/>
-                    </a:solidFill>
-                  </a:tcPr>
-                </a:tc>
-                <a:tc>
-                  <a:txBody>
-                    <a:bodyPr/>
-                    <a:lstStyle/>
-                    <a:p>
-                      <a:pPr algn="ctr"/>
-                      <a:r>
-                        <a:rPr lang="it-IT" dirty="0"/>
-                        <a:t>65</a:t>
-                      </a:r>
-                    </a:p>
-                  </a:txBody>
-                  <a:tcPr anchor="ctr">
-                    <a:solidFill>
-                      <a:srgbClr val="F7F8E5"/>
-                    </a:solidFill>
-                  </a:tcPr>
-                </a:tc>
-                <a:tc>
-                  <a:txBody>
-                    <a:bodyPr/>
-                    <a:lstStyle/>
-                    <a:p>
-                      <a:pPr algn="ctr"/>
-                      <a:r>
-                        <a:rPr lang="it-IT" dirty="0"/>
-                        <a:t>60</a:t>
-                      </a:r>
-                    </a:p>
-                  </a:txBody>
-                  <a:tcPr anchor="ctr">
-                    <a:solidFill>
-                      <a:srgbClr val="F7F8E5"/>
-                    </a:solidFill>
-                  </a:tcPr>
-                </a:tc>
-                <a:tc>
-                  <a:txBody>
-                    <a:bodyPr/>
-                    <a:lstStyle/>
-                    <a:p>
-                      <a:pPr algn="ctr"/>
-                      <a:r>
-                        <a:rPr lang="it-IT" dirty="0"/>
-                        <a:t>105</a:t>
-                      </a:r>
-                    </a:p>
-                  </a:txBody>
-                  <a:tcPr anchor="ctr">
-                    <a:solidFill>
-                      <a:srgbClr val="F7F8E5"/>
-                    </a:solidFill>
-                  </a:tcPr>
-                </a:tc>
-                <a:tc>
-                  <a:txBody>
-                    <a:bodyPr/>
-                    <a:lstStyle/>
-                    <a:p>
-                      <a:pPr algn="ctr"/>
-                      <a:r>
-                        <a:rPr lang="it-IT" dirty="0"/>
-                        <a:t>251</a:t>
-                      </a:r>
-                    </a:p>
-                  </a:txBody>
-                  <a:tcPr anchor="ctr">
-                    <a:solidFill>
-                      <a:srgbClr val="F7F8E5"/>
-                    </a:solidFill>
-                  </a:tcPr>
-                </a:tc>
-                <a:tc>
-                  <a:txBody>
-                    <a:bodyPr/>
-                    <a:lstStyle/>
-                    <a:p>
-                      <a:pPr algn="ctr"/>
-                      <a:r>
-                        <a:rPr lang="it-IT" dirty="0"/>
-                        <a:t>154</a:t>
-                      </a:r>
-                    </a:p>
-                  </a:txBody>
-                  <a:tcPr anchor="ctr">
-                    <a:solidFill>
-                      <a:srgbClr val="F7F8E5"/>
-                    </a:solidFill>
-                  </a:tcPr>
-                </a:tc>
-                <a:tc>
-                  <a:txBody>
-                    <a:bodyPr/>
-                    <a:lstStyle/>
-                    <a:p>
-                      <a:pPr algn="ctr"/>
-                      <a:r>
-                        <a:rPr lang="it-IT" dirty="0"/>
-                        <a:t>277</a:t>
-                      </a:r>
-                    </a:p>
-                  </a:txBody>
-                  <a:tcPr anchor="ctr">
-                    <a:solidFill>
-                      <a:srgbClr val="F7F8E5"/>
-                    </a:solidFill>
-                  </a:tcPr>
-                </a:tc>
-                <a:tc>
-                  <a:txBody>
-                    <a:bodyPr/>
-                    <a:lstStyle/>
-                    <a:p>
-                      <a:pPr algn="ctr"/>
-                      <a:r>
-                        <a:rPr lang="it-IT" dirty="0"/>
-                        <a:t>912</a:t>
-                      </a:r>
-                    </a:p>
-                  </a:txBody>
-                  <a:tcPr anchor="ctr">
-                    <a:solidFill>
-                      <a:srgbClr val="F7F8E5"/>
-                    </a:solidFill>
-                  </a:tcPr>
-                </a:tc>
-                <a:extLst>
-                  <a:ext uri="{0D108BD9-81ED-4DB2-BD59-A6C34878D82A}">
-                    <a16:rowId xmlns:a16="http://schemas.microsoft.com/office/drawing/2014/main" val="4035107283"/>
-                  </a:ext>
-                </a:extLst>
-              </a:tr>
-            </a:tbl>
-          </a:graphicData>
-        </a:graphic>
-      </p:graphicFrame>
-    </p:spTree>
-    <p:extLst>
-      <p:ext uri="{BB962C8B-B14F-4D97-AF65-F5344CB8AC3E}">
-        <p14:creationId xmlns:p14="http://schemas.microsoft.com/office/powerpoint/2010/main" val="246461112"/>
-      </p:ext>
-    </p:extLst>
-  </p:cSld>
-  <p:clrMapOvr>
-    <a:masterClrMapping/>
-  </p:clrMapOvr>
-  <p:transition spd="slow">
-    <p:push dir="u"/>
-  </p:transition>
-</p:sld>
-</file>
-
-<file path=ppt/slides/slide2.xml><?xml version="1.0" encoding="utf-8"?>
-<p:sld xmlns:a="http://schemas.openxmlformats.org/drawingml/2006/main" xmlns:r="http://schemas.openxmlformats.org/officeDocument/2006/relationships" xmlns:p="http://schemas.openxmlformats.org/presentationml/2006/main">
-  <p:cSld>
-    <p:spTree>
-      <p:nvGrpSpPr>
-        <p:cNvPr id="1" name=""/>
-        <p:cNvGrpSpPr/>
-        <p:nvPr/>
-      </p:nvGrpSpPr>
-      <p:grpSpPr>
-        <a:xfrm>
-          <a:off x="0" y="0"/>
-          <a:ext cx="0" cy="0"/>
-          <a:chOff x="0" y="0"/>
-          <a:chExt cx="0" cy="0"/>
-        </a:xfrm>
-      </p:grpSpPr>
-      <p:sp>
-        <p:nvSpPr>
-          <p:cNvPr id="8" name="Rettangolo 7"/>
-          <p:cNvSpPr/>
-          <p:nvPr/>
-        </p:nvSpPr>
-        <p:spPr>
-          <a:xfrm>
-            <a:off x="3476746" y="3714"/>
-            <a:ext cx="8711831" cy="6858000"/>
-          </a:xfrm>
-          <a:prstGeom prst="rect">
-            <a:avLst/>
-          </a:prstGeom>
-          <a:solidFill>
-            <a:schemeClr val="bg1"/>
-          </a:solidFill>
-          <a:ln>
-            <a:noFill/>
-          </a:ln>
-        </p:spPr>
-        <p:style>
-          <a:lnRef idx="2">
-            <a:schemeClr val="accent1">
-              <a:shade val="50000"/>
-            </a:schemeClr>
-          </a:lnRef>
-          <a:fillRef idx="1">
-            <a:schemeClr val="accent1"/>
-          </a:fillRef>
-          <a:effectRef idx="0">
-            <a:schemeClr val="accent1"/>
-          </a:effectRef>
-          <a:fontRef idx="minor">
-            <a:schemeClr val="lt1"/>
-          </a:fontRef>
-        </p:style>
-        <p:txBody>
-          <a:bodyPr rtlCol="0" anchor="ctr"/>
-          <a:lstStyle/>
-          <a:p>
-            <a:pPr algn="ctr"/>
-            <a:endParaRPr lang="it-IT" dirty="0"/>
-          </a:p>
-        </p:txBody>
-      </p:sp>
-      <p:sp>
-        <p:nvSpPr>
-          <p:cNvPr id="2" name="文本占位符 1"/>
-          <p:cNvSpPr>
-            <a:spLocks noGrp="1"/>
-          </p:cNvSpPr>
-          <p:nvPr>
-            <p:ph type="body" sz="quarter" idx="10"/>
-          </p:nvPr>
-        </p:nvSpPr>
-        <p:spPr/>
-        <p:txBody>
-          <a:bodyPr/>
-          <a:lstStyle/>
-          <a:p>
-            <a:r>
-              <a:rPr kumimoji="1" lang="en-US" altLang="zh-CN" dirty="0"/>
-              <a:t>CONTENTS</a:t>
-            </a:r>
-            <a:endParaRPr kumimoji="1" lang="zh-CN" altLang="en-US" dirty="0"/>
-          </a:p>
-        </p:txBody>
-      </p:sp>
-      <p:sp>
-        <p:nvSpPr>
-          <p:cNvPr id="15" name="文本框 14"/>
-          <p:cNvSpPr txBox="1"/>
-          <p:nvPr/>
-        </p:nvSpPr>
-        <p:spPr>
-          <a:xfrm>
-            <a:off x="3722119" y="285249"/>
-            <a:ext cx="1095172" cy="1077218"/>
-          </a:xfrm>
-          <a:prstGeom prst="rect">
-            <a:avLst/>
-          </a:prstGeom>
-          <a:noFill/>
-        </p:spPr>
-        <p:txBody>
-          <a:bodyPr wrap="none" rtlCol="0">
-            <a:spAutoFit/>
-          </a:bodyPr>
-          <a:lstStyle/>
-          <a:p>
-            <a:pPr defTabSz="609630"/>
-            <a:r>
-              <a:rPr kumimoji="1" lang="en-US" altLang="zh-CN" sz="6400" dirty="0">
-                <a:solidFill>
-                  <a:srgbClr val="FFDA00"/>
-                </a:solidFill>
-                <a:ea typeface="微软雅黑" charset="0"/>
-              </a:rPr>
-              <a:t>01</a:t>
-            </a:r>
-            <a:endParaRPr kumimoji="1" lang="zh-CN" altLang="en-US" sz="6400" dirty="0">
-              <a:solidFill>
-                <a:srgbClr val="FFDA00"/>
-              </a:solidFill>
-              <a:ea typeface="微软雅黑" charset="0"/>
-            </a:endParaRPr>
-          </a:p>
-        </p:txBody>
-      </p:sp>
-      <p:sp>
-        <p:nvSpPr>
-          <p:cNvPr id="16" name="文本框 15"/>
-          <p:cNvSpPr txBox="1"/>
-          <p:nvPr/>
-        </p:nvSpPr>
-        <p:spPr>
-          <a:xfrm>
-            <a:off x="5187488" y="226785"/>
-            <a:ext cx="6436476" cy="1311128"/>
-          </a:xfrm>
-          <a:prstGeom prst="rect">
-            <a:avLst/>
-          </a:prstGeom>
-          <a:noFill/>
-        </p:spPr>
-        <p:txBody>
-          <a:bodyPr wrap="square" rtlCol="0" anchor="ctr">
-            <a:spAutoFit/>
-          </a:bodyPr>
-          <a:lstStyle/>
-          <a:p>
-            <a:pPr defTabSz="609630">
-              <a:lnSpc>
-                <a:spcPct val="110000"/>
-              </a:lnSpc>
-            </a:pPr>
-            <a:r>
-              <a:rPr kumimoji="1" lang="it-IT" altLang="zh-CN" sz="2400" b="1" dirty="0" err="1">
-                <a:solidFill>
-                  <a:srgbClr val="1E2327"/>
-                </a:solidFill>
-                <a:ea typeface="微软雅黑" charset="0"/>
-              </a:rPr>
-              <a:t>Speect</a:t>
-            </a:r>
-            <a:endParaRPr kumimoji="1" lang="it-IT" altLang="zh-CN" sz="2400" b="1" dirty="0">
-              <a:solidFill>
-                <a:srgbClr val="1E2327"/>
-              </a:solidFill>
-              <a:ea typeface="微软雅黑" charset="0"/>
-            </a:endParaRPr>
-          </a:p>
-          <a:p>
-            <a:pPr marL="800089" lvl="1" indent="-342900" defTabSz="609630">
-              <a:lnSpc>
-                <a:spcPct val="110000"/>
-              </a:lnSpc>
-              <a:buFontTx/>
-              <a:buChar char="-"/>
-            </a:pPr>
-            <a:r>
-              <a:rPr kumimoji="1" lang="it-IT" altLang="zh-CN" sz="2400" dirty="0">
-                <a:solidFill>
-                  <a:srgbClr val="1E2327"/>
-                </a:solidFill>
-                <a:ea typeface="微软雅黑" charset="0"/>
-              </a:rPr>
-              <a:t>Introduzione</a:t>
-            </a:r>
-          </a:p>
-          <a:p>
-            <a:pPr marL="800089" lvl="1" indent="-342900" defTabSz="609630">
-              <a:lnSpc>
-                <a:spcPct val="110000"/>
-              </a:lnSpc>
-              <a:buFontTx/>
-              <a:buChar char="-"/>
-            </a:pPr>
-            <a:r>
-              <a:rPr kumimoji="1" lang="it-IT" altLang="zh-CN" sz="2400" dirty="0">
-                <a:solidFill>
-                  <a:srgbClr val="1E2327"/>
-                </a:solidFill>
-                <a:ea typeface="微软雅黑" charset="0"/>
-              </a:rPr>
-              <a:t>La richiesta</a:t>
-            </a:r>
-          </a:p>
-        </p:txBody>
-      </p:sp>
-      <p:cxnSp>
-        <p:nvCxnSpPr>
-          <p:cNvPr id="17" name="直线连接符 16"/>
-          <p:cNvCxnSpPr/>
-          <p:nvPr/>
-        </p:nvCxnSpPr>
-        <p:spPr>
-          <a:xfrm>
-            <a:off x="4902715" y="572506"/>
-            <a:ext cx="0" cy="641176"/>
-          </a:xfrm>
-          <a:prstGeom prst="line">
-            <a:avLst/>
-          </a:prstGeom>
-          <a:noFill/>
-          <a:ln w="12700" cap="flat" cmpd="sng" algn="ctr">
-            <a:solidFill>
-              <a:srgbClr val="FFDA00"/>
-            </a:solidFill>
-            <a:prstDash val="solid"/>
-          </a:ln>
-          <a:effectLst/>
-        </p:spPr>
-      </p:cxnSp>
-      <p:sp>
-        <p:nvSpPr>
-          <p:cNvPr id="22" name="文本框 21"/>
-          <p:cNvSpPr txBox="1"/>
-          <p:nvPr/>
-        </p:nvSpPr>
-        <p:spPr>
-          <a:xfrm>
-            <a:off x="3726456" y="3496558"/>
-            <a:ext cx="1095172" cy="1077218"/>
-          </a:xfrm>
-          <a:prstGeom prst="rect">
-            <a:avLst/>
-          </a:prstGeom>
-          <a:noFill/>
-        </p:spPr>
-        <p:txBody>
-          <a:bodyPr wrap="none" rtlCol="0">
-            <a:spAutoFit/>
-          </a:bodyPr>
-          <a:lstStyle/>
-          <a:p>
-            <a:pPr defTabSz="609630"/>
-            <a:r>
-              <a:rPr kumimoji="1" lang="en-US" altLang="zh-CN" sz="6400" dirty="0">
-                <a:solidFill>
-                  <a:srgbClr val="FFDA00"/>
-                </a:solidFill>
-                <a:ea typeface="微软雅黑" charset="0"/>
-              </a:rPr>
-              <a:t>03</a:t>
-            </a:r>
-            <a:endParaRPr kumimoji="1" lang="zh-CN" altLang="en-US" sz="6400" dirty="0">
-              <a:solidFill>
-                <a:srgbClr val="FFDA00"/>
-              </a:solidFill>
-              <a:ea typeface="微软雅黑" charset="0"/>
-            </a:endParaRPr>
-          </a:p>
-        </p:txBody>
-      </p:sp>
-      <p:cxnSp>
-        <p:nvCxnSpPr>
-          <p:cNvPr id="23" name="直线连接符 22"/>
-          <p:cNvCxnSpPr/>
-          <p:nvPr/>
-        </p:nvCxnSpPr>
-        <p:spPr>
-          <a:xfrm>
-            <a:off x="4907052" y="3729968"/>
-            <a:ext cx="0" cy="641176"/>
-          </a:xfrm>
-          <a:prstGeom prst="line">
-            <a:avLst/>
-          </a:prstGeom>
-          <a:noFill/>
-          <a:ln w="12700" cap="flat" cmpd="sng" algn="ctr">
-            <a:solidFill>
-              <a:srgbClr val="FFDA00"/>
-            </a:solidFill>
-            <a:prstDash val="solid"/>
-          </a:ln>
-          <a:effectLst/>
-        </p:spPr>
-      </p:cxnSp>
-      <p:sp>
-        <p:nvSpPr>
-          <p:cNvPr id="25" name="文本框 24"/>
-          <p:cNvSpPr txBox="1"/>
-          <p:nvPr/>
-        </p:nvSpPr>
-        <p:spPr>
-          <a:xfrm>
-            <a:off x="3722119" y="4681246"/>
-            <a:ext cx="1095172" cy="1077218"/>
-          </a:xfrm>
-          <a:prstGeom prst="rect">
-            <a:avLst/>
-          </a:prstGeom>
-          <a:noFill/>
-        </p:spPr>
-        <p:txBody>
-          <a:bodyPr wrap="none" rtlCol="0">
-            <a:spAutoFit/>
-          </a:bodyPr>
-          <a:lstStyle/>
-          <a:p>
-            <a:pPr defTabSz="609630"/>
-            <a:r>
-              <a:rPr kumimoji="1" lang="en-US" altLang="zh-CN" sz="6400" dirty="0">
-                <a:solidFill>
-                  <a:srgbClr val="FFDA00"/>
-                </a:solidFill>
-                <a:ea typeface="微软雅黑" charset="0"/>
-              </a:rPr>
-              <a:t>04</a:t>
-            </a:r>
-            <a:endParaRPr kumimoji="1" lang="zh-CN" altLang="en-US" sz="6400" dirty="0">
-              <a:solidFill>
-                <a:srgbClr val="FFDA00"/>
-              </a:solidFill>
-              <a:ea typeface="微软雅黑" charset="0"/>
-            </a:endParaRPr>
-          </a:p>
-        </p:txBody>
-      </p:sp>
-      <p:cxnSp>
-        <p:nvCxnSpPr>
-          <p:cNvPr id="26" name="直线连接符 25"/>
-          <p:cNvCxnSpPr/>
-          <p:nvPr/>
-        </p:nvCxnSpPr>
-        <p:spPr>
-          <a:xfrm>
-            <a:off x="4902715" y="4914655"/>
-            <a:ext cx="0" cy="641176"/>
-          </a:xfrm>
-          <a:prstGeom prst="line">
-            <a:avLst/>
-          </a:prstGeom>
-          <a:noFill/>
-          <a:ln w="12700" cap="flat" cmpd="sng" algn="ctr">
-            <a:solidFill>
-              <a:srgbClr val="FFDA00"/>
-            </a:solidFill>
-            <a:prstDash val="solid"/>
-          </a:ln>
-          <a:effectLst/>
-        </p:spPr>
-      </p:cxnSp>
-      <p:sp>
-        <p:nvSpPr>
-          <p:cNvPr id="7" name="CasellaDiTesto 6"/>
-          <p:cNvSpPr txBox="1"/>
-          <p:nvPr/>
-        </p:nvSpPr>
-        <p:spPr>
-          <a:xfrm>
-            <a:off x="11288776" y="6299261"/>
-            <a:ext cx="670376" cy="369332"/>
-          </a:xfrm>
-          <a:prstGeom prst="rect">
-            <a:avLst/>
-          </a:prstGeom>
-          <a:noFill/>
-        </p:spPr>
-        <p:txBody>
-          <a:bodyPr wrap="none" rtlCol="0">
-            <a:spAutoFit/>
-          </a:bodyPr>
-          <a:lstStyle/>
-          <a:p>
-            <a:r>
-              <a:rPr lang="en-US" altLang="zh-TW" dirty="0"/>
-              <a:t>2/19</a:t>
-            </a:r>
-            <a:endParaRPr lang="it-IT" dirty="0"/>
-          </a:p>
-        </p:txBody>
-      </p:sp>
-      <p:sp>
-        <p:nvSpPr>
-          <p:cNvPr id="3" name="Rettangolo 2"/>
-          <p:cNvSpPr/>
-          <p:nvPr/>
-        </p:nvSpPr>
-        <p:spPr>
-          <a:xfrm>
-            <a:off x="5094514" y="3435424"/>
-            <a:ext cx="6467914" cy="1311128"/>
-          </a:xfrm>
-          <a:prstGeom prst="rect">
-            <a:avLst/>
-          </a:prstGeom>
-          <a:noFill/>
-        </p:spPr>
-        <p:txBody>
-          <a:bodyPr wrap="square" rtlCol="0" anchor="ctr">
-            <a:spAutoFit/>
-          </a:bodyPr>
-          <a:lstStyle/>
-          <a:p>
-            <a:pPr defTabSz="609630">
-              <a:lnSpc>
-                <a:spcPct val="110000"/>
-              </a:lnSpc>
-            </a:pPr>
-            <a:r>
-              <a:rPr kumimoji="1" lang="it-IT" sz="2400" b="1" dirty="0">
-                <a:solidFill>
-                  <a:srgbClr val="1E2327"/>
-                </a:solidFill>
-                <a:ea typeface="微软雅黑" charset="0"/>
-              </a:rPr>
-              <a:t>Dimostrazione </a:t>
-            </a:r>
-            <a:r>
-              <a:rPr kumimoji="1" lang="it-IT" sz="2400" b="1" dirty="0" err="1">
-                <a:solidFill>
-                  <a:srgbClr val="1E2327"/>
-                </a:solidFill>
-                <a:ea typeface="微软雅黑" charset="0"/>
-              </a:rPr>
-              <a:t>DeSpeect</a:t>
-            </a:r>
-            <a:endParaRPr kumimoji="1" lang="it-IT" sz="2400" b="1" dirty="0">
-              <a:solidFill>
-                <a:srgbClr val="1E2327"/>
-              </a:solidFill>
-              <a:ea typeface="微软雅黑" charset="0"/>
-            </a:endParaRPr>
-          </a:p>
-          <a:p>
-            <a:pPr marL="800089" lvl="1" indent="-342900" defTabSz="609630">
-              <a:lnSpc>
-                <a:spcPct val="110000"/>
-              </a:lnSpc>
-              <a:buFontTx/>
-              <a:buChar char="-"/>
-            </a:pPr>
-            <a:r>
-              <a:rPr kumimoji="1" lang="it-IT" sz="2400" dirty="0">
-                <a:solidFill>
-                  <a:srgbClr val="1E2327"/>
-                </a:solidFill>
-                <a:ea typeface="微软雅黑" charset="0"/>
-              </a:rPr>
-              <a:t>Installazione</a:t>
-            </a:r>
-          </a:p>
-          <a:p>
-            <a:pPr marL="800089" lvl="1" indent="-342900" defTabSz="609630">
-              <a:lnSpc>
-                <a:spcPct val="110000"/>
-              </a:lnSpc>
-              <a:buFontTx/>
-              <a:buChar char="-"/>
-            </a:pPr>
-            <a:r>
-              <a:rPr kumimoji="1" lang="it-IT" sz="2400" dirty="0">
-                <a:solidFill>
-                  <a:srgbClr val="1E2327"/>
-                </a:solidFill>
-                <a:ea typeface="微软雅黑" charset="0"/>
-              </a:rPr>
-              <a:t>Dimostrazione pratica</a:t>
-            </a:r>
-          </a:p>
-        </p:txBody>
-      </p:sp>
-      <p:sp>
-        <p:nvSpPr>
-          <p:cNvPr id="27" name="Rettangolo 26"/>
-          <p:cNvSpPr/>
-          <p:nvPr/>
-        </p:nvSpPr>
-        <p:spPr>
-          <a:xfrm>
-            <a:off x="5187488" y="6000997"/>
-            <a:ext cx="6467914" cy="464101"/>
-          </a:xfrm>
-          <a:prstGeom prst="rect">
-            <a:avLst/>
-          </a:prstGeom>
-          <a:noFill/>
-        </p:spPr>
-        <p:txBody>
-          <a:bodyPr wrap="square" rtlCol="0" anchor="ctr">
-            <a:spAutoFit/>
-          </a:bodyPr>
-          <a:lstStyle/>
-          <a:p>
-            <a:pPr defTabSz="609630">
-              <a:lnSpc>
-                <a:spcPct val="110000"/>
-              </a:lnSpc>
-            </a:pPr>
-            <a:r>
-              <a:rPr kumimoji="1" lang="it-IT" sz="2400" b="1" dirty="0">
-                <a:solidFill>
-                  <a:srgbClr val="1E2327"/>
-                </a:solidFill>
-                <a:ea typeface="微软雅黑" charset="0"/>
-              </a:rPr>
-              <a:t>Rendicontazione di impegno e costi</a:t>
-            </a:r>
-          </a:p>
-        </p:txBody>
-      </p:sp>
-      <p:sp>
-        <p:nvSpPr>
-          <p:cNvPr id="29" name="文本框 24"/>
-          <p:cNvSpPr txBox="1"/>
-          <p:nvPr/>
-        </p:nvSpPr>
-        <p:spPr>
-          <a:xfrm>
-            <a:off x="3726456" y="5679051"/>
-            <a:ext cx="1095172" cy="1077218"/>
-          </a:xfrm>
-          <a:prstGeom prst="rect">
-            <a:avLst/>
-          </a:prstGeom>
-          <a:noFill/>
-        </p:spPr>
-        <p:txBody>
-          <a:bodyPr wrap="none" rtlCol="0">
-            <a:spAutoFit/>
-          </a:bodyPr>
-          <a:lstStyle/>
-          <a:p>
-            <a:pPr defTabSz="609630"/>
-            <a:r>
-              <a:rPr kumimoji="1" lang="en-US" altLang="zh-CN" sz="6400" dirty="0">
-                <a:solidFill>
-                  <a:srgbClr val="FFDA00"/>
-                </a:solidFill>
-                <a:ea typeface="微软雅黑" charset="0"/>
-              </a:rPr>
-              <a:t>05</a:t>
-            </a:r>
-            <a:endParaRPr kumimoji="1" lang="zh-CN" altLang="en-US" sz="6400" dirty="0">
-              <a:solidFill>
-                <a:srgbClr val="FFDA00"/>
-              </a:solidFill>
-              <a:ea typeface="微软雅黑" charset="0"/>
-            </a:endParaRPr>
-          </a:p>
-        </p:txBody>
-      </p:sp>
-      <p:cxnSp>
-        <p:nvCxnSpPr>
-          <p:cNvPr id="30" name="直线连接符 25"/>
-          <p:cNvCxnSpPr/>
-          <p:nvPr/>
-        </p:nvCxnSpPr>
-        <p:spPr>
-          <a:xfrm>
-            <a:off x="4907052" y="5912460"/>
-            <a:ext cx="0" cy="641176"/>
-          </a:xfrm>
-          <a:prstGeom prst="line">
-            <a:avLst/>
-          </a:prstGeom>
-          <a:noFill/>
-          <a:ln w="12700" cap="flat" cmpd="sng" algn="ctr">
-            <a:solidFill>
-              <a:srgbClr val="FFDA00"/>
-            </a:solidFill>
-            <a:prstDash val="solid"/>
-          </a:ln>
-          <a:effectLst/>
-        </p:spPr>
-      </p:cxnSp>
-      <p:sp>
-        <p:nvSpPr>
-          <p:cNvPr id="24" name="文本框 18">
-            <a:extLst>
-              <a:ext uri="{FF2B5EF4-FFF2-40B4-BE49-F238E27FC236}">
-                <a16:creationId xmlns:a16="http://schemas.microsoft.com/office/drawing/2014/main" id="{3113211E-57D8-49A0-BD51-69EA5EC9AF17}"/>
-              </a:ext>
-            </a:extLst>
-          </p:cNvPr>
-          <p:cNvSpPr txBox="1"/>
-          <p:nvPr/>
-        </p:nvSpPr>
-        <p:spPr>
-          <a:xfrm>
-            <a:off x="3726456" y="2016871"/>
-            <a:ext cx="1095172" cy="1077218"/>
-          </a:xfrm>
-          <a:prstGeom prst="rect">
-            <a:avLst/>
-          </a:prstGeom>
-          <a:noFill/>
-        </p:spPr>
-        <p:txBody>
-          <a:bodyPr wrap="none" rtlCol="0">
-            <a:spAutoFit/>
-          </a:bodyPr>
-          <a:lstStyle/>
-          <a:p>
-            <a:pPr defTabSz="609630"/>
-            <a:r>
-              <a:rPr kumimoji="1" lang="en-US" altLang="zh-CN" sz="6400" dirty="0">
-                <a:solidFill>
-                  <a:srgbClr val="FFDA00"/>
-                </a:solidFill>
-                <a:ea typeface="微软雅黑" charset="0"/>
-              </a:rPr>
-              <a:t>02</a:t>
-            </a:r>
-            <a:endParaRPr kumimoji="1" lang="zh-CN" altLang="en-US" sz="6400" dirty="0">
-              <a:solidFill>
-                <a:srgbClr val="FFDA00"/>
-              </a:solidFill>
-              <a:ea typeface="微软雅黑" charset="0"/>
-            </a:endParaRPr>
-          </a:p>
-        </p:txBody>
-      </p:sp>
-      <p:cxnSp>
-        <p:nvCxnSpPr>
-          <p:cNvPr id="28" name="直线连接符 19">
-            <a:extLst>
-              <a:ext uri="{FF2B5EF4-FFF2-40B4-BE49-F238E27FC236}">
-                <a16:creationId xmlns:a16="http://schemas.microsoft.com/office/drawing/2014/main" id="{7060D992-1216-4233-AF91-54F94CCE8C74}"/>
-              </a:ext>
-            </a:extLst>
-          </p:cNvPr>
-          <p:cNvCxnSpPr/>
-          <p:nvPr/>
-        </p:nvCxnSpPr>
-        <p:spPr>
-          <a:xfrm>
-            <a:off x="4907052" y="2250280"/>
-            <a:ext cx="0" cy="641176"/>
-          </a:xfrm>
-          <a:prstGeom prst="line">
-            <a:avLst/>
-          </a:prstGeom>
-          <a:noFill/>
-          <a:ln w="12700" cap="flat" cmpd="sng" algn="ctr">
-            <a:solidFill>
-              <a:srgbClr val="FFDA00"/>
-            </a:solidFill>
-            <a:prstDash val="solid"/>
-          </a:ln>
-          <a:effectLst/>
-        </p:spPr>
-      </p:cxnSp>
-      <p:sp>
-        <p:nvSpPr>
-          <p:cNvPr id="31" name="文本框 20">
-            <a:extLst>
-              <a:ext uri="{FF2B5EF4-FFF2-40B4-BE49-F238E27FC236}">
-                <a16:creationId xmlns:a16="http://schemas.microsoft.com/office/drawing/2014/main" id="{EDBCE2C7-3125-42EE-8A82-9D22B30D16C7}"/>
-              </a:ext>
-            </a:extLst>
-          </p:cNvPr>
-          <p:cNvSpPr txBox="1"/>
-          <p:nvPr/>
-        </p:nvSpPr>
-        <p:spPr>
-          <a:xfrm>
-            <a:off x="5094514" y="1680009"/>
-            <a:ext cx="6467914" cy="1717393"/>
-          </a:xfrm>
-          <a:prstGeom prst="rect">
-            <a:avLst/>
-          </a:prstGeom>
-          <a:noFill/>
-        </p:spPr>
-        <p:txBody>
-          <a:bodyPr wrap="square" rtlCol="0" anchor="ctr">
-            <a:spAutoFit/>
-          </a:bodyPr>
-          <a:lstStyle/>
-          <a:p>
-            <a:pPr defTabSz="609630">
-              <a:lnSpc>
-                <a:spcPct val="110000"/>
-              </a:lnSpc>
-            </a:pPr>
-            <a:r>
-              <a:rPr kumimoji="1" lang="it-IT" altLang="zh-CN" sz="2400" b="1" dirty="0" err="1">
-                <a:solidFill>
-                  <a:srgbClr val="1E2327"/>
-                </a:solidFill>
-                <a:ea typeface="微软雅黑" charset="0"/>
-              </a:rPr>
-              <a:t>DeSpeect</a:t>
-            </a:r>
-            <a:endParaRPr kumimoji="1" lang="it-IT" altLang="zh-CN" sz="2400" b="1" dirty="0">
-              <a:solidFill>
-                <a:srgbClr val="1E2327"/>
-              </a:solidFill>
-              <a:ea typeface="微软雅黑" charset="0"/>
-            </a:endParaRPr>
-          </a:p>
-          <a:p>
-            <a:pPr marL="800089" lvl="1" indent="-342900" defTabSz="609630">
-              <a:lnSpc>
-                <a:spcPct val="110000"/>
-              </a:lnSpc>
-              <a:buFontTx/>
-              <a:buChar char="-"/>
-            </a:pPr>
-            <a:r>
-              <a:rPr kumimoji="1" lang="it-IT" altLang="zh-CN" sz="2400" dirty="0">
-                <a:solidFill>
-                  <a:srgbClr val="1E2327"/>
-                </a:solidFill>
-                <a:ea typeface="微软雅黑" charset="0"/>
-              </a:rPr>
-              <a:t>Caratteristiche più significative</a:t>
-            </a:r>
-          </a:p>
-          <a:p>
-            <a:pPr marL="800089" lvl="1" indent="-342900" defTabSz="609630">
-              <a:lnSpc>
-                <a:spcPct val="110000"/>
-              </a:lnSpc>
-              <a:buFontTx/>
-              <a:buChar char="-"/>
-            </a:pPr>
-            <a:r>
-              <a:rPr kumimoji="1" lang="it-IT" altLang="zh-CN" sz="2400" dirty="0" err="1">
-                <a:solidFill>
-                  <a:srgbClr val="1E2327"/>
-                </a:solidFill>
-                <a:ea typeface="微软雅黑" charset="0"/>
-              </a:rPr>
-              <a:t>Vanatggi</a:t>
-            </a:r>
-            <a:endParaRPr kumimoji="1" lang="it-IT" altLang="zh-CN" sz="2400" dirty="0">
-              <a:solidFill>
-                <a:srgbClr val="1E2327"/>
-              </a:solidFill>
-              <a:ea typeface="微软雅黑" charset="0"/>
-            </a:endParaRPr>
-          </a:p>
-          <a:p>
-            <a:pPr marL="800089" lvl="1" indent="-342900" defTabSz="609630">
-              <a:lnSpc>
-                <a:spcPct val="110000"/>
-              </a:lnSpc>
-              <a:buFontTx/>
-              <a:buChar char="-"/>
-            </a:pPr>
-            <a:r>
-              <a:rPr kumimoji="1" lang="it-IT" altLang="zh-CN" sz="2400" dirty="0">
-                <a:solidFill>
-                  <a:srgbClr val="1E2327"/>
-                </a:solidFill>
-                <a:ea typeface="微软雅黑" charset="0"/>
-              </a:rPr>
-              <a:t>Il team</a:t>
-            </a:r>
-          </a:p>
-        </p:txBody>
-      </p:sp>
-      <p:sp>
-        <p:nvSpPr>
-          <p:cNvPr id="32" name="Rettangolo 31">
-            <a:extLst>
-              <a:ext uri="{FF2B5EF4-FFF2-40B4-BE49-F238E27FC236}">
-                <a16:creationId xmlns:a16="http://schemas.microsoft.com/office/drawing/2014/main" id="{4BAA73E8-D75B-45D6-9989-3567C66361E1}"/>
-              </a:ext>
-            </a:extLst>
-          </p:cNvPr>
-          <p:cNvSpPr/>
-          <p:nvPr/>
-        </p:nvSpPr>
-        <p:spPr>
-          <a:xfrm>
-            <a:off x="5187488" y="5033461"/>
-            <a:ext cx="6467914" cy="464101"/>
-          </a:xfrm>
-          <a:prstGeom prst="rect">
-            <a:avLst/>
-          </a:prstGeom>
-          <a:noFill/>
-        </p:spPr>
-        <p:txBody>
-          <a:bodyPr wrap="square" rtlCol="0" anchor="ctr">
-            <a:spAutoFit/>
-          </a:bodyPr>
-          <a:lstStyle/>
-          <a:p>
-            <a:pPr defTabSz="609630">
-              <a:lnSpc>
-                <a:spcPct val="110000"/>
-              </a:lnSpc>
-            </a:pPr>
-            <a:r>
-              <a:rPr kumimoji="1" lang="it-IT" sz="2400" b="1" dirty="0">
-                <a:solidFill>
-                  <a:srgbClr val="1E2327"/>
-                </a:solidFill>
-                <a:ea typeface="微软雅黑" charset="0"/>
-              </a:rPr>
-              <a:t>Risultati collaudo</a:t>
-            </a:r>
-          </a:p>
-        </p:txBody>
-      </p:sp>
-    </p:spTree>
-    <p:extLst>
-      <p:ext uri="{BB962C8B-B14F-4D97-AF65-F5344CB8AC3E}">
-        <p14:creationId xmlns:p14="http://schemas.microsoft.com/office/powerpoint/2010/main" val="1042517543"/>
-      </p:ext>
-    </p:extLst>
-  </p:cSld>
-  <p:clrMapOvr>
-    <a:masterClrMapping/>
-  </p:clrMapOvr>
-  <mc:AlternateContent xmlns:mc="http://schemas.openxmlformats.org/markup-compatibility/2006" xmlns:p14="http://schemas.microsoft.com/office/powerpoint/2010/main">
-    <mc:Choice Requires="p14">
-      <p:transition spd="slow" p14:dur="2000">
-        <p14:prism isContent="1"/>
-      </p:transition>
-    </mc:Choice>
-    <mc:Fallback xmlns="">
-      <p:transition spd="slow">
-        <p:fade/>
-      </p:transition>
-    </mc:Fallback>
-  </mc:AlternateContent>
-</p:sld>
-</file>
-
-<file path=ppt/slides/slide20.xml><?xml version="1.0" encoding="utf-8"?>
-<p:sld xmlns:a="http://schemas.openxmlformats.org/drawingml/2006/main" xmlns:r="http://schemas.openxmlformats.org/officeDocument/2006/relationships" xmlns:p="http://schemas.openxmlformats.org/presentationml/2006/main">
-  <p:cSld>
-    <p:spTree>
-      <p:nvGrpSpPr>
-        <p:cNvPr id="1" name=""/>
-        <p:cNvGrpSpPr/>
-        <p:nvPr/>
-      </p:nvGrpSpPr>
-      <p:grpSpPr>
-        <a:xfrm>
-          <a:off x="0" y="0"/>
-          <a:ext cx="0" cy="0"/>
-          <a:chOff x="0" y="0"/>
-          <a:chExt cx="0" cy="0"/>
-        </a:xfrm>
-      </p:grpSpPr>
-      <p:sp>
-        <p:nvSpPr>
           <p:cNvPr id="12" name="任意形状 11"/>
           <p:cNvSpPr/>
           <p:nvPr/>
@@ -16629,6 +14206,850 @@
 </p:sld>
 </file>
 
+<file path=ppt/slides/slide2.xml><?xml version="1.0" encoding="utf-8"?>
+<p:sld xmlns:a="http://schemas.openxmlformats.org/drawingml/2006/main" xmlns:r="http://schemas.openxmlformats.org/officeDocument/2006/relationships" xmlns:p="http://schemas.openxmlformats.org/presentationml/2006/main">
+  <p:cSld>
+    <p:spTree>
+      <p:nvGrpSpPr>
+        <p:cNvPr id="1" name=""/>
+        <p:cNvGrpSpPr/>
+        <p:nvPr/>
+      </p:nvGrpSpPr>
+      <p:grpSpPr>
+        <a:xfrm>
+          <a:off x="0" y="0"/>
+          <a:ext cx="0" cy="0"/>
+          <a:chOff x="0" y="0"/>
+          <a:chExt cx="0" cy="0"/>
+        </a:xfrm>
+      </p:grpSpPr>
+      <p:sp>
+        <p:nvSpPr>
+          <p:cNvPr id="8" name="Rettangolo 7"/>
+          <p:cNvSpPr/>
+          <p:nvPr/>
+        </p:nvSpPr>
+        <p:spPr>
+          <a:xfrm>
+            <a:off x="3476746" y="3714"/>
+            <a:ext cx="8711831" cy="6858000"/>
+          </a:xfrm>
+          <a:prstGeom prst="rect">
+            <a:avLst/>
+          </a:prstGeom>
+          <a:solidFill>
+            <a:schemeClr val="bg1"/>
+          </a:solidFill>
+          <a:ln>
+            <a:noFill/>
+          </a:ln>
+        </p:spPr>
+        <p:style>
+          <a:lnRef idx="2">
+            <a:schemeClr val="accent1">
+              <a:shade val="50000"/>
+            </a:schemeClr>
+          </a:lnRef>
+          <a:fillRef idx="1">
+            <a:schemeClr val="accent1"/>
+          </a:fillRef>
+          <a:effectRef idx="0">
+            <a:schemeClr val="accent1"/>
+          </a:effectRef>
+          <a:fontRef idx="minor">
+            <a:schemeClr val="lt1"/>
+          </a:fontRef>
+        </p:style>
+        <p:txBody>
+          <a:bodyPr rtlCol="0" anchor="ctr"/>
+          <a:lstStyle/>
+          <a:p>
+            <a:pPr algn="ctr"/>
+            <a:endParaRPr lang="it-IT" dirty="0"/>
+          </a:p>
+        </p:txBody>
+      </p:sp>
+      <p:sp>
+        <p:nvSpPr>
+          <p:cNvPr id="2" name="文本占位符 1"/>
+          <p:cNvSpPr>
+            <a:spLocks noGrp="1"/>
+          </p:cNvSpPr>
+          <p:nvPr>
+            <p:ph type="body" sz="quarter" idx="10"/>
+          </p:nvPr>
+        </p:nvSpPr>
+        <p:spPr/>
+        <p:txBody>
+          <a:bodyPr/>
+          <a:lstStyle/>
+          <a:p>
+            <a:r>
+              <a:rPr kumimoji="1" lang="en-US" altLang="zh-CN" dirty="0"/>
+              <a:t>CONTENTS</a:t>
+            </a:r>
+            <a:endParaRPr kumimoji="1" lang="zh-CN" altLang="en-US" dirty="0"/>
+          </a:p>
+        </p:txBody>
+      </p:sp>
+      <p:sp>
+        <p:nvSpPr>
+          <p:cNvPr id="15" name="文本框 14"/>
+          <p:cNvSpPr txBox="1"/>
+          <p:nvPr/>
+        </p:nvSpPr>
+        <p:spPr>
+          <a:xfrm>
+            <a:off x="3722119" y="285249"/>
+            <a:ext cx="1095172" cy="1077218"/>
+          </a:xfrm>
+          <a:prstGeom prst="rect">
+            <a:avLst/>
+          </a:prstGeom>
+          <a:noFill/>
+        </p:spPr>
+        <p:txBody>
+          <a:bodyPr wrap="none" rtlCol="0">
+            <a:spAutoFit/>
+          </a:bodyPr>
+          <a:lstStyle/>
+          <a:p>
+            <a:pPr defTabSz="609630"/>
+            <a:r>
+              <a:rPr kumimoji="1" lang="en-US" altLang="zh-CN" sz="6400" dirty="0">
+                <a:solidFill>
+                  <a:srgbClr val="FFDA00"/>
+                </a:solidFill>
+                <a:ea typeface="微软雅黑" charset="0"/>
+              </a:rPr>
+              <a:t>01</a:t>
+            </a:r>
+            <a:endParaRPr kumimoji="1" lang="zh-CN" altLang="en-US" sz="6400" dirty="0">
+              <a:solidFill>
+                <a:srgbClr val="FFDA00"/>
+              </a:solidFill>
+              <a:ea typeface="微软雅黑" charset="0"/>
+            </a:endParaRPr>
+          </a:p>
+        </p:txBody>
+      </p:sp>
+      <p:sp>
+        <p:nvSpPr>
+          <p:cNvPr id="16" name="文本框 15"/>
+          <p:cNvSpPr txBox="1"/>
+          <p:nvPr/>
+        </p:nvSpPr>
+        <p:spPr>
+          <a:xfrm>
+            <a:off x="5187488" y="226785"/>
+            <a:ext cx="6436476" cy="1311128"/>
+          </a:xfrm>
+          <a:prstGeom prst="rect">
+            <a:avLst/>
+          </a:prstGeom>
+          <a:noFill/>
+        </p:spPr>
+        <p:txBody>
+          <a:bodyPr wrap="square" rtlCol="0" anchor="ctr">
+            <a:spAutoFit/>
+          </a:bodyPr>
+          <a:lstStyle/>
+          <a:p>
+            <a:pPr defTabSz="609630">
+              <a:lnSpc>
+                <a:spcPct val="110000"/>
+              </a:lnSpc>
+            </a:pPr>
+            <a:r>
+              <a:rPr kumimoji="1" lang="it-IT" altLang="zh-CN" sz="2400" b="1" dirty="0" err="1">
+                <a:solidFill>
+                  <a:srgbClr val="1E2327"/>
+                </a:solidFill>
+                <a:ea typeface="微软雅黑" charset="0"/>
+              </a:rPr>
+              <a:t>Speect</a:t>
+            </a:r>
+            <a:endParaRPr kumimoji="1" lang="it-IT" altLang="zh-CN" sz="2400" b="1" dirty="0">
+              <a:solidFill>
+                <a:srgbClr val="1E2327"/>
+              </a:solidFill>
+              <a:ea typeface="微软雅黑" charset="0"/>
+            </a:endParaRPr>
+          </a:p>
+          <a:p>
+            <a:pPr marL="800089" lvl="1" indent="-342900" defTabSz="609630">
+              <a:lnSpc>
+                <a:spcPct val="110000"/>
+              </a:lnSpc>
+              <a:buFontTx/>
+              <a:buChar char="-"/>
+            </a:pPr>
+            <a:r>
+              <a:rPr kumimoji="1" lang="it-IT" altLang="zh-CN" sz="2400" dirty="0">
+                <a:solidFill>
+                  <a:srgbClr val="1E2327"/>
+                </a:solidFill>
+                <a:ea typeface="微软雅黑" charset="0"/>
+              </a:rPr>
+              <a:t>Introduzione</a:t>
+            </a:r>
+          </a:p>
+          <a:p>
+            <a:pPr marL="800089" lvl="1" indent="-342900" defTabSz="609630">
+              <a:lnSpc>
+                <a:spcPct val="110000"/>
+              </a:lnSpc>
+              <a:buFontTx/>
+              <a:buChar char="-"/>
+            </a:pPr>
+            <a:r>
+              <a:rPr kumimoji="1" lang="it-IT" altLang="zh-CN" sz="2400" dirty="0">
+                <a:solidFill>
+                  <a:srgbClr val="1E2327"/>
+                </a:solidFill>
+                <a:ea typeface="微软雅黑" charset="0"/>
+              </a:rPr>
+              <a:t>La richiesta</a:t>
+            </a:r>
+          </a:p>
+        </p:txBody>
+      </p:sp>
+      <p:cxnSp>
+        <p:nvCxnSpPr>
+          <p:cNvPr id="17" name="直线连接符 16"/>
+          <p:cNvCxnSpPr/>
+          <p:nvPr/>
+        </p:nvCxnSpPr>
+        <p:spPr>
+          <a:xfrm>
+            <a:off x="4902715" y="572506"/>
+            <a:ext cx="0" cy="641176"/>
+          </a:xfrm>
+          <a:prstGeom prst="line">
+            <a:avLst/>
+          </a:prstGeom>
+          <a:noFill/>
+          <a:ln w="12700" cap="flat" cmpd="sng" algn="ctr">
+            <a:solidFill>
+              <a:srgbClr val="FFDA00"/>
+            </a:solidFill>
+            <a:prstDash val="solid"/>
+          </a:ln>
+          <a:effectLst/>
+        </p:spPr>
+      </p:cxnSp>
+      <p:sp>
+        <p:nvSpPr>
+          <p:cNvPr id="22" name="文本框 21"/>
+          <p:cNvSpPr txBox="1"/>
+          <p:nvPr/>
+        </p:nvSpPr>
+        <p:spPr>
+          <a:xfrm>
+            <a:off x="3726456" y="3496558"/>
+            <a:ext cx="1095172" cy="1077218"/>
+          </a:xfrm>
+          <a:prstGeom prst="rect">
+            <a:avLst/>
+          </a:prstGeom>
+          <a:noFill/>
+        </p:spPr>
+        <p:txBody>
+          <a:bodyPr wrap="none" rtlCol="0">
+            <a:spAutoFit/>
+          </a:bodyPr>
+          <a:lstStyle/>
+          <a:p>
+            <a:pPr defTabSz="609630"/>
+            <a:r>
+              <a:rPr kumimoji="1" lang="en-US" altLang="zh-CN" sz="6400" dirty="0">
+                <a:solidFill>
+                  <a:srgbClr val="FFDA00"/>
+                </a:solidFill>
+                <a:ea typeface="微软雅黑" charset="0"/>
+              </a:rPr>
+              <a:t>03</a:t>
+            </a:r>
+            <a:endParaRPr kumimoji="1" lang="zh-CN" altLang="en-US" sz="6400" dirty="0">
+              <a:solidFill>
+                <a:srgbClr val="FFDA00"/>
+              </a:solidFill>
+              <a:ea typeface="微软雅黑" charset="0"/>
+            </a:endParaRPr>
+          </a:p>
+        </p:txBody>
+      </p:sp>
+      <p:cxnSp>
+        <p:nvCxnSpPr>
+          <p:cNvPr id="23" name="直线连接符 22"/>
+          <p:cNvCxnSpPr/>
+          <p:nvPr/>
+        </p:nvCxnSpPr>
+        <p:spPr>
+          <a:xfrm>
+            <a:off x="4907052" y="3729968"/>
+            <a:ext cx="0" cy="641176"/>
+          </a:xfrm>
+          <a:prstGeom prst="line">
+            <a:avLst/>
+          </a:prstGeom>
+          <a:noFill/>
+          <a:ln w="12700" cap="flat" cmpd="sng" algn="ctr">
+            <a:solidFill>
+              <a:srgbClr val="FFDA00"/>
+            </a:solidFill>
+            <a:prstDash val="solid"/>
+          </a:ln>
+          <a:effectLst/>
+        </p:spPr>
+      </p:cxnSp>
+      <p:sp>
+        <p:nvSpPr>
+          <p:cNvPr id="25" name="文本框 24"/>
+          <p:cNvSpPr txBox="1"/>
+          <p:nvPr/>
+        </p:nvSpPr>
+        <p:spPr>
+          <a:xfrm>
+            <a:off x="3722119" y="4681246"/>
+            <a:ext cx="1095172" cy="1077218"/>
+          </a:xfrm>
+          <a:prstGeom prst="rect">
+            <a:avLst/>
+          </a:prstGeom>
+          <a:noFill/>
+        </p:spPr>
+        <p:txBody>
+          <a:bodyPr wrap="none" rtlCol="0">
+            <a:spAutoFit/>
+          </a:bodyPr>
+          <a:lstStyle/>
+          <a:p>
+            <a:pPr defTabSz="609630"/>
+            <a:r>
+              <a:rPr kumimoji="1" lang="en-US" altLang="zh-CN" sz="6400" dirty="0">
+                <a:solidFill>
+                  <a:srgbClr val="FFDA00"/>
+                </a:solidFill>
+                <a:ea typeface="微软雅黑" charset="0"/>
+              </a:rPr>
+              <a:t>04</a:t>
+            </a:r>
+            <a:endParaRPr kumimoji="1" lang="zh-CN" altLang="en-US" sz="6400" dirty="0">
+              <a:solidFill>
+                <a:srgbClr val="FFDA00"/>
+              </a:solidFill>
+              <a:ea typeface="微软雅黑" charset="0"/>
+            </a:endParaRPr>
+          </a:p>
+        </p:txBody>
+      </p:sp>
+      <p:cxnSp>
+        <p:nvCxnSpPr>
+          <p:cNvPr id="26" name="直线连接符 25"/>
+          <p:cNvCxnSpPr/>
+          <p:nvPr/>
+        </p:nvCxnSpPr>
+        <p:spPr>
+          <a:xfrm>
+            <a:off x="4902715" y="4914655"/>
+            <a:ext cx="0" cy="641176"/>
+          </a:xfrm>
+          <a:prstGeom prst="line">
+            <a:avLst/>
+          </a:prstGeom>
+          <a:noFill/>
+          <a:ln w="12700" cap="flat" cmpd="sng" algn="ctr">
+            <a:solidFill>
+              <a:srgbClr val="FFDA00"/>
+            </a:solidFill>
+            <a:prstDash val="solid"/>
+          </a:ln>
+          <a:effectLst/>
+        </p:spPr>
+      </p:cxnSp>
+      <p:sp>
+        <p:nvSpPr>
+          <p:cNvPr id="7" name="CasellaDiTesto 6"/>
+          <p:cNvSpPr txBox="1"/>
+          <p:nvPr/>
+        </p:nvSpPr>
+        <p:spPr>
+          <a:xfrm>
+            <a:off x="11288776" y="6299261"/>
+            <a:ext cx="670376" cy="369332"/>
+          </a:xfrm>
+          <a:prstGeom prst="rect">
+            <a:avLst/>
+          </a:prstGeom>
+          <a:noFill/>
+        </p:spPr>
+        <p:txBody>
+          <a:bodyPr wrap="none" rtlCol="0">
+            <a:spAutoFit/>
+          </a:bodyPr>
+          <a:lstStyle/>
+          <a:p>
+            <a:r>
+              <a:rPr lang="en-US" altLang="zh-TW" dirty="0"/>
+              <a:t>2/18</a:t>
+            </a:r>
+            <a:endParaRPr lang="it-IT" dirty="0"/>
+          </a:p>
+        </p:txBody>
+      </p:sp>
+      <p:sp>
+        <p:nvSpPr>
+          <p:cNvPr id="3" name="Rettangolo 2"/>
+          <p:cNvSpPr/>
+          <p:nvPr/>
+        </p:nvSpPr>
+        <p:spPr>
+          <a:xfrm>
+            <a:off x="5094514" y="3435424"/>
+            <a:ext cx="6467914" cy="1311128"/>
+          </a:xfrm>
+          <a:prstGeom prst="rect">
+            <a:avLst/>
+          </a:prstGeom>
+          <a:noFill/>
+        </p:spPr>
+        <p:txBody>
+          <a:bodyPr wrap="square" rtlCol="0" anchor="ctr">
+            <a:spAutoFit/>
+          </a:bodyPr>
+          <a:lstStyle/>
+          <a:p>
+            <a:pPr defTabSz="609630">
+              <a:lnSpc>
+                <a:spcPct val="110000"/>
+              </a:lnSpc>
+            </a:pPr>
+            <a:r>
+              <a:rPr kumimoji="1" lang="it-IT" sz="2400" b="1" dirty="0">
+                <a:solidFill>
+                  <a:srgbClr val="1E2327"/>
+                </a:solidFill>
+                <a:ea typeface="微软雅黑" charset="0"/>
+              </a:rPr>
+              <a:t>Dimostrazione </a:t>
+            </a:r>
+            <a:r>
+              <a:rPr kumimoji="1" lang="it-IT" sz="2400" b="1" dirty="0" err="1">
+                <a:solidFill>
+                  <a:srgbClr val="1E2327"/>
+                </a:solidFill>
+                <a:ea typeface="微软雅黑" charset="0"/>
+              </a:rPr>
+              <a:t>DeSpeect</a:t>
+            </a:r>
+            <a:endParaRPr kumimoji="1" lang="it-IT" sz="2400" b="1" dirty="0">
+              <a:solidFill>
+                <a:srgbClr val="1E2327"/>
+              </a:solidFill>
+              <a:ea typeface="微软雅黑" charset="0"/>
+            </a:endParaRPr>
+          </a:p>
+          <a:p>
+            <a:pPr marL="800089" lvl="1" indent="-342900" defTabSz="609630">
+              <a:lnSpc>
+                <a:spcPct val="110000"/>
+              </a:lnSpc>
+              <a:buFontTx/>
+              <a:buChar char="-"/>
+            </a:pPr>
+            <a:r>
+              <a:rPr kumimoji="1" lang="it-IT" sz="2400" dirty="0">
+                <a:solidFill>
+                  <a:srgbClr val="1E2327"/>
+                </a:solidFill>
+                <a:ea typeface="微软雅黑" charset="0"/>
+              </a:rPr>
+              <a:t>Installazione</a:t>
+            </a:r>
+          </a:p>
+          <a:p>
+            <a:pPr marL="800089" lvl="1" indent="-342900" defTabSz="609630">
+              <a:lnSpc>
+                <a:spcPct val="110000"/>
+              </a:lnSpc>
+              <a:buFontTx/>
+              <a:buChar char="-"/>
+            </a:pPr>
+            <a:r>
+              <a:rPr kumimoji="1" lang="it-IT" sz="2400" dirty="0">
+                <a:solidFill>
+                  <a:srgbClr val="1E2327"/>
+                </a:solidFill>
+                <a:ea typeface="微软雅黑" charset="0"/>
+              </a:rPr>
+              <a:t>Dimostrazione pratica</a:t>
+            </a:r>
+          </a:p>
+        </p:txBody>
+      </p:sp>
+      <p:sp>
+        <p:nvSpPr>
+          <p:cNvPr id="27" name="Rettangolo 26"/>
+          <p:cNvSpPr/>
+          <p:nvPr/>
+        </p:nvSpPr>
+        <p:spPr>
+          <a:xfrm>
+            <a:off x="5187488" y="6000997"/>
+            <a:ext cx="6467914" cy="464101"/>
+          </a:xfrm>
+          <a:prstGeom prst="rect">
+            <a:avLst/>
+          </a:prstGeom>
+          <a:noFill/>
+        </p:spPr>
+        <p:txBody>
+          <a:bodyPr wrap="square" rtlCol="0" anchor="ctr">
+            <a:spAutoFit/>
+          </a:bodyPr>
+          <a:lstStyle/>
+          <a:p>
+            <a:pPr defTabSz="609630">
+              <a:lnSpc>
+                <a:spcPct val="110000"/>
+              </a:lnSpc>
+            </a:pPr>
+            <a:r>
+              <a:rPr kumimoji="1" lang="it-IT" sz="2400" b="1" dirty="0">
+                <a:solidFill>
+                  <a:srgbClr val="1E2327"/>
+                </a:solidFill>
+                <a:ea typeface="微软雅黑" charset="0"/>
+              </a:rPr>
+              <a:t>Rendicontazione di impegno e costi</a:t>
+            </a:r>
+          </a:p>
+        </p:txBody>
+      </p:sp>
+      <p:sp>
+        <p:nvSpPr>
+          <p:cNvPr id="29" name="文本框 24"/>
+          <p:cNvSpPr txBox="1"/>
+          <p:nvPr/>
+        </p:nvSpPr>
+        <p:spPr>
+          <a:xfrm>
+            <a:off x="3726456" y="5679051"/>
+            <a:ext cx="1095172" cy="1077218"/>
+          </a:xfrm>
+          <a:prstGeom prst="rect">
+            <a:avLst/>
+          </a:prstGeom>
+          <a:noFill/>
+        </p:spPr>
+        <p:txBody>
+          <a:bodyPr wrap="none" rtlCol="0">
+            <a:spAutoFit/>
+          </a:bodyPr>
+          <a:lstStyle/>
+          <a:p>
+            <a:pPr defTabSz="609630"/>
+            <a:r>
+              <a:rPr kumimoji="1" lang="en-US" altLang="zh-CN" sz="6400" dirty="0">
+                <a:solidFill>
+                  <a:srgbClr val="FFDA00"/>
+                </a:solidFill>
+                <a:ea typeface="微软雅黑" charset="0"/>
+              </a:rPr>
+              <a:t>05</a:t>
+            </a:r>
+            <a:endParaRPr kumimoji="1" lang="zh-CN" altLang="en-US" sz="6400" dirty="0">
+              <a:solidFill>
+                <a:srgbClr val="FFDA00"/>
+              </a:solidFill>
+              <a:ea typeface="微软雅黑" charset="0"/>
+            </a:endParaRPr>
+          </a:p>
+        </p:txBody>
+      </p:sp>
+      <p:cxnSp>
+        <p:nvCxnSpPr>
+          <p:cNvPr id="30" name="直线连接符 25"/>
+          <p:cNvCxnSpPr/>
+          <p:nvPr/>
+        </p:nvCxnSpPr>
+        <p:spPr>
+          <a:xfrm>
+            <a:off x="4907052" y="5912460"/>
+            <a:ext cx="0" cy="641176"/>
+          </a:xfrm>
+          <a:prstGeom prst="line">
+            <a:avLst/>
+          </a:prstGeom>
+          <a:noFill/>
+          <a:ln w="12700" cap="flat" cmpd="sng" algn="ctr">
+            <a:solidFill>
+              <a:srgbClr val="FFDA00"/>
+            </a:solidFill>
+            <a:prstDash val="solid"/>
+          </a:ln>
+          <a:effectLst/>
+        </p:spPr>
+      </p:cxnSp>
+      <p:sp>
+        <p:nvSpPr>
+          <p:cNvPr id="24" name="文本框 18">
+            <a:extLst>
+              <a:ext uri="{FF2B5EF4-FFF2-40B4-BE49-F238E27FC236}">
+                <a16:creationId xmlns:a16="http://schemas.microsoft.com/office/drawing/2014/main" id="{3113211E-57D8-49A0-BD51-69EA5EC9AF17}"/>
+              </a:ext>
+            </a:extLst>
+          </p:cNvPr>
+          <p:cNvSpPr txBox="1"/>
+          <p:nvPr/>
+        </p:nvSpPr>
+        <p:spPr>
+          <a:xfrm>
+            <a:off x="3726456" y="2016871"/>
+            <a:ext cx="1095172" cy="1077218"/>
+          </a:xfrm>
+          <a:prstGeom prst="rect">
+            <a:avLst/>
+          </a:prstGeom>
+          <a:noFill/>
+        </p:spPr>
+        <p:txBody>
+          <a:bodyPr wrap="none" rtlCol="0">
+            <a:spAutoFit/>
+          </a:bodyPr>
+          <a:lstStyle/>
+          <a:p>
+            <a:pPr defTabSz="609630"/>
+            <a:r>
+              <a:rPr kumimoji="1" lang="en-US" altLang="zh-CN" sz="6400" dirty="0">
+                <a:solidFill>
+                  <a:srgbClr val="FFDA00"/>
+                </a:solidFill>
+                <a:ea typeface="微软雅黑" charset="0"/>
+              </a:rPr>
+              <a:t>02</a:t>
+            </a:r>
+            <a:endParaRPr kumimoji="1" lang="zh-CN" altLang="en-US" sz="6400" dirty="0">
+              <a:solidFill>
+                <a:srgbClr val="FFDA00"/>
+              </a:solidFill>
+              <a:ea typeface="微软雅黑" charset="0"/>
+            </a:endParaRPr>
+          </a:p>
+        </p:txBody>
+      </p:sp>
+      <p:cxnSp>
+        <p:nvCxnSpPr>
+          <p:cNvPr id="28" name="直线连接符 19">
+            <a:extLst>
+              <a:ext uri="{FF2B5EF4-FFF2-40B4-BE49-F238E27FC236}">
+                <a16:creationId xmlns:a16="http://schemas.microsoft.com/office/drawing/2014/main" id="{7060D992-1216-4233-AF91-54F94CCE8C74}"/>
+              </a:ext>
+            </a:extLst>
+          </p:cNvPr>
+          <p:cNvCxnSpPr/>
+          <p:nvPr/>
+        </p:nvCxnSpPr>
+        <p:spPr>
+          <a:xfrm>
+            <a:off x="4907052" y="2250280"/>
+            <a:ext cx="0" cy="641176"/>
+          </a:xfrm>
+          <a:prstGeom prst="line">
+            <a:avLst/>
+          </a:prstGeom>
+          <a:noFill/>
+          <a:ln w="12700" cap="flat" cmpd="sng" algn="ctr">
+            <a:solidFill>
+              <a:srgbClr val="FFDA00"/>
+            </a:solidFill>
+            <a:prstDash val="solid"/>
+          </a:ln>
+          <a:effectLst/>
+        </p:spPr>
+      </p:cxnSp>
+      <p:sp>
+        <p:nvSpPr>
+          <p:cNvPr id="31" name="文本框 20">
+            <a:extLst>
+              <a:ext uri="{FF2B5EF4-FFF2-40B4-BE49-F238E27FC236}">
+                <a16:creationId xmlns:a16="http://schemas.microsoft.com/office/drawing/2014/main" id="{EDBCE2C7-3125-42EE-8A82-9D22B30D16C7}"/>
+              </a:ext>
+            </a:extLst>
+          </p:cNvPr>
+          <p:cNvSpPr txBox="1"/>
+          <p:nvPr/>
+        </p:nvSpPr>
+        <p:spPr>
+          <a:xfrm>
+            <a:off x="5094514" y="1680009"/>
+            <a:ext cx="6467914" cy="1717393"/>
+          </a:xfrm>
+          <a:prstGeom prst="rect">
+            <a:avLst/>
+          </a:prstGeom>
+          <a:noFill/>
+        </p:spPr>
+        <p:txBody>
+          <a:bodyPr wrap="square" rtlCol="0" anchor="ctr">
+            <a:spAutoFit/>
+          </a:bodyPr>
+          <a:lstStyle/>
+          <a:p>
+            <a:pPr defTabSz="609630">
+              <a:lnSpc>
+                <a:spcPct val="110000"/>
+              </a:lnSpc>
+            </a:pPr>
+            <a:r>
+              <a:rPr kumimoji="1" lang="it-IT" altLang="zh-CN" sz="2400" b="1" dirty="0" err="1">
+                <a:solidFill>
+                  <a:srgbClr val="1E2327"/>
+                </a:solidFill>
+                <a:ea typeface="微软雅黑" charset="0"/>
+              </a:rPr>
+              <a:t>DeSpeect</a:t>
+            </a:r>
+            <a:endParaRPr kumimoji="1" lang="it-IT" altLang="zh-CN" sz="2400" b="1" dirty="0">
+              <a:solidFill>
+                <a:srgbClr val="1E2327"/>
+              </a:solidFill>
+              <a:ea typeface="微软雅黑" charset="0"/>
+            </a:endParaRPr>
+          </a:p>
+          <a:p>
+            <a:pPr marL="800089" lvl="1" indent="-342900" defTabSz="609630">
+              <a:lnSpc>
+                <a:spcPct val="110000"/>
+              </a:lnSpc>
+              <a:buFontTx/>
+              <a:buChar char="-"/>
+            </a:pPr>
+            <a:r>
+              <a:rPr kumimoji="1" lang="it-IT" altLang="zh-CN" sz="2400" dirty="0">
+                <a:solidFill>
+                  <a:srgbClr val="1E2327"/>
+                </a:solidFill>
+                <a:ea typeface="微软雅黑" charset="0"/>
+              </a:rPr>
+              <a:t>Caratteristiche più significative</a:t>
+            </a:r>
+          </a:p>
+          <a:p>
+            <a:pPr marL="800089" lvl="1" indent="-342900" defTabSz="609630">
+              <a:lnSpc>
+                <a:spcPct val="110000"/>
+              </a:lnSpc>
+              <a:buFontTx/>
+              <a:buChar char="-"/>
+            </a:pPr>
+            <a:r>
+              <a:rPr kumimoji="1" lang="it-IT" altLang="zh-CN" sz="2400" dirty="0" err="1">
+                <a:solidFill>
+                  <a:srgbClr val="1E2327"/>
+                </a:solidFill>
+                <a:ea typeface="微软雅黑" charset="0"/>
+              </a:rPr>
+              <a:t>Vanatggi</a:t>
+            </a:r>
+            <a:endParaRPr kumimoji="1" lang="it-IT" altLang="zh-CN" sz="2400" dirty="0">
+              <a:solidFill>
+                <a:srgbClr val="1E2327"/>
+              </a:solidFill>
+              <a:ea typeface="微软雅黑" charset="0"/>
+            </a:endParaRPr>
+          </a:p>
+          <a:p>
+            <a:pPr marL="800089" lvl="1" indent="-342900" defTabSz="609630">
+              <a:lnSpc>
+                <a:spcPct val="110000"/>
+              </a:lnSpc>
+              <a:buFontTx/>
+              <a:buChar char="-"/>
+            </a:pPr>
+            <a:r>
+              <a:rPr kumimoji="1" lang="it-IT" altLang="zh-CN" sz="2400" dirty="0">
+                <a:solidFill>
+                  <a:srgbClr val="1E2327"/>
+                </a:solidFill>
+                <a:ea typeface="微软雅黑" charset="0"/>
+              </a:rPr>
+              <a:t>Il team</a:t>
+            </a:r>
+          </a:p>
+        </p:txBody>
+      </p:sp>
+      <p:sp>
+        <p:nvSpPr>
+          <p:cNvPr id="32" name="Rettangolo 31">
+            <a:extLst>
+              <a:ext uri="{FF2B5EF4-FFF2-40B4-BE49-F238E27FC236}">
+                <a16:creationId xmlns:a16="http://schemas.microsoft.com/office/drawing/2014/main" id="{4BAA73E8-D75B-45D6-9989-3567C66361E1}"/>
+              </a:ext>
+            </a:extLst>
+          </p:cNvPr>
+          <p:cNvSpPr/>
+          <p:nvPr/>
+        </p:nvSpPr>
+        <p:spPr>
+          <a:xfrm>
+            <a:off x="5187488" y="5033461"/>
+            <a:ext cx="6467914" cy="464101"/>
+          </a:xfrm>
+          <a:prstGeom prst="rect">
+            <a:avLst/>
+          </a:prstGeom>
+          <a:noFill/>
+        </p:spPr>
+        <p:txBody>
+          <a:bodyPr wrap="square" rtlCol="0" anchor="ctr">
+            <a:spAutoFit/>
+          </a:bodyPr>
+          <a:lstStyle/>
+          <a:p>
+            <a:pPr defTabSz="609630">
+              <a:lnSpc>
+                <a:spcPct val="110000"/>
+              </a:lnSpc>
+            </a:pPr>
+            <a:r>
+              <a:rPr kumimoji="1" lang="it-IT" sz="2400" b="1" dirty="0">
+                <a:solidFill>
+                  <a:srgbClr val="1E2327"/>
+                </a:solidFill>
+                <a:ea typeface="微软雅黑" charset="0"/>
+              </a:rPr>
+              <a:t>Risultati collaudo</a:t>
+            </a:r>
+          </a:p>
+        </p:txBody>
+      </p:sp>
+    </p:spTree>
+    <p:extLst>
+      <p:ext uri="{BB962C8B-B14F-4D97-AF65-F5344CB8AC3E}">
+        <p14:creationId xmlns:p14="http://schemas.microsoft.com/office/powerpoint/2010/main" val="1042517543"/>
+      </p:ext>
+    </p:extLst>
+  </p:cSld>
+  <p:clrMapOvr>
+    <a:masterClrMapping/>
+  </p:clrMapOvr>
+  <mc:AlternateContent xmlns:mc="http://schemas.openxmlformats.org/markup-compatibility/2006" xmlns:p14="http://schemas.microsoft.com/office/powerpoint/2010/main">
+    <mc:Choice Requires="p14">
+      <p:transition spd="slow" p14:dur="2000">
+        <p14:prism isContent="1"/>
+      </p:transition>
+    </mc:Choice>
+    <mc:Fallback xmlns="">
+      <p:transition spd="slow">
+        <p:fade/>
+      </p:transition>
+    </mc:Fallback>
+  </mc:AlternateContent>
+</p:sld>
+</file>
+
 <file path=ppt/slides/slide3.xml><?xml version="1.0" encoding="utf-8"?>
 <p:sld xmlns:a="http://schemas.openxmlformats.org/drawingml/2006/main" xmlns:r="http://schemas.openxmlformats.org/officeDocument/2006/relationships" xmlns:p="http://schemas.openxmlformats.org/presentationml/2006/main">
   <p:cSld>
@@ -16718,7 +15139,7 @@
                   <a:schemeClr val="bg1"/>
                 </a:solidFill>
               </a:rPr>
-              <a:t>3/19</a:t>
+              <a:t>3/18</a:t>
             </a:r>
             <a:endParaRPr lang="it-IT" dirty="0">
               <a:solidFill>
@@ -16924,7 +15345,7 @@
           <a:p>
             <a:r>
               <a:rPr lang="en-US" altLang="zh-TW" dirty="0"/>
-              <a:t>4/19</a:t>
+              <a:t>4/18</a:t>
             </a:r>
             <a:endParaRPr lang="it-IT" dirty="0"/>
           </a:p>
@@ -17570,7 +15991,7 @@
           <a:p>
             <a:r>
               <a:rPr lang="en-US" altLang="zh-TW" dirty="0"/>
-              <a:t>5/19</a:t>
+              <a:t>5/18</a:t>
             </a:r>
             <a:endParaRPr lang="it-IT" dirty="0"/>
           </a:p>
@@ -17899,7 +16320,7 @@
                   <a:schemeClr val="bg1"/>
                 </a:solidFill>
               </a:rPr>
-              <a:t>6/19</a:t>
+              <a:t>6/18</a:t>
             </a:r>
             <a:endParaRPr lang="it-IT" dirty="0">
               <a:solidFill>
@@ -18142,7 +16563,7 @@
           <a:p>
             <a:r>
               <a:rPr lang="en-US" altLang="zh-TW" dirty="0"/>
-              <a:t>7/19</a:t>
+              <a:t>7/18</a:t>
             </a:r>
             <a:endParaRPr lang="it-IT" dirty="0"/>
           </a:p>
@@ -19510,7 +17931,7 @@
           <a:p>
             <a:r>
               <a:rPr lang="en-US" altLang="zh-TW" dirty="0"/>
-              <a:t>8/19</a:t>
+              <a:t>8/18</a:t>
             </a:r>
             <a:endParaRPr lang="it-IT" dirty="0"/>
           </a:p>
@@ -19857,7 +18278,7 @@
           <a:p>
             <a:r>
               <a:rPr lang="en-US" altLang="zh-TW" dirty="0"/>
-              <a:t>9/19</a:t>
+              <a:t>9/18</a:t>
             </a:r>
             <a:endParaRPr lang="it-IT" dirty="0"/>
           </a:p>

--- a/Presentazioni/Presentazioni RA/Presentazione RA.pptx
+++ b/Presentazioni/Presentazioni RA/Presentazione RA.pptx
@@ -17,7 +17,7 @@
     <p:sldId id="275" r:id="rId8"/>
     <p:sldId id="294" r:id="rId9"/>
     <p:sldId id="295" r:id="rId10"/>
-    <p:sldId id="296" r:id="rId11"/>
+    <p:sldId id="299" r:id="rId11"/>
     <p:sldId id="284" r:id="rId12"/>
     <p:sldId id="297" r:id="rId13"/>
     <p:sldId id="278" r:id="rId14"/>
@@ -174,21 +174,50 @@
               </a:defRPr>
             </a:pPr>
             <a:r>
-              <a:rPr lang="en-US" u="none" dirty="0">
+              <a:rPr lang="en-US" u="none" dirty="0" err="1">
                 <a:solidFill>
                   <a:srgbClr val="515151"/>
                 </a:solidFill>
               </a:rPr>
-              <a:t>Line </a:t>
+              <a:t>Linee</a:t>
             </a:r>
             <a:r>
-              <a:rPr lang="en-US" sz="2250" u="none" baseline="0" dirty="0">
+              <a:rPr lang="en-US" u="none" baseline="0" dirty="0">
                 <a:solidFill>
                   <a:srgbClr val="515151"/>
                 </a:solidFill>
               </a:rPr>
-              <a:t>coverage</a:t>
+              <a:t> di </a:t>
             </a:r>
+            <a:r>
+              <a:rPr lang="en-US" u="none" baseline="0" dirty="0" err="1">
+                <a:solidFill>
+                  <a:srgbClr val="515151"/>
+                </a:solidFill>
+              </a:rPr>
+              <a:t>codice</a:t>
+            </a:r>
+            <a:r>
+              <a:rPr lang="en-US" u="none" baseline="0" dirty="0">
+                <a:solidFill>
+                  <a:srgbClr val="515151"/>
+                </a:solidFill>
+              </a:rPr>
+              <a:t> </a:t>
+            </a:r>
+            <a:r>
+              <a:rPr lang="en-US" u="none" baseline="0" dirty="0" err="1">
+                <a:solidFill>
+                  <a:srgbClr val="515151"/>
+                </a:solidFill>
+              </a:rPr>
+              <a:t>coperte</a:t>
+            </a:r>
+            <a:endParaRPr lang="en-US" sz="2250" u="none" baseline="0" dirty="0">
+              <a:solidFill>
+                <a:srgbClr val="515151"/>
+              </a:solidFill>
+            </a:endParaRPr>
           </a:p>
         </c:rich>
       </c:tx>
@@ -196,8 +225,8 @@
         <c:manualLayout>
           <c:xMode val="edge"/>
           <c:yMode val="edge"/>
-          <c:x val="1.9899337264441538E-2"/>
-          <c:y val="0.42870271965433732"/>
+          <c:x val="0.10718236791747135"/>
+          <c:y val="1.9443452139145134E-3"/>
         </c:manualLayout>
       </c:layout>
       <c:overlay val="0"/>
@@ -259,6 +288,7 @@
           <c:dPt>
             <c:idx val="0"/>
             <c:bubble3D val="0"/>
+            <c:explosion val="18"/>
             <c:spPr>
               <a:gradFill rotWithShape="1">
                 <a:gsLst>
@@ -306,6 +336,7 @@
           <c:dPt>
             <c:idx val="1"/>
             <c:bubble3D val="0"/>
+            <c:explosion val="11"/>
             <c:spPr>
               <a:gradFill rotWithShape="1">
                 <a:gsLst>
@@ -497,47 +528,7 @@
             </c:dLbl>
             <c:dLbl>
               <c:idx val="1"/>
-              <c:layout>
-                <c:manualLayout>
-                  <c:x val="7.2087922430602969E-2"/>
-                  <c:y val="0.12795812498911094"/>
-                </c:manualLayout>
-              </c:layout>
-              <c:spPr>
-                <a:noFill/>
-                <a:ln>
-                  <a:noFill/>
-                </a:ln>
-                <a:effectLst/>
-              </c:spPr>
-              <c:txPr>
-                <a:bodyPr rot="0" spcFirstLastPara="1" vertOverflow="ellipsis" vert="horz" wrap="square" lIns="38100" tIns="19050" rIns="38100" bIns="19050" anchor="ctr" anchorCtr="1">
-                  <a:spAutoFit/>
-                </a:bodyPr>
-                <a:lstStyle/>
-                <a:p>
-                  <a:pPr>
-                    <a:defRPr sz="1600" b="1" i="0" u="none" strike="noStrike" kern="1200" baseline="0">
-                      <a:solidFill>
-                        <a:schemeClr val="lt1">
-                          <a:lumMod val="85000"/>
-                        </a:schemeClr>
-                      </a:solidFill>
-                      <a:latin typeface="+mn-lt"/>
-                      <a:ea typeface="+mn-ea"/>
-                      <a:cs typeface="+mn-cs"/>
-                    </a:defRPr>
-                  </a:pPr>
-                  <a:endParaRPr lang="it-IT"/>
-                </a:p>
-              </c:txPr>
-              <c:dLblPos val="bestFit"/>
-              <c:showLegendKey val="0"/>
-              <c:showVal val="0"/>
-              <c:showCatName val="0"/>
-              <c:showSerName val="0"/>
-              <c:showPercent val="1"/>
-              <c:showBubbleSize val="0"/>
+              <c:delete val="1"/>
               <c:extLst>
                 <c:ext xmlns:c15="http://schemas.microsoft.com/office/drawing/2012/chart" uri="{CE6537A1-D6FC-4f65-9D91-7224C49458BB}"/>
                 <c:ext xmlns:c16="http://schemas.microsoft.com/office/drawing/2014/chart" uri="{C3380CC4-5D6E-409C-BE32-E72D297353CC}">
@@ -726,6 +717,1195 @@
 </c:chartSpace>
 </file>
 
+<file path=ppt/charts/chart2.xml><?xml version="1.0" encoding="utf-8"?>
+<c:chartSpace xmlns:c="http://schemas.openxmlformats.org/drawingml/2006/chart" xmlns:a="http://schemas.openxmlformats.org/drawingml/2006/main" xmlns:r="http://schemas.openxmlformats.org/officeDocument/2006/relationships" xmlns:c16r2="http://schemas.microsoft.com/office/drawing/2015/06/chart">
+  <c:date1904 val="0"/>
+  <c:lang val="it-IT"/>
+  <c:roundedCorners val="0"/>
+  <mc:AlternateContent xmlns:mc="http://schemas.openxmlformats.org/markup-compatibility/2006">
+    <mc:Choice xmlns:c14="http://schemas.microsoft.com/office/drawing/2007/8/2/chart" Requires="c14">
+      <c14:style val="102"/>
+    </mc:Choice>
+    <mc:Fallback>
+      <c:style val="2"/>
+    </mc:Fallback>
+  </mc:AlternateContent>
+  <c:chart>
+    <c:title>
+      <c:tx>
+        <c:rich>
+          <a:bodyPr rot="0" spcFirstLastPara="1" vertOverflow="ellipsis" vert="horz" wrap="square" anchor="ctr" anchorCtr="1"/>
+          <a:lstStyle/>
+          <a:p>
+            <a:pPr>
+              <a:defRPr sz="2128" b="1" i="0" u="none" strike="noStrike" kern="1200" spc="100" baseline="0">
+                <a:solidFill>
+                  <a:schemeClr val="tx1">
+                    <a:lumMod val="50000"/>
+                    <a:lumOff val="50000"/>
+                  </a:schemeClr>
+                </a:solidFill>
+                <a:effectLst>
+                  <a:outerShdw blurRad="50800" dist="38100" dir="5400000" algn="t" rotWithShape="0">
+                    <a:prstClr val="black">
+                      <a:alpha val="40000"/>
+                    </a:prstClr>
+                  </a:outerShdw>
+                </a:effectLst>
+                <a:latin typeface="+mn-lt"/>
+                <a:ea typeface="+mn-ea"/>
+                <a:cs typeface="+mn-cs"/>
+              </a:defRPr>
+            </a:pPr>
+            <a:r>
+              <a:rPr lang="en-US" u="none" dirty="0" err="1">
+                <a:solidFill>
+                  <a:srgbClr val="515151"/>
+                </a:solidFill>
+              </a:rPr>
+              <a:t>Rapporto</a:t>
+            </a:r>
+            <a:r>
+              <a:rPr lang="en-US" u="none" baseline="0" dirty="0">
+                <a:solidFill>
+                  <a:srgbClr val="515151"/>
+                </a:solidFill>
+              </a:rPr>
+              <a:t> </a:t>
+            </a:r>
+            <a:r>
+              <a:rPr lang="en-US" u="none" baseline="0" dirty="0" err="1">
+                <a:solidFill>
+                  <a:srgbClr val="515151"/>
+                </a:solidFill>
+              </a:rPr>
+              <a:t>commenti</a:t>
+            </a:r>
+            <a:r>
+              <a:rPr lang="en-US" u="none" baseline="0" dirty="0">
+                <a:solidFill>
+                  <a:srgbClr val="515151"/>
+                </a:solidFill>
+              </a:rPr>
+              <a:t> e </a:t>
+            </a:r>
+            <a:r>
+              <a:rPr lang="en-US" u="none" baseline="0" dirty="0" err="1">
+                <a:solidFill>
+                  <a:srgbClr val="515151"/>
+                </a:solidFill>
+              </a:rPr>
+              <a:t>codice</a:t>
+            </a:r>
+            <a:endParaRPr lang="en-US" sz="2250" u="none" baseline="0" dirty="0">
+              <a:solidFill>
+                <a:srgbClr val="515151"/>
+              </a:solidFill>
+            </a:endParaRPr>
+          </a:p>
+        </c:rich>
+      </c:tx>
+      <c:layout>
+        <c:manualLayout>
+          <c:xMode val="edge"/>
+          <c:yMode val="edge"/>
+          <c:x val="0.1250566110965293"/>
+          <c:y val="0"/>
+        </c:manualLayout>
+      </c:layout>
+      <c:overlay val="0"/>
+      <c:spPr>
+        <a:noFill/>
+        <a:ln>
+          <a:noFill/>
+        </a:ln>
+        <a:effectLst/>
+      </c:spPr>
+      <c:txPr>
+        <a:bodyPr rot="0" spcFirstLastPara="1" vertOverflow="ellipsis" vert="horz" wrap="square" anchor="ctr" anchorCtr="1"/>
+        <a:lstStyle/>
+        <a:p>
+          <a:pPr>
+            <a:defRPr sz="2128" b="1" i="0" u="none" strike="noStrike" kern="1200" spc="100" baseline="0">
+              <a:solidFill>
+                <a:schemeClr val="tx1">
+                  <a:lumMod val="50000"/>
+                  <a:lumOff val="50000"/>
+                </a:schemeClr>
+              </a:solidFill>
+              <a:effectLst>
+                <a:outerShdw blurRad="50800" dist="38100" dir="5400000" algn="t" rotWithShape="0">
+                  <a:prstClr val="black">
+                    <a:alpha val="40000"/>
+                  </a:prstClr>
+                </a:outerShdw>
+              </a:effectLst>
+              <a:latin typeface="+mn-lt"/>
+              <a:ea typeface="+mn-ea"/>
+              <a:cs typeface="+mn-cs"/>
+            </a:defRPr>
+          </a:pPr>
+          <a:endParaRPr lang="it-IT"/>
+        </a:p>
+      </c:txPr>
+    </c:title>
+    <c:autoTitleDeleted val="0"/>
+    <c:plotArea>
+      <c:layout/>
+      <c:pieChart>
+        <c:varyColors val="1"/>
+        <c:ser>
+          <c:idx val="0"/>
+          <c:order val="0"/>
+          <c:tx>
+            <c:strRef>
+              <c:f>Foglio1!$B$1</c:f>
+              <c:strCache>
+                <c:ptCount val="1"/>
+                <c:pt idx="0">
+                  <c:v>Archittettura</c:v>
+                </c:pt>
+              </c:strCache>
+            </c:strRef>
+          </c:tx>
+          <c:explosion val="23"/>
+          <c:dPt>
+            <c:idx val="0"/>
+            <c:bubble3D val="0"/>
+            <c:explosion val="0"/>
+            <c:spPr>
+              <a:gradFill rotWithShape="1">
+                <a:gsLst>
+                  <a:gs pos="0">
+                    <a:schemeClr val="accent1">
+                      <a:satMod val="103000"/>
+                      <a:lumMod val="102000"/>
+                      <a:tint val="94000"/>
+                    </a:schemeClr>
+                  </a:gs>
+                  <a:gs pos="50000">
+                    <a:schemeClr val="accent1">
+                      <a:satMod val="110000"/>
+                      <a:lumMod val="100000"/>
+                      <a:shade val="100000"/>
+                    </a:schemeClr>
+                  </a:gs>
+                  <a:gs pos="100000">
+                    <a:schemeClr val="accent1">
+                      <a:lumMod val="99000"/>
+                      <a:satMod val="120000"/>
+                      <a:shade val="78000"/>
+                    </a:schemeClr>
+                  </a:gs>
+                </a:gsLst>
+                <a:lin ang="5400000" scaled="0"/>
+              </a:gradFill>
+              <a:ln>
+                <a:noFill/>
+              </a:ln>
+              <a:effectLst>
+                <a:outerShdw blurRad="57150" dist="19050" dir="5400000" algn="ctr" rotWithShape="0">
+                  <a:srgbClr val="000000">
+                    <a:alpha val="63000"/>
+                  </a:srgbClr>
+                </a:outerShdw>
+              </a:effectLst>
+            </c:spPr>
+            <c:extLst>
+              <c:ext xmlns:c16="http://schemas.microsoft.com/office/drawing/2014/chart" uri="{C3380CC4-5D6E-409C-BE32-E72D297353CC}">
+                <c16:uniqueId val="{00000001-5D3D-4166-A423-CFF9ED2DC198}"/>
+              </c:ext>
+            </c:extLst>
+          </c:dPt>
+          <c:dPt>
+            <c:idx val="1"/>
+            <c:bubble3D val="0"/>
+            <c:spPr>
+              <a:gradFill rotWithShape="1">
+                <a:gsLst>
+                  <a:gs pos="0">
+                    <a:schemeClr val="accent2">
+                      <a:satMod val="103000"/>
+                      <a:lumMod val="102000"/>
+                      <a:tint val="94000"/>
+                    </a:schemeClr>
+                  </a:gs>
+                  <a:gs pos="50000">
+                    <a:schemeClr val="accent2">
+                      <a:satMod val="110000"/>
+                      <a:lumMod val="100000"/>
+                      <a:shade val="100000"/>
+                    </a:schemeClr>
+                  </a:gs>
+                  <a:gs pos="100000">
+                    <a:schemeClr val="accent2">
+                      <a:lumMod val="99000"/>
+                      <a:satMod val="120000"/>
+                      <a:shade val="78000"/>
+                    </a:schemeClr>
+                  </a:gs>
+                </a:gsLst>
+                <a:lin ang="5400000" scaled="0"/>
+              </a:gradFill>
+              <a:ln>
+                <a:noFill/>
+              </a:ln>
+              <a:effectLst>
+                <a:outerShdw blurRad="57150" dist="19050" dir="5400000" algn="ctr" rotWithShape="0">
+                  <a:srgbClr val="000000">
+                    <a:alpha val="63000"/>
+                  </a:srgbClr>
+                </a:outerShdw>
+              </a:effectLst>
+            </c:spPr>
+            <c:extLst>
+              <c:ext xmlns:c16="http://schemas.microsoft.com/office/drawing/2014/chart" uri="{C3380CC4-5D6E-409C-BE32-E72D297353CC}">
+                <c16:uniqueId val="{00000003-5D3D-4166-A423-CFF9ED2DC198}"/>
+              </c:ext>
+            </c:extLst>
+          </c:dPt>
+          <c:dPt>
+            <c:idx val="2"/>
+            <c:bubble3D val="0"/>
+            <c:spPr>
+              <a:gradFill rotWithShape="1">
+                <a:gsLst>
+                  <a:gs pos="0">
+                    <a:schemeClr val="accent3">
+                      <a:satMod val="103000"/>
+                      <a:lumMod val="102000"/>
+                      <a:tint val="94000"/>
+                    </a:schemeClr>
+                  </a:gs>
+                  <a:gs pos="50000">
+                    <a:schemeClr val="accent3">
+                      <a:satMod val="110000"/>
+                      <a:lumMod val="100000"/>
+                      <a:shade val="100000"/>
+                    </a:schemeClr>
+                  </a:gs>
+                  <a:gs pos="100000">
+                    <a:schemeClr val="accent3">
+                      <a:lumMod val="99000"/>
+                      <a:satMod val="120000"/>
+                      <a:shade val="78000"/>
+                    </a:schemeClr>
+                  </a:gs>
+                </a:gsLst>
+                <a:lin ang="5400000" scaled="0"/>
+              </a:gradFill>
+              <a:ln>
+                <a:noFill/>
+              </a:ln>
+              <a:effectLst>
+                <a:outerShdw blurRad="57150" dist="19050" dir="5400000" algn="ctr" rotWithShape="0">
+                  <a:srgbClr val="000000">
+                    <a:alpha val="63000"/>
+                  </a:srgbClr>
+                </a:outerShdw>
+              </a:effectLst>
+            </c:spPr>
+            <c:extLst>
+              <c:ext xmlns:c16="http://schemas.microsoft.com/office/drawing/2014/chart" uri="{C3380CC4-5D6E-409C-BE32-E72D297353CC}">
+                <c16:uniqueId val="{00000005-5D3D-4166-A423-CFF9ED2DC198}"/>
+              </c:ext>
+            </c:extLst>
+          </c:dPt>
+          <c:dPt>
+            <c:idx val="3"/>
+            <c:bubble3D val="0"/>
+            <c:spPr>
+              <a:gradFill rotWithShape="1">
+                <a:gsLst>
+                  <a:gs pos="0">
+                    <a:schemeClr val="accent4">
+                      <a:satMod val="103000"/>
+                      <a:lumMod val="102000"/>
+                      <a:tint val="94000"/>
+                    </a:schemeClr>
+                  </a:gs>
+                  <a:gs pos="50000">
+                    <a:schemeClr val="accent4">
+                      <a:satMod val="110000"/>
+                      <a:lumMod val="100000"/>
+                      <a:shade val="100000"/>
+                    </a:schemeClr>
+                  </a:gs>
+                  <a:gs pos="100000">
+                    <a:schemeClr val="accent4">
+                      <a:lumMod val="99000"/>
+                      <a:satMod val="120000"/>
+                      <a:shade val="78000"/>
+                    </a:schemeClr>
+                  </a:gs>
+                </a:gsLst>
+                <a:lin ang="5400000" scaled="0"/>
+              </a:gradFill>
+              <a:ln>
+                <a:noFill/>
+              </a:ln>
+              <a:effectLst>
+                <a:outerShdw blurRad="57150" dist="19050" dir="5400000" algn="ctr" rotWithShape="0">
+                  <a:srgbClr val="000000">
+                    <a:alpha val="63000"/>
+                  </a:srgbClr>
+                </a:outerShdw>
+              </a:effectLst>
+            </c:spPr>
+            <c:extLst>
+              <c:ext xmlns:c16="http://schemas.microsoft.com/office/drawing/2014/chart" uri="{C3380CC4-5D6E-409C-BE32-E72D297353CC}">
+                <c16:uniqueId val="{00000007-5D3D-4166-A423-CFF9ED2DC198}"/>
+              </c:ext>
+            </c:extLst>
+          </c:dPt>
+          <c:dLbls>
+            <c:dLbl>
+              <c:idx val="0"/>
+              <c:layout>
+                <c:manualLayout>
+                  <c:x val="-0.19932178540668033"/>
+                  <c:y val="-3.141039601372899E-2"/>
+                </c:manualLayout>
+              </c:layout>
+              <c:spPr>
+                <a:noFill/>
+                <a:ln>
+                  <a:noFill/>
+                </a:ln>
+                <a:effectLst/>
+              </c:spPr>
+              <c:txPr>
+                <a:bodyPr rot="0" spcFirstLastPara="1" vertOverflow="ellipsis" vert="horz" wrap="square" lIns="38100" tIns="19050" rIns="38100" bIns="19050" anchor="ctr" anchorCtr="1">
+                  <a:spAutoFit/>
+                </a:bodyPr>
+                <a:lstStyle/>
+                <a:p>
+                  <a:pPr>
+                    <a:defRPr sz="1600" b="1" i="0" u="none" strike="noStrike" kern="1200" baseline="0">
+                      <a:solidFill>
+                        <a:schemeClr val="lt1">
+                          <a:lumMod val="85000"/>
+                        </a:schemeClr>
+                      </a:solidFill>
+                      <a:latin typeface="+mn-lt"/>
+                      <a:ea typeface="+mn-ea"/>
+                      <a:cs typeface="+mn-cs"/>
+                    </a:defRPr>
+                  </a:pPr>
+                  <a:endParaRPr lang="it-IT"/>
+                </a:p>
+              </c:txPr>
+              <c:dLblPos val="bestFit"/>
+              <c:showLegendKey val="0"/>
+              <c:showVal val="0"/>
+              <c:showCatName val="0"/>
+              <c:showSerName val="0"/>
+              <c:showPercent val="1"/>
+              <c:showBubbleSize val="0"/>
+              <c:extLst>
+                <c:ext xmlns:c15="http://schemas.microsoft.com/office/drawing/2012/chart" uri="{CE6537A1-D6FC-4f65-9D91-7224C49458BB}"/>
+                <c:ext xmlns:c16="http://schemas.microsoft.com/office/drawing/2014/chart" uri="{C3380CC4-5D6E-409C-BE32-E72D297353CC}">
+                  <c16:uniqueId val="{00000001-5D3D-4166-A423-CFF9ED2DC198}"/>
+                </c:ext>
+              </c:extLst>
+            </c:dLbl>
+            <c:dLbl>
+              <c:idx val="1"/>
+              <c:layout>
+                <c:manualLayout>
+                  <c:x val="0.17450160774213486"/>
+                  <c:y val="3.1154285067163789E-2"/>
+                </c:manualLayout>
+              </c:layout>
+              <c:spPr>
+                <a:noFill/>
+                <a:ln>
+                  <a:noFill/>
+                </a:ln>
+                <a:effectLst/>
+              </c:spPr>
+              <c:txPr>
+                <a:bodyPr rot="0" spcFirstLastPara="1" vertOverflow="ellipsis" vert="horz" wrap="square" lIns="38100" tIns="19050" rIns="38100" bIns="19050" anchor="ctr" anchorCtr="1">
+                  <a:spAutoFit/>
+                </a:bodyPr>
+                <a:lstStyle/>
+                <a:p>
+                  <a:pPr>
+                    <a:defRPr sz="1600" b="1" i="0" u="none" strike="noStrike" kern="1200" baseline="0">
+                      <a:solidFill>
+                        <a:schemeClr val="lt1">
+                          <a:lumMod val="85000"/>
+                        </a:schemeClr>
+                      </a:solidFill>
+                      <a:latin typeface="+mn-lt"/>
+                      <a:ea typeface="+mn-ea"/>
+                      <a:cs typeface="+mn-cs"/>
+                    </a:defRPr>
+                  </a:pPr>
+                  <a:endParaRPr lang="it-IT"/>
+                </a:p>
+              </c:txPr>
+              <c:dLblPos val="bestFit"/>
+              <c:showLegendKey val="0"/>
+              <c:showVal val="0"/>
+              <c:showCatName val="0"/>
+              <c:showSerName val="0"/>
+              <c:showPercent val="1"/>
+              <c:showBubbleSize val="0"/>
+              <c:extLst>
+                <c:ext xmlns:c15="http://schemas.microsoft.com/office/drawing/2012/chart" uri="{CE6537A1-D6FC-4f65-9D91-7224C49458BB}"/>
+                <c:ext xmlns:c16="http://schemas.microsoft.com/office/drawing/2014/chart" uri="{C3380CC4-5D6E-409C-BE32-E72D297353CC}">
+                  <c16:uniqueId val="{00000003-5D3D-4166-A423-CFF9ED2DC198}"/>
+                </c:ext>
+              </c:extLst>
+            </c:dLbl>
+            <c:spPr>
+              <a:noFill/>
+              <a:ln>
+                <a:noFill/>
+              </a:ln>
+              <a:effectLst/>
+            </c:spPr>
+            <c:txPr>
+              <a:bodyPr rot="0" spcFirstLastPara="1" vertOverflow="ellipsis" vert="horz" wrap="square" lIns="38100" tIns="19050" rIns="38100" bIns="19050" anchor="ctr" anchorCtr="1">
+                <a:spAutoFit/>
+              </a:bodyPr>
+              <a:lstStyle/>
+              <a:p>
+                <a:pPr>
+                  <a:defRPr sz="1200" b="1" i="0" u="none" strike="noStrike" kern="1200" baseline="0">
+                    <a:solidFill>
+                      <a:schemeClr val="lt1">
+                        <a:lumMod val="85000"/>
+                      </a:schemeClr>
+                    </a:solidFill>
+                    <a:latin typeface="+mn-lt"/>
+                    <a:ea typeface="+mn-ea"/>
+                    <a:cs typeface="+mn-cs"/>
+                  </a:defRPr>
+                </a:pPr>
+                <a:endParaRPr lang="it-IT"/>
+              </a:p>
+            </c:txPr>
+            <c:dLblPos val="inEnd"/>
+            <c:showLegendKey val="0"/>
+            <c:showVal val="0"/>
+            <c:showCatName val="0"/>
+            <c:showSerName val="0"/>
+            <c:showPercent val="1"/>
+            <c:showBubbleSize val="0"/>
+            <c:showLeaderLines val="1"/>
+            <c:leaderLines>
+              <c:spPr>
+                <a:ln w="9525">
+                  <a:solidFill>
+                    <a:schemeClr val="lt1">
+                      <a:lumMod val="95000"/>
+                      <a:alpha val="54000"/>
+                    </a:schemeClr>
+                  </a:solidFill>
+                </a:ln>
+                <a:effectLst/>
+              </c:spPr>
+            </c:leaderLines>
+            <c:extLst>
+              <c:ext xmlns:c15="http://schemas.microsoft.com/office/drawing/2012/chart" uri="{CE6537A1-D6FC-4f65-9D91-7224C49458BB}"/>
+            </c:extLst>
+          </c:dLbls>
+          <c:cat>
+            <c:strRef>
+              <c:f>Foglio1!$A$2:$A$5</c:f>
+              <c:strCache>
+                <c:ptCount val="2"/>
+                <c:pt idx="0">
+                  <c:v>Commenti</c:v>
+                </c:pt>
+                <c:pt idx="1">
+                  <c:v>Codice</c:v>
+                </c:pt>
+              </c:strCache>
+            </c:strRef>
+          </c:cat>
+          <c:val>
+            <c:numRef>
+              <c:f>Foglio1!$B$2:$B$5</c:f>
+              <c:numCache>
+                <c:formatCode>General</c:formatCode>
+                <c:ptCount val="4"/>
+                <c:pt idx="0">
+                  <c:v>0.38500000000000001</c:v>
+                </c:pt>
+                <c:pt idx="1">
+                  <c:v>0.61499999999999999</c:v>
+                </c:pt>
+              </c:numCache>
+            </c:numRef>
+          </c:val>
+          <c:extLst>
+            <c:ext xmlns:c16="http://schemas.microsoft.com/office/drawing/2014/chart" uri="{C3380CC4-5D6E-409C-BE32-E72D297353CC}">
+              <c16:uniqueId val="{00000008-5D3D-4166-A423-CFF9ED2DC198}"/>
+            </c:ext>
+          </c:extLst>
+        </c:ser>
+        <c:dLbls>
+          <c:dLblPos val="inEnd"/>
+          <c:showLegendKey val="0"/>
+          <c:showVal val="0"/>
+          <c:showCatName val="0"/>
+          <c:showSerName val="0"/>
+          <c:showPercent val="1"/>
+          <c:showBubbleSize val="0"/>
+          <c:showLeaderLines val="1"/>
+        </c:dLbls>
+        <c:firstSliceAng val="0"/>
+      </c:pieChart>
+      <c:spPr>
+        <a:noFill/>
+        <a:ln>
+          <a:noFill/>
+        </a:ln>
+        <a:effectLst/>
+      </c:spPr>
+    </c:plotArea>
+    <c:legend>
+      <c:legendPos val="b"/>
+      <c:legendEntry>
+        <c:idx val="2"/>
+        <c:delete val="1"/>
+      </c:legendEntry>
+      <c:legendEntry>
+        <c:idx val="3"/>
+        <c:delete val="1"/>
+      </c:legendEntry>
+      <c:overlay val="0"/>
+      <c:spPr>
+        <a:noFill/>
+        <a:ln>
+          <a:noFill/>
+        </a:ln>
+        <a:effectLst/>
+      </c:spPr>
+      <c:txPr>
+        <a:bodyPr rot="0" spcFirstLastPara="1" vertOverflow="ellipsis" vert="horz" wrap="square" anchor="ctr" anchorCtr="1"/>
+        <a:lstStyle/>
+        <a:p>
+          <a:pPr>
+            <a:defRPr sz="1600" b="0" i="0" u="none" strike="noStrike" kern="1200" baseline="0">
+              <a:solidFill>
+                <a:schemeClr val="tx1">
+                  <a:lumMod val="50000"/>
+                  <a:lumOff val="50000"/>
+                </a:schemeClr>
+              </a:solidFill>
+              <a:latin typeface="+mn-lt"/>
+              <a:ea typeface="+mn-ea"/>
+              <a:cs typeface="+mn-cs"/>
+            </a:defRPr>
+          </a:pPr>
+          <a:endParaRPr lang="it-IT"/>
+        </a:p>
+      </c:txPr>
+    </c:legend>
+    <c:plotVisOnly val="1"/>
+    <c:dispBlanksAs val="gap"/>
+    <c:showDLblsOverMax val="0"/>
+    <c:extLst>
+      <c:ext xmlns:c16r3="http://schemas.microsoft.com/office/drawing/2017/03/chart" uri="{56B9EC1D-385E-4148-901F-78D8002777C0}">
+        <c16r3:dataDisplayOptions16>
+          <c16r3:dispNaAsBlank val="1"/>
+        </c16r3:dataDisplayOptions16>
+      </c:ext>
+    </c:extLst>
+  </c:chart>
+  <c:spPr>
+    <a:noFill/>
+    <a:ln>
+      <a:noFill/>
+    </a:ln>
+    <a:effectLst/>
+  </c:spPr>
+  <c:txPr>
+    <a:bodyPr/>
+    <a:lstStyle/>
+    <a:p>
+      <a:pPr>
+        <a:defRPr/>
+      </a:pPr>
+      <a:endParaRPr lang="it-IT"/>
+    </a:p>
+  </c:txPr>
+  <c:externalData r:id="rId3">
+    <c:autoUpdate val="0"/>
+  </c:externalData>
+</c:chartSpace>
+</file>
+
+<file path=ppt/charts/chart3.xml><?xml version="1.0" encoding="utf-8"?>
+<c:chartSpace xmlns:c="http://schemas.openxmlformats.org/drawingml/2006/chart" xmlns:a="http://schemas.openxmlformats.org/drawingml/2006/main" xmlns:r="http://schemas.openxmlformats.org/officeDocument/2006/relationships" xmlns:c16r2="http://schemas.microsoft.com/office/drawing/2015/06/chart">
+  <c:date1904 val="0"/>
+  <c:lang val="it-IT"/>
+  <c:roundedCorners val="0"/>
+  <mc:AlternateContent xmlns:mc="http://schemas.openxmlformats.org/markup-compatibility/2006">
+    <mc:Choice xmlns:c14="http://schemas.microsoft.com/office/drawing/2007/8/2/chart" Requires="c14">
+      <c14:style val="102"/>
+    </mc:Choice>
+    <mc:Fallback>
+      <c:style val="2"/>
+    </mc:Fallback>
+  </mc:AlternateContent>
+  <c:chart>
+    <c:title>
+      <c:tx>
+        <c:rich>
+          <a:bodyPr rot="0" spcFirstLastPara="1" vertOverflow="ellipsis" vert="horz" wrap="square" anchor="ctr" anchorCtr="1"/>
+          <a:lstStyle/>
+          <a:p>
+            <a:pPr>
+              <a:defRPr sz="2128" b="1" i="0" u="none" strike="noStrike" kern="1200" spc="100" baseline="0">
+                <a:solidFill>
+                  <a:schemeClr val="tx1">
+                    <a:lumMod val="50000"/>
+                    <a:lumOff val="50000"/>
+                  </a:schemeClr>
+                </a:solidFill>
+                <a:effectLst>
+                  <a:outerShdw blurRad="50800" dist="38100" dir="5400000" algn="t" rotWithShape="0">
+                    <a:prstClr val="black">
+                      <a:alpha val="40000"/>
+                    </a:prstClr>
+                  </a:outerShdw>
+                </a:effectLst>
+                <a:latin typeface="+mn-lt"/>
+                <a:ea typeface="+mn-ea"/>
+                <a:cs typeface="+mn-cs"/>
+              </a:defRPr>
+            </a:pPr>
+            <a:r>
+              <a:rPr lang="en-US" sz="2128" u="none" baseline="0" dirty="0" err="1">
+                <a:solidFill>
+                  <a:srgbClr val="515151"/>
+                </a:solidFill>
+              </a:rPr>
+              <a:t>Requisiti</a:t>
+            </a:r>
+            <a:r>
+              <a:rPr lang="en-US" sz="2128" u="none" baseline="0" dirty="0">
+                <a:solidFill>
+                  <a:srgbClr val="515151"/>
+                </a:solidFill>
+              </a:rPr>
+              <a:t> </a:t>
+            </a:r>
+            <a:r>
+              <a:rPr lang="en-US" sz="2128" u="none" baseline="0" dirty="0" err="1">
+                <a:solidFill>
+                  <a:srgbClr val="515151"/>
+                </a:solidFill>
+              </a:rPr>
+              <a:t>obbligatori</a:t>
+            </a:r>
+            <a:endParaRPr lang="en-US" sz="2250" u="none" baseline="0" dirty="0">
+              <a:solidFill>
+                <a:srgbClr val="515151"/>
+              </a:solidFill>
+            </a:endParaRPr>
+          </a:p>
+        </c:rich>
+      </c:tx>
+      <c:layout>
+        <c:manualLayout>
+          <c:xMode val="edge"/>
+          <c:yMode val="edge"/>
+          <c:x val="0.13827128635759067"/>
+          <c:y val="2.5589316514800405E-3"/>
+        </c:manualLayout>
+      </c:layout>
+      <c:overlay val="0"/>
+      <c:spPr>
+        <a:noFill/>
+        <a:ln>
+          <a:noFill/>
+        </a:ln>
+        <a:effectLst/>
+      </c:spPr>
+      <c:txPr>
+        <a:bodyPr rot="0" spcFirstLastPara="1" vertOverflow="ellipsis" vert="horz" wrap="square" anchor="ctr" anchorCtr="1"/>
+        <a:lstStyle/>
+        <a:p>
+          <a:pPr>
+            <a:defRPr sz="2128" b="1" i="0" u="none" strike="noStrike" kern="1200" spc="100" baseline="0">
+              <a:solidFill>
+                <a:schemeClr val="tx1">
+                  <a:lumMod val="50000"/>
+                  <a:lumOff val="50000"/>
+                </a:schemeClr>
+              </a:solidFill>
+              <a:effectLst>
+                <a:outerShdw blurRad="50800" dist="38100" dir="5400000" algn="t" rotWithShape="0">
+                  <a:prstClr val="black">
+                    <a:alpha val="40000"/>
+                  </a:prstClr>
+                </a:outerShdw>
+              </a:effectLst>
+              <a:latin typeface="+mn-lt"/>
+              <a:ea typeface="+mn-ea"/>
+              <a:cs typeface="+mn-cs"/>
+            </a:defRPr>
+          </a:pPr>
+          <a:endParaRPr lang="it-IT"/>
+        </a:p>
+      </c:txPr>
+    </c:title>
+    <c:autoTitleDeleted val="0"/>
+    <c:plotArea>
+      <c:layout/>
+      <c:pieChart>
+        <c:varyColors val="1"/>
+        <c:ser>
+          <c:idx val="0"/>
+          <c:order val="0"/>
+          <c:tx>
+            <c:strRef>
+              <c:f>Foglio1!$B$1</c:f>
+              <c:strCache>
+                <c:ptCount val="1"/>
+                <c:pt idx="0">
+                  <c:v>Archittettura</c:v>
+                </c:pt>
+              </c:strCache>
+            </c:strRef>
+          </c:tx>
+          <c:explosion val="21"/>
+          <c:dPt>
+            <c:idx val="0"/>
+            <c:bubble3D val="0"/>
+            <c:spPr>
+              <a:gradFill rotWithShape="1">
+                <a:gsLst>
+                  <a:gs pos="0">
+                    <a:schemeClr val="accent1">
+                      <a:satMod val="103000"/>
+                      <a:lumMod val="102000"/>
+                      <a:tint val="94000"/>
+                    </a:schemeClr>
+                  </a:gs>
+                  <a:gs pos="50000">
+                    <a:schemeClr val="accent1">
+                      <a:satMod val="110000"/>
+                      <a:lumMod val="100000"/>
+                      <a:shade val="100000"/>
+                    </a:schemeClr>
+                  </a:gs>
+                  <a:gs pos="100000">
+                    <a:schemeClr val="accent1">
+                      <a:lumMod val="99000"/>
+                      <a:satMod val="120000"/>
+                      <a:shade val="78000"/>
+                    </a:schemeClr>
+                  </a:gs>
+                </a:gsLst>
+                <a:lin ang="5400000" scaled="0"/>
+              </a:gradFill>
+              <a:ln>
+                <a:noFill/>
+              </a:ln>
+              <a:effectLst>
+                <a:outerShdw blurRad="57150" dist="19050" dir="5400000" algn="ctr" rotWithShape="0">
+                  <a:srgbClr val="000000">
+                    <a:alpha val="63000"/>
+                  </a:srgbClr>
+                </a:outerShdw>
+              </a:effectLst>
+            </c:spPr>
+            <c:extLst>
+              <c:ext xmlns:c16="http://schemas.microsoft.com/office/drawing/2014/chart" uri="{C3380CC4-5D6E-409C-BE32-E72D297353CC}">
+                <c16:uniqueId val="{00000001-05C1-4759-A2D1-CE581881B994}"/>
+              </c:ext>
+            </c:extLst>
+          </c:dPt>
+          <c:dPt>
+            <c:idx val="1"/>
+            <c:bubble3D val="0"/>
+            <c:spPr>
+              <a:gradFill rotWithShape="1">
+                <a:gsLst>
+                  <a:gs pos="0">
+                    <a:schemeClr val="accent2">
+                      <a:satMod val="103000"/>
+                      <a:lumMod val="102000"/>
+                      <a:tint val="94000"/>
+                    </a:schemeClr>
+                  </a:gs>
+                  <a:gs pos="50000">
+                    <a:schemeClr val="accent2">
+                      <a:satMod val="110000"/>
+                      <a:lumMod val="100000"/>
+                      <a:shade val="100000"/>
+                    </a:schemeClr>
+                  </a:gs>
+                  <a:gs pos="100000">
+                    <a:schemeClr val="accent2">
+                      <a:lumMod val="99000"/>
+                      <a:satMod val="120000"/>
+                      <a:shade val="78000"/>
+                    </a:schemeClr>
+                  </a:gs>
+                </a:gsLst>
+                <a:lin ang="5400000" scaled="0"/>
+              </a:gradFill>
+              <a:ln>
+                <a:noFill/>
+              </a:ln>
+              <a:effectLst>
+                <a:outerShdw blurRad="57150" dist="19050" dir="5400000" algn="ctr" rotWithShape="0">
+                  <a:srgbClr val="000000">
+                    <a:alpha val="63000"/>
+                  </a:srgbClr>
+                </a:outerShdw>
+              </a:effectLst>
+            </c:spPr>
+            <c:extLst>
+              <c:ext xmlns:c16="http://schemas.microsoft.com/office/drawing/2014/chart" uri="{C3380CC4-5D6E-409C-BE32-E72D297353CC}">
+                <c16:uniqueId val="{00000003-05C1-4759-A2D1-CE581881B994}"/>
+              </c:ext>
+            </c:extLst>
+          </c:dPt>
+          <c:dPt>
+            <c:idx val="2"/>
+            <c:bubble3D val="0"/>
+            <c:spPr>
+              <a:gradFill rotWithShape="1">
+                <a:gsLst>
+                  <a:gs pos="0">
+                    <a:schemeClr val="accent3">
+                      <a:satMod val="103000"/>
+                      <a:lumMod val="102000"/>
+                      <a:tint val="94000"/>
+                    </a:schemeClr>
+                  </a:gs>
+                  <a:gs pos="50000">
+                    <a:schemeClr val="accent3">
+                      <a:satMod val="110000"/>
+                      <a:lumMod val="100000"/>
+                      <a:shade val="100000"/>
+                    </a:schemeClr>
+                  </a:gs>
+                  <a:gs pos="100000">
+                    <a:schemeClr val="accent3">
+                      <a:lumMod val="99000"/>
+                      <a:satMod val="120000"/>
+                      <a:shade val="78000"/>
+                    </a:schemeClr>
+                  </a:gs>
+                </a:gsLst>
+                <a:lin ang="5400000" scaled="0"/>
+              </a:gradFill>
+              <a:ln>
+                <a:noFill/>
+              </a:ln>
+              <a:effectLst>
+                <a:outerShdw blurRad="57150" dist="19050" dir="5400000" algn="ctr" rotWithShape="0">
+                  <a:srgbClr val="000000">
+                    <a:alpha val="63000"/>
+                  </a:srgbClr>
+                </a:outerShdw>
+              </a:effectLst>
+            </c:spPr>
+            <c:extLst>
+              <c:ext xmlns:c16="http://schemas.microsoft.com/office/drawing/2014/chart" uri="{C3380CC4-5D6E-409C-BE32-E72D297353CC}">
+                <c16:uniqueId val="{00000005-05C1-4759-A2D1-CE581881B994}"/>
+              </c:ext>
+            </c:extLst>
+          </c:dPt>
+          <c:dPt>
+            <c:idx val="3"/>
+            <c:bubble3D val="0"/>
+            <c:spPr>
+              <a:gradFill rotWithShape="1">
+                <a:gsLst>
+                  <a:gs pos="0">
+                    <a:schemeClr val="accent4">
+                      <a:satMod val="103000"/>
+                      <a:lumMod val="102000"/>
+                      <a:tint val="94000"/>
+                    </a:schemeClr>
+                  </a:gs>
+                  <a:gs pos="50000">
+                    <a:schemeClr val="accent4">
+                      <a:satMod val="110000"/>
+                      <a:lumMod val="100000"/>
+                      <a:shade val="100000"/>
+                    </a:schemeClr>
+                  </a:gs>
+                  <a:gs pos="100000">
+                    <a:schemeClr val="accent4">
+                      <a:lumMod val="99000"/>
+                      <a:satMod val="120000"/>
+                      <a:shade val="78000"/>
+                    </a:schemeClr>
+                  </a:gs>
+                </a:gsLst>
+                <a:lin ang="5400000" scaled="0"/>
+              </a:gradFill>
+              <a:ln>
+                <a:noFill/>
+              </a:ln>
+              <a:effectLst>
+                <a:outerShdw blurRad="57150" dist="19050" dir="5400000" algn="ctr" rotWithShape="0">
+                  <a:srgbClr val="000000">
+                    <a:alpha val="63000"/>
+                  </a:srgbClr>
+                </a:outerShdw>
+              </a:effectLst>
+            </c:spPr>
+            <c:extLst>
+              <c:ext xmlns:c16="http://schemas.microsoft.com/office/drawing/2014/chart" uri="{C3380CC4-5D6E-409C-BE32-E72D297353CC}">
+                <c16:uniqueId val="{00000007-05C1-4759-A2D1-CE581881B994}"/>
+              </c:ext>
+            </c:extLst>
+          </c:dPt>
+          <c:dLbls>
+            <c:dLbl>
+              <c:idx val="0"/>
+              <c:layout>
+                <c:manualLayout>
+                  <c:x val="-1.7620000567086458E-2"/>
+                  <c:y val="-0.28586620380856154"/>
+                </c:manualLayout>
+              </c:layout>
+              <c:spPr>
+                <a:noFill/>
+                <a:ln>
+                  <a:noFill/>
+                </a:ln>
+                <a:effectLst/>
+              </c:spPr>
+              <c:txPr>
+                <a:bodyPr rot="0" spcFirstLastPara="1" vertOverflow="ellipsis" vert="horz" wrap="square" lIns="38100" tIns="19050" rIns="38100" bIns="19050" anchor="ctr" anchorCtr="1">
+                  <a:spAutoFit/>
+                </a:bodyPr>
+                <a:lstStyle/>
+                <a:p>
+                  <a:pPr>
+                    <a:defRPr sz="1600" b="1" i="0" u="none" strike="noStrike" kern="1200" baseline="0">
+                      <a:solidFill>
+                        <a:schemeClr val="lt1">
+                          <a:lumMod val="85000"/>
+                        </a:schemeClr>
+                      </a:solidFill>
+                      <a:latin typeface="+mn-lt"/>
+                      <a:ea typeface="+mn-ea"/>
+                      <a:cs typeface="+mn-cs"/>
+                    </a:defRPr>
+                  </a:pPr>
+                  <a:endParaRPr lang="it-IT"/>
+                </a:p>
+              </c:txPr>
+              <c:dLblPos val="bestFit"/>
+              <c:showLegendKey val="0"/>
+              <c:showVal val="0"/>
+              <c:showCatName val="0"/>
+              <c:showSerName val="0"/>
+              <c:showPercent val="1"/>
+              <c:showBubbleSize val="0"/>
+              <c:extLst>
+                <c:ext xmlns:c15="http://schemas.microsoft.com/office/drawing/2012/chart" uri="{CE6537A1-D6FC-4f65-9D91-7224C49458BB}"/>
+                <c:ext xmlns:c16="http://schemas.microsoft.com/office/drawing/2014/chart" uri="{C3380CC4-5D6E-409C-BE32-E72D297353CC}">
+                  <c16:uniqueId val="{00000001-05C1-4759-A2D1-CE581881B994}"/>
+                </c:ext>
+              </c:extLst>
+            </c:dLbl>
+            <c:dLbl>
+              <c:idx val="1"/>
+              <c:delete val="1"/>
+              <c:extLst>
+                <c:ext xmlns:c15="http://schemas.microsoft.com/office/drawing/2012/chart" uri="{CE6537A1-D6FC-4f65-9D91-7224C49458BB}"/>
+                <c:ext xmlns:c16="http://schemas.microsoft.com/office/drawing/2014/chart" uri="{C3380CC4-5D6E-409C-BE32-E72D297353CC}">
+                  <c16:uniqueId val="{00000003-05C1-4759-A2D1-CE581881B994}"/>
+                </c:ext>
+              </c:extLst>
+            </c:dLbl>
+            <c:spPr>
+              <a:noFill/>
+              <a:ln>
+                <a:noFill/>
+              </a:ln>
+              <a:effectLst/>
+            </c:spPr>
+            <c:txPr>
+              <a:bodyPr rot="0" spcFirstLastPara="1" vertOverflow="ellipsis" vert="horz" wrap="square" lIns="38100" tIns="19050" rIns="38100" bIns="19050" anchor="ctr" anchorCtr="1">
+                <a:spAutoFit/>
+              </a:bodyPr>
+              <a:lstStyle/>
+              <a:p>
+                <a:pPr>
+                  <a:defRPr sz="1200" b="1" i="0" u="none" strike="noStrike" kern="1200" baseline="0">
+                    <a:solidFill>
+                      <a:schemeClr val="lt1">
+                        <a:lumMod val="85000"/>
+                      </a:schemeClr>
+                    </a:solidFill>
+                    <a:latin typeface="+mn-lt"/>
+                    <a:ea typeface="+mn-ea"/>
+                    <a:cs typeface="+mn-cs"/>
+                  </a:defRPr>
+                </a:pPr>
+                <a:endParaRPr lang="it-IT"/>
+              </a:p>
+            </c:txPr>
+            <c:dLblPos val="inEnd"/>
+            <c:showLegendKey val="0"/>
+            <c:showVal val="0"/>
+            <c:showCatName val="0"/>
+            <c:showSerName val="0"/>
+            <c:showPercent val="1"/>
+            <c:showBubbleSize val="0"/>
+            <c:showLeaderLines val="1"/>
+            <c:leaderLines>
+              <c:spPr>
+                <a:ln w="9525">
+                  <a:solidFill>
+                    <a:schemeClr val="lt1">
+                      <a:lumMod val="95000"/>
+                      <a:alpha val="54000"/>
+                    </a:schemeClr>
+                  </a:solidFill>
+                </a:ln>
+                <a:effectLst/>
+              </c:spPr>
+            </c:leaderLines>
+            <c:extLst>
+              <c:ext xmlns:c15="http://schemas.microsoft.com/office/drawing/2012/chart" uri="{CE6537A1-D6FC-4f65-9D91-7224C49458BB}"/>
+            </c:extLst>
+          </c:dLbls>
+          <c:cat>
+            <c:strRef>
+              <c:f>Foglio1!$A$2:$A$5</c:f>
+              <c:strCache>
+                <c:ptCount val="2"/>
+                <c:pt idx="0">
+                  <c:v>Coperti</c:v>
+                </c:pt>
+                <c:pt idx="1">
+                  <c:v>Non coperti</c:v>
+                </c:pt>
+              </c:strCache>
+            </c:strRef>
+          </c:cat>
+          <c:val>
+            <c:numRef>
+              <c:f>Foglio1!$B$2:$B$5</c:f>
+              <c:numCache>
+                <c:formatCode>General</c:formatCode>
+                <c:ptCount val="4"/>
+                <c:pt idx="0">
+                  <c:v>1</c:v>
+                </c:pt>
+                <c:pt idx="1">
+                  <c:v>0</c:v>
+                </c:pt>
+              </c:numCache>
+            </c:numRef>
+          </c:val>
+          <c:extLst>
+            <c:ext xmlns:c16="http://schemas.microsoft.com/office/drawing/2014/chart" uri="{C3380CC4-5D6E-409C-BE32-E72D297353CC}">
+              <c16:uniqueId val="{00000008-05C1-4759-A2D1-CE581881B994}"/>
+            </c:ext>
+          </c:extLst>
+        </c:ser>
+        <c:dLbls>
+          <c:dLblPos val="inEnd"/>
+          <c:showLegendKey val="0"/>
+          <c:showVal val="0"/>
+          <c:showCatName val="0"/>
+          <c:showSerName val="0"/>
+          <c:showPercent val="1"/>
+          <c:showBubbleSize val="0"/>
+          <c:showLeaderLines val="1"/>
+        </c:dLbls>
+        <c:firstSliceAng val="0"/>
+      </c:pieChart>
+      <c:spPr>
+        <a:noFill/>
+        <a:ln>
+          <a:noFill/>
+        </a:ln>
+        <a:effectLst/>
+      </c:spPr>
+    </c:plotArea>
+    <c:legend>
+      <c:legendPos val="b"/>
+      <c:legendEntry>
+        <c:idx val="2"/>
+        <c:delete val="1"/>
+      </c:legendEntry>
+      <c:legendEntry>
+        <c:idx val="3"/>
+        <c:delete val="1"/>
+      </c:legendEntry>
+      <c:overlay val="0"/>
+      <c:spPr>
+        <a:noFill/>
+        <a:ln>
+          <a:noFill/>
+        </a:ln>
+        <a:effectLst/>
+      </c:spPr>
+      <c:txPr>
+        <a:bodyPr rot="0" spcFirstLastPara="1" vertOverflow="ellipsis" vert="horz" wrap="square" anchor="ctr" anchorCtr="1"/>
+        <a:lstStyle/>
+        <a:p>
+          <a:pPr>
+            <a:defRPr sz="1600" b="0" i="0" u="none" strike="noStrike" kern="1200" baseline="0">
+              <a:solidFill>
+                <a:schemeClr val="tx1">
+                  <a:lumMod val="50000"/>
+                  <a:lumOff val="50000"/>
+                </a:schemeClr>
+              </a:solidFill>
+              <a:latin typeface="+mn-lt"/>
+              <a:ea typeface="+mn-ea"/>
+              <a:cs typeface="+mn-cs"/>
+            </a:defRPr>
+          </a:pPr>
+          <a:endParaRPr lang="it-IT"/>
+        </a:p>
+      </c:txPr>
+    </c:legend>
+    <c:plotVisOnly val="1"/>
+    <c:dispBlanksAs val="gap"/>
+    <c:showDLblsOverMax val="0"/>
+    <c:extLst>
+      <c:ext xmlns:c16r3="http://schemas.microsoft.com/office/drawing/2017/03/chart" uri="{56B9EC1D-385E-4148-901F-78D8002777C0}">
+        <c16r3:dataDisplayOptions16>
+          <c16r3:dispNaAsBlank val="1"/>
+        </c16r3:dataDisplayOptions16>
+      </c:ext>
+    </c:extLst>
+  </c:chart>
+  <c:spPr>
+    <a:noFill/>
+    <a:ln>
+      <a:noFill/>
+    </a:ln>
+    <a:effectLst/>
+  </c:spPr>
+  <c:txPr>
+    <a:bodyPr/>
+    <a:lstStyle/>
+    <a:p>
+      <a:pPr>
+        <a:defRPr/>
+      </a:pPr>
+      <a:endParaRPr lang="it-IT"/>
+    </a:p>
+  </c:txPr>
+  <c:externalData r:id="rId3">
+    <c:autoUpdate val="0"/>
+  </c:externalData>
+</c:chartSpace>
+</file>
+
 <file path=ppt/charts/colors1.xml><?xml version="1.0" encoding="utf-8"?>
 <cs:colorStyle xmlns:cs="http://schemas.microsoft.com/office/drawing/2012/chartStyle" xmlns:a="http://schemas.openxmlformats.org/drawingml/2006/main" meth="cycle" id="10">
   <a:schemeClr val="accent1"/>
@@ -766,7 +1946,1079 @@
 </cs:colorStyle>
 </file>
 
+<file path=ppt/charts/colors2.xml><?xml version="1.0" encoding="utf-8"?>
+<cs:colorStyle xmlns:cs="http://schemas.microsoft.com/office/drawing/2012/chartStyle" xmlns:a="http://schemas.openxmlformats.org/drawingml/2006/main" meth="cycle" id="10">
+  <a:schemeClr val="accent1"/>
+  <a:schemeClr val="accent2"/>
+  <a:schemeClr val="accent3"/>
+  <a:schemeClr val="accent4"/>
+  <a:schemeClr val="accent5"/>
+  <a:schemeClr val="accent6"/>
+  <cs:variation/>
+  <cs:variation>
+    <a:lumMod val="60000"/>
+  </cs:variation>
+  <cs:variation>
+    <a:lumMod val="80000"/>
+    <a:lumOff val="20000"/>
+  </cs:variation>
+  <cs:variation>
+    <a:lumMod val="80000"/>
+  </cs:variation>
+  <cs:variation>
+    <a:lumMod val="60000"/>
+    <a:lumOff val="40000"/>
+  </cs:variation>
+  <cs:variation>
+    <a:lumMod val="50000"/>
+  </cs:variation>
+  <cs:variation>
+    <a:lumMod val="70000"/>
+    <a:lumOff val="30000"/>
+  </cs:variation>
+  <cs:variation>
+    <a:lumMod val="70000"/>
+  </cs:variation>
+  <cs:variation>
+    <a:lumMod val="50000"/>
+    <a:lumOff val="50000"/>
+  </cs:variation>
+</cs:colorStyle>
+</file>
+
+<file path=ppt/charts/colors3.xml><?xml version="1.0" encoding="utf-8"?>
+<cs:colorStyle xmlns:cs="http://schemas.microsoft.com/office/drawing/2012/chartStyle" xmlns:a="http://schemas.openxmlformats.org/drawingml/2006/main" meth="cycle" id="10">
+  <a:schemeClr val="accent1"/>
+  <a:schemeClr val="accent2"/>
+  <a:schemeClr val="accent3"/>
+  <a:schemeClr val="accent4"/>
+  <a:schemeClr val="accent5"/>
+  <a:schemeClr val="accent6"/>
+  <cs:variation/>
+  <cs:variation>
+    <a:lumMod val="60000"/>
+  </cs:variation>
+  <cs:variation>
+    <a:lumMod val="80000"/>
+    <a:lumOff val="20000"/>
+  </cs:variation>
+  <cs:variation>
+    <a:lumMod val="80000"/>
+  </cs:variation>
+  <cs:variation>
+    <a:lumMod val="60000"/>
+    <a:lumOff val="40000"/>
+  </cs:variation>
+  <cs:variation>
+    <a:lumMod val="50000"/>
+  </cs:variation>
+  <cs:variation>
+    <a:lumMod val="70000"/>
+    <a:lumOff val="30000"/>
+  </cs:variation>
+  <cs:variation>
+    <a:lumMod val="70000"/>
+  </cs:variation>
+  <cs:variation>
+    <a:lumMod val="50000"/>
+    <a:lumOff val="50000"/>
+  </cs:variation>
+</cs:colorStyle>
+</file>
+
 <file path=ppt/charts/style1.xml><?xml version="1.0" encoding="utf-8"?>
+<cs:chartStyle xmlns:cs="http://schemas.microsoft.com/office/drawing/2012/chartStyle" xmlns:a="http://schemas.openxmlformats.org/drawingml/2006/main" id="257">
+  <cs:axisTitle>
+    <cs:lnRef idx="0"/>
+    <cs:fillRef idx="0"/>
+    <cs:effectRef idx="0"/>
+    <cs:fontRef idx="minor">
+      <a:schemeClr val="lt1">
+        <a:lumMod val="85000"/>
+      </a:schemeClr>
+    </cs:fontRef>
+    <cs:defRPr sz="1197" b="1" kern="1200" cap="all"/>
+  </cs:axisTitle>
+  <cs:categoryAxis>
+    <cs:lnRef idx="0"/>
+    <cs:fillRef idx="0"/>
+    <cs:effectRef idx="0"/>
+    <cs:fontRef idx="minor">
+      <a:schemeClr val="lt1">
+        <a:lumMod val="85000"/>
+      </a:schemeClr>
+    </cs:fontRef>
+    <cs:spPr>
+      <a:ln w="12700" cap="flat" cmpd="sng" algn="ctr">
+        <a:solidFill>
+          <a:schemeClr val="lt1">
+            <a:lumMod val="95000"/>
+            <a:alpha val="54000"/>
+          </a:schemeClr>
+        </a:solidFill>
+        <a:round/>
+      </a:ln>
+    </cs:spPr>
+    <cs:defRPr sz="1197" kern="1200"/>
+  </cs:categoryAxis>
+  <cs:chartArea>
+    <cs:lnRef idx="0"/>
+    <cs:fillRef idx="0"/>
+    <cs:effectRef idx="0"/>
+    <cs:fontRef idx="minor">
+      <a:schemeClr val="dk1"/>
+    </cs:fontRef>
+    <cs:spPr>
+      <a:gradFill flip="none" rotWithShape="1">
+        <a:gsLst>
+          <a:gs pos="0">
+            <a:schemeClr val="dk1">
+              <a:lumMod val="65000"/>
+              <a:lumOff val="35000"/>
+            </a:schemeClr>
+          </a:gs>
+          <a:gs pos="100000">
+            <a:schemeClr val="dk1">
+              <a:lumMod val="85000"/>
+              <a:lumOff val="15000"/>
+            </a:schemeClr>
+          </a:gs>
+        </a:gsLst>
+        <a:path path="circle">
+          <a:fillToRect l="50000" t="50000" r="50000" b="50000"/>
+        </a:path>
+        <a:tileRect/>
+      </a:gradFill>
+    </cs:spPr>
+    <cs:defRPr sz="1330" kern="1200"/>
+  </cs:chartArea>
+  <cs:dataLabel>
+    <cs:lnRef idx="0"/>
+    <cs:fillRef idx="0"/>
+    <cs:effectRef idx="0"/>
+    <cs:fontRef idx="minor">
+      <a:schemeClr val="lt1">
+        <a:lumMod val="85000"/>
+      </a:schemeClr>
+    </cs:fontRef>
+    <cs:defRPr sz="1197" kern="1200"/>
+  </cs:dataLabel>
+  <cs:dataLabelCallout>
+    <cs:lnRef idx="0"/>
+    <cs:fillRef idx="0"/>
+    <cs:effectRef idx="0"/>
+    <cs:fontRef idx="minor">
+      <a:schemeClr val="dk1">
+        <a:lumMod val="65000"/>
+        <a:lumOff val="35000"/>
+      </a:schemeClr>
+    </cs:fontRef>
+    <cs:spPr>
+      <a:solidFill>
+        <a:schemeClr val="lt1"/>
+      </a:solidFill>
+    </cs:spPr>
+    <cs:defRPr sz="1197" kern="1200"/>
+    <cs:bodyPr rot="0" spcFirstLastPara="1" vertOverflow="clip" horzOverflow="clip" vert="horz" wrap="square" lIns="36576" tIns="18288" rIns="36576" bIns="18288" anchor="ctr" anchorCtr="1">
+      <a:spAutoFit/>
+    </cs:bodyPr>
+  </cs:dataLabelCallout>
+  <cs:dataPoint>
+    <cs:lnRef idx="0"/>
+    <cs:fillRef idx="3">
+      <cs:styleClr val="auto"/>
+    </cs:fillRef>
+    <cs:effectRef idx="3"/>
+    <cs:fontRef idx="minor">
+      <a:schemeClr val="tx1"/>
+    </cs:fontRef>
+  </cs:dataPoint>
+  <cs:dataPoint3D>
+    <cs:lnRef idx="0"/>
+    <cs:fillRef idx="3">
+      <cs:styleClr val="auto"/>
+    </cs:fillRef>
+    <cs:effectRef idx="3"/>
+    <cs:fontRef idx="minor">
+      <a:schemeClr val="tx1"/>
+    </cs:fontRef>
+  </cs:dataPoint3D>
+  <cs:dataPointLine>
+    <cs:lnRef idx="0">
+      <cs:styleClr val="auto"/>
+    </cs:lnRef>
+    <cs:fillRef idx="3"/>
+    <cs:effectRef idx="3"/>
+    <cs:fontRef idx="minor">
+      <a:schemeClr val="tx1"/>
+    </cs:fontRef>
+    <cs:spPr>
+      <a:ln w="34925" cap="rnd">
+        <a:solidFill>
+          <a:schemeClr val="phClr"/>
+        </a:solidFill>
+        <a:round/>
+      </a:ln>
+    </cs:spPr>
+  </cs:dataPointLine>
+  <cs:dataPointMarker>
+    <cs:lnRef idx="0">
+      <cs:styleClr val="auto"/>
+    </cs:lnRef>
+    <cs:fillRef idx="3">
+      <cs:styleClr val="auto"/>
+    </cs:fillRef>
+    <cs:effectRef idx="3"/>
+    <cs:fontRef idx="minor">
+      <a:schemeClr val="tx1"/>
+    </cs:fontRef>
+    <cs:spPr>
+      <a:ln w="9525">
+        <a:solidFill>
+          <a:schemeClr val="phClr"/>
+        </a:solidFill>
+        <a:round/>
+      </a:ln>
+    </cs:spPr>
+  </cs:dataPointMarker>
+  <cs:dataPointMarkerLayout symbol="circle" size="6"/>
+  <cs:dataPointWireframe>
+    <cs:lnRef idx="0">
+      <cs:styleClr val="auto"/>
+    </cs:lnRef>
+    <cs:fillRef idx="3"/>
+    <cs:effectRef idx="3"/>
+    <cs:fontRef idx="minor">
+      <a:schemeClr val="tx1"/>
+    </cs:fontRef>
+    <cs:spPr>
+      <a:ln w="9525" cap="rnd">
+        <a:solidFill>
+          <a:schemeClr val="phClr"/>
+        </a:solidFill>
+        <a:round/>
+      </a:ln>
+    </cs:spPr>
+  </cs:dataPointWireframe>
+  <cs:dataTable>
+    <cs:lnRef idx="0"/>
+    <cs:fillRef idx="0"/>
+    <cs:effectRef idx="0"/>
+    <cs:fontRef idx="minor">
+      <a:schemeClr val="lt1">
+        <a:lumMod val="85000"/>
+      </a:schemeClr>
+    </cs:fontRef>
+    <cs:spPr>
+      <a:ln w="9525">
+        <a:solidFill>
+          <a:schemeClr val="lt1">
+            <a:lumMod val="95000"/>
+            <a:alpha val="54000"/>
+          </a:schemeClr>
+        </a:solidFill>
+      </a:ln>
+    </cs:spPr>
+    <cs:defRPr sz="1197" kern="1200"/>
+  </cs:dataTable>
+  <cs:downBar>
+    <cs:lnRef idx="0"/>
+    <cs:fillRef idx="0"/>
+    <cs:effectRef idx="0"/>
+    <cs:fontRef idx="minor">
+      <a:schemeClr val="tx1"/>
+    </cs:fontRef>
+    <cs:spPr>
+      <a:solidFill>
+        <a:schemeClr val="dk1">
+          <a:lumMod val="75000"/>
+          <a:lumOff val="25000"/>
+        </a:schemeClr>
+      </a:solidFill>
+      <a:ln w="9525">
+        <a:solidFill>
+          <a:schemeClr val="lt1">
+            <a:lumMod val="95000"/>
+            <a:alpha val="54000"/>
+          </a:schemeClr>
+        </a:solidFill>
+      </a:ln>
+    </cs:spPr>
+  </cs:downBar>
+  <cs:dropLine>
+    <cs:lnRef idx="0"/>
+    <cs:fillRef idx="0"/>
+    <cs:effectRef idx="0"/>
+    <cs:fontRef idx="minor">
+      <a:schemeClr val="tx1"/>
+    </cs:fontRef>
+    <cs:spPr>
+      <a:ln w="9525">
+        <a:solidFill>
+          <a:schemeClr val="lt1">
+            <a:lumMod val="95000"/>
+            <a:alpha val="54000"/>
+          </a:schemeClr>
+        </a:solidFill>
+        <a:prstDash val="dash"/>
+      </a:ln>
+    </cs:spPr>
+  </cs:dropLine>
+  <cs:errorBar>
+    <cs:lnRef idx="0"/>
+    <cs:fillRef idx="0"/>
+    <cs:effectRef idx="0"/>
+    <cs:fontRef idx="minor">
+      <a:schemeClr val="tx1"/>
+    </cs:fontRef>
+    <cs:spPr>
+      <a:ln w="9525" cap="flat" cmpd="sng" algn="ctr">
+        <a:solidFill>
+          <a:schemeClr val="lt1">
+            <a:lumMod val="95000"/>
+          </a:schemeClr>
+        </a:solidFill>
+        <a:round/>
+      </a:ln>
+    </cs:spPr>
+  </cs:errorBar>
+  <cs:floor>
+    <cs:lnRef idx="0"/>
+    <cs:fillRef idx="0"/>
+    <cs:effectRef idx="0"/>
+    <cs:fontRef idx="minor">
+      <a:schemeClr val="tx1"/>
+    </cs:fontRef>
+  </cs:floor>
+  <cs:gridlineMajor>
+    <cs:lnRef idx="0"/>
+    <cs:fillRef idx="0"/>
+    <cs:effectRef idx="0"/>
+    <cs:fontRef idx="minor">
+      <a:schemeClr val="tx1"/>
+    </cs:fontRef>
+    <cs:spPr>
+      <a:ln w="9525" cap="flat" cmpd="sng" algn="ctr">
+        <a:solidFill>
+          <a:schemeClr val="lt1">
+            <a:lumMod val="95000"/>
+            <a:alpha val="10000"/>
+          </a:schemeClr>
+        </a:solidFill>
+        <a:round/>
+      </a:ln>
+    </cs:spPr>
+  </cs:gridlineMajor>
+  <cs:gridlineMinor>
+    <cs:lnRef idx="0"/>
+    <cs:fillRef idx="0"/>
+    <cs:effectRef idx="0"/>
+    <cs:fontRef idx="minor">
+      <a:schemeClr val="tx1"/>
+    </cs:fontRef>
+    <cs:spPr>
+      <a:ln>
+        <a:solidFill>
+          <a:schemeClr val="lt1">
+            <a:lumMod val="95000"/>
+            <a:alpha val="5000"/>
+          </a:schemeClr>
+        </a:solidFill>
+      </a:ln>
+    </cs:spPr>
+  </cs:gridlineMinor>
+  <cs:hiLoLine>
+    <cs:lnRef idx="0"/>
+    <cs:fillRef idx="0"/>
+    <cs:effectRef idx="0"/>
+    <cs:fontRef idx="minor">
+      <a:schemeClr val="tx1"/>
+    </cs:fontRef>
+    <cs:spPr>
+      <a:ln w="9525">
+        <a:solidFill>
+          <a:schemeClr val="lt1">
+            <a:lumMod val="95000"/>
+            <a:alpha val="54000"/>
+          </a:schemeClr>
+        </a:solidFill>
+        <a:prstDash val="dash"/>
+      </a:ln>
+    </cs:spPr>
+  </cs:hiLoLine>
+  <cs:leaderLine>
+    <cs:lnRef idx="0"/>
+    <cs:fillRef idx="0"/>
+    <cs:effectRef idx="0"/>
+    <cs:fontRef idx="minor">
+      <a:schemeClr val="tx1"/>
+    </cs:fontRef>
+    <cs:spPr>
+      <a:ln w="9525">
+        <a:solidFill>
+          <a:schemeClr val="lt1">
+            <a:lumMod val="95000"/>
+            <a:alpha val="54000"/>
+          </a:schemeClr>
+        </a:solidFill>
+      </a:ln>
+    </cs:spPr>
+  </cs:leaderLine>
+  <cs:legend>
+    <cs:lnRef idx="0"/>
+    <cs:fillRef idx="0"/>
+    <cs:effectRef idx="0"/>
+    <cs:fontRef idx="minor">
+      <a:schemeClr val="lt1">
+        <a:lumMod val="85000"/>
+      </a:schemeClr>
+    </cs:fontRef>
+    <cs:defRPr sz="1197" kern="1200"/>
+  </cs:legend>
+  <cs:plotArea>
+    <cs:lnRef idx="0"/>
+    <cs:fillRef idx="0"/>
+    <cs:effectRef idx="0"/>
+    <cs:fontRef idx="minor">
+      <a:schemeClr val="tx1"/>
+    </cs:fontRef>
+  </cs:plotArea>
+  <cs:plotArea3D>
+    <cs:lnRef idx="0"/>
+    <cs:fillRef idx="0"/>
+    <cs:effectRef idx="0"/>
+    <cs:fontRef idx="minor">
+      <a:schemeClr val="tx1"/>
+    </cs:fontRef>
+  </cs:plotArea3D>
+  <cs:seriesAxis>
+    <cs:lnRef idx="0"/>
+    <cs:fillRef idx="0"/>
+    <cs:effectRef idx="0"/>
+    <cs:fontRef idx="minor">
+      <a:schemeClr val="lt1">
+        <a:lumMod val="85000"/>
+      </a:schemeClr>
+    </cs:fontRef>
+    <cs:spPr>
+      <a:ln w="12700" cap="flat" cmpd="sng" algn="ctr">
+        <a:solidFill>
+          <a:schemeClr val="lt1">
+            <a:lumMod val="95000"/>
+            <a:alpha val="54000"/>
+          </a:schemeClr>
+        </a:solidFill>
+        <a:round/>
+      </a:ln>
+    </cs:spPr>
+    <cs:defRPr sz="1197" kern="1200"/>
+  </cs:seriesAxis>
+  <cs:seriesLine>
+    <cs:lnRef idx="0"/>
+    <cs:fillRef idx="0"/>
+    <cs:effectRef idx="0"/>
+    <cs:fontRef idx="minor">
+      <a:schemeClr val="lt1"/>
+    </cs:fontRef>
+    <cs:spPr>
+      <a:ln w="9525" cap="flat" cmpd="sng" algn="ctr">
+        <a:solidFill>
+          <a:schemeClr val="lt1">
+            <a:lumMod val="95000"/>
+            <a:alpha val="54000"/>
+          </a:schemeClr>
+        </a:solidFill>
+        <a:round/>
+      </a:ln>
+    </cs:spPr>
+  </cs:seriesLine>
+  <cs:title>
+    <cs:lnRef idx="0"/>
+    <cs:fillRef idx="0"/>
+    <cs:effectRef idx="0"/>
+    <cs:fontRef idx="minor">
+      <a:schemeClr val="lt1">
+        <a:lumMod val="95000"/>
+      </a:schemeClr>
+    </cs:fontRef>
+    <cs:defRPr sz="2128" b="1" kern="1200" spc="100" baseline="0">
+      <a:effectLst>
+        <a:outerShdw blurRad="50800" dist="38100" dir="5400000" algn="t" rotWithShape="0">
+          <a:prstClr val="black">
+            <a:alpha val="40000"/>
+          </a:prstClr>
+        </a:outerShdw>
+      </a:effectLst>
+    </cs:defRPr>
+  </cs:title>
+  <cs:trendline>
+    <cs:lnRef idx="0">
+      <cs:styleClr val="auto"/>
+    </cs:lnRef>
+    <cs:fillRef idx="0"/>
+    <cs:effectRef idx="0"/>
+    <cs:fontRef idx="minor">
+      <a:schemeClr val="tx1"/>
+    </cs:fontRef>
+    <cs:spPr>
+      <a:ln w="19050" cap="rnd">
+        <a:solidFill>
+          <a:schemeClr val="phClr"/>
+        </a:solidFill>
+      </a:ln>
+    </cs:spPr>
+  </cs:trendline>
+  <cs:trendlineLabel>
+    <cs:lnRef idx="0"/>
+    <cs:fillRef idx="0"/>
+    <cs:effectRef idx="0"/>
+    <cs:fontRef idx="minor">
+      <a:schemeClr val="lt1">
+        <a:lumMod val="85000"/>
+      </a:schemeClr>
+    </cs:fontRef>
+    <cs:defRPr sz="1197" kern="1200"/>
+  </cs:trendlineLabel>
+  <cs:upBar>
+    <cs:lnRef idx="0"/>
+    <cs:fillRef idx="0"/>
+    <cs:effectRef idx="0"/>
+    <cs:fontRef idx="minor">
+      <a:schemeClr val="tx1"/>
+    </cs:fontRef>
+    <cs:spPr>
+      <a:solidFill>
+        <a:schemeClr val="lt1"/>
+      </a:solidFill>
+      <a:ln w="9525">
+        <a:solidFill>
+          <a:schemeClr val="lt1">
+            <a:lumMod val="95000"/>
+            <a:alpha val="54000"/>
+          </a:schemeClr>
+        </a:solidFill>
+      </a:ln>
+    </cs:spPr>
+  </cs:upBar>
+  <cs:valueAxis>
+    <cs:lnRef idx="0"/>
+    <cs:fillRef idx="0"/>
+    <cs:effectRef idx="0"/>
+    <cs:fontRef idx="minor">
+      <a:schemeClr val="lt1">
+        <a:lumMod val="85000"/>
+      </a:schemeClr>
+    </cs:fontRef>
+    <cs:defRPr sz="1197" kern="1200"/>
+  </cs:valueAxis>
+  <cs:wall>
+    <cs:lnRef idx="0"/>
+    <cs:fillRef idx="0"/>
+    <cs:effectRef idx="0"/>
+    <cs:fontRef idx="minor">
+      <a:schemeClr val="tx1"/>
+    </cs:fontRef>
+  </cs:wall>
+</cs:chartStyle>
+</file>
+
+<file path=ppt/charts/style2.xml><?xml version="1.0" encoding="utf-8"?>
+<cs:chartStyle xmlns:cs="http://schemas.microsoft.com/office/drawing/2012/chartStyle" xmlns:a="http://schemas.openxmlformats.org/drawingml/2006/main" id="257">
+  <cs:axisTitle>
+    <cs:lnRef idx="0"/>
+    <cs:fillRef idx="0"/>
+    <cs:effectRef idx="0"/>
+    <cs:fontRef idx="minor">
+      <a:schemeClr val="lt1">
+        <a:lumMod val="85000"/>
+      </a:schemeClr>
+    </cs:fontRef>
+    <cs:defRPr sz="1197" b="1" kern="1200" cap="all"/>
+  </cs:axisTitle>
+  <cs:categoryAxis>
+    <cs:lnRef idx="0"/>
+    <cs:fillRef idx="0"/>
+    <cs:effectRef idx="0"/>
+    <cs:fontRef idx="minor">
+      <a:schemeClr val="lt1">
+        <a:lumMod val="85000"/>
+      </a:schemeClr>
+    </cs:fontRef>
+    <cs:spPr>
+      <a:ln w="12700" cap="flat" cmpd="sng" algn="ctr">
+        <a:solidFill>
+          <a:schemeClr val="lt1">
+            <a:lumMod val="95000"/>
+            <a:alpha val="54000"/>
+          </a:schemeClr>
+        </a:solidFill>
+        <a:round/>
+      </a:ln>
+    </cs:spPr>
+    <cs:defRPr sz="1197" kern="1200"/>
+  </cs:categoryAxis>
+  <cs:chartArea>
+    <cs:lnRef idx="0"/>
+    <cs:fillRef idx="0"/>
+    <cs:effectRef idx="0"/>
+    <cs:fontRef idx="minor">
+      <a:schemeClr val="dk1"/>
+    </cs:fontRef>
+    <cs:spPr>
+      <a:gradFill flip="none" rotWithShape="1">
+        <a:gsLst>
+          <a:gs pos="0">
+            <a:schemeClr val="dk1">
+              <a:lumMod val="65000"/>
+              <a:lumOff val="35000"/>
+            </a:schemeClr>
+          </a:gs>
+          <a:gs pos="100000">
+            <a:schemeClr val="dk1">
+              <a:lumMod val="85000"/>
+              <a:lumOff val="15000"/>
+            </a:schemeClr>
+          </a:gs>
+        </a:gsLst>
+        <a:path path="circle">
+          <a:fillToRect l="50000" t="50000" r="50000" b="50000"/>
+        </a:path>
+        <a:tileRect/>
+      </a:gradFill>
+    </cs:spPr>
+    <cs:defRPr sz="1330" kern="1200"/>
+  </cs:chartArea>
+  <cs:dataLabel>
+    <cs:lnRef idx="0"/>
+    <cs:fillRef idx="0"/>
+    <cs:effectRef idx="0"/>
+    <cs:fontRef idx="minor">
+      <a:schemeClr val="lt1">
+        <a:lumMod val="85000"/>
+      </a:schemeClr>
+    </cs:fontRef>
+    <cs:defRPr sz="1197" kern="1200"/>
+  </cs:dataLabel>
+  <cs:dataLabelCallout>
+    <cs:lnRef idx="0"/>
+    <cs:fillRef idx="0"/>
+    <cs:effectRef idx="0"/>
+    <cs:fontRef idx="minor">
+      <a:schemeClr val="dk1">
+        <a:lumMod val="65000"/>
+        <a:lumOff val="35000"/>
+      </a:schemeClr>
+    </cs:fontRef>
+    <cs:spPr>
+      <a:solidFill>
+        <a:schemeClr val="lt1"/>
+      </a:solidFill>
+    </cs:spPr>
+    <cs:defRPr sz="1197" kern="1200"/>
+    <cs:bodyPr rot="0" spcFirstLastPara="1" vertOverflow="clip" horzOverflow="clip" vert="horz" wrap="square" lIns="36576" tIns="18288" rIns="36576" bIns="18288" anchor="ctr" anchorCtr="1">
+      <a:spAutoFit/>
+    </cs:bodyPr>
+  </cs:dataLabelCallout>
+  <cs:dataPoint>
+    <cs:lnRef idx="0"/>
+    <cs:fillRef idx="3">
+      <cs:styleClr val="auto"/>
+    </cs:fillRef>
+    <cs:effectRef idx="3"/>
+    <cs:fontRef idx="minor">
+      <a:schemeClr val="tx1"/>
+    </cs:fontRef>
+  </cs:dataPoint>
+  <cs:dataPoint3D>
+    <cs:lnRef idx="0"/>
+    <cs:fillRef idx="3">
+      <cs:styleClr val="auto"/>
+    </cs:fillRef>
+    <cs:effectRef idx="3"/>
+    <cs:fontRef idx="minor">
+      <a:schemeClr val="tx1"/>
+    </cs:fontRef>
+  </cs:dataPoint3D>
+  <cs:dataPointLine>
+    <cs:lnRef idx="0">
+      <cs:styleClr val="auto"/>
+    </cs:lnRef>
+    <cs:fillRef idx="3"/>
+    <cs:effectRef idx="3"/>
+    <cs:fontRef idx="minor">
+      <a:schemeClr val="tx1"/>
+    </cs:fontRef>
+    <cs:spPr>
+      <a:ln w="34925" cap="rnd">
+        <a:solidFill>
+          <a:schemeClr val="phClr"/>
+        </a:solidFill>
+        <a:round/>
+      </a:ln>
+    </cs:spPr>
+  </cs:dataPointLine>
+  <cs:dataPointMarker>
+    <cs:lnRef idx="0">
+      <cs:styleClr val="auto"/>
+    </cs:lnRef>
+    <cs:fillRef idx="3">
+      <cs:styleClr val="auto"/>
+    </cs:fillRef>
+    <cs:effectRef idx="3"/>
+    <cs:fontRef idx="minor">
+      <a:schemeClr val="tx1"/>
+    </cs:fontRef>
+    <cs:spPr>
+      <a:ln w="9525">
+        <a:solidFill>
+          <a:schemeClr val="phClr"/>
+        </a:solidFill>
+        <a:round/>
+      </a:ln>
+    </cs:spPr>
+  </cs:dataPointMarker>
+  <cs:dataPointMarkerLayout symbol="circle" size="6"/>
+  <cs:dataPointWireframe>
+    <cs:lnRef idx="0">
+      <cs:styleClr val="auto"/>
+    </cs:lnRef>
+    <cs:fillRef idx="3"/>
+    <cs:effectRef idx="3"/>
+    <cs:fontRef idx="minor">
+      <a:schemeClr val="tx1"/>
+    </cs:fontRef>
+    <cs:spPr>
+      <a:ln w="9525" cap="rnd">
+        <a:solidFill>
+          <a:schemeClr val="phClr"/>
+        </a:solidFill>
+        <a:round/>
+      </a:ln>
+    </cs:spPr>
+  </cs:dataPointWireframe>
+  <cs:dataTable>
+    <cs:lnRef idx="0"/>
+    <cs:fillRef idx="0"/>
+    <cs:effectRef idx="0"/>
+    <cs:fontRef idx="minor">
+      <a:schemeClr val="lt1">
+        <a:lumMod val="85000"/>
+      </a:schemeClr>
+    </cs:fontRef>
+    <cs:spPr>
+      <a:ln w="9525">
+        <a:solidFill>
+          <a:schemeClr val="lt1">
+            <a:lumMod val="95000"/>
+            <a:alpha val="54000"/>
+          </a:schemeClr>
+        </a:solidFill>
+      </a:ln>
+    </cs:spPr>
+    <cs:defRPr sz="1197" kern="1200"/>
+  </cs:dataTable>
+  <cs:downBar>
+    <cs:lnRef idx="0"/>
+    <cs:fillRef idx="0"/>
+    <cs:effectRef idx="0"/>
+    <cs:fontRef idx="minor">
+      <a:schemeClr val="tx1"/>
+    </cs:fontRef>
+    <cs:spPr>
+      <a:solidFill>
+        <a:schemeClr val="dk1">
+          <a:lumMod val="75000"/>
+          <a:lumOff val="25000"/>
+        </a:schemeClr>
+      </a:solidFill>
+      <a:ln w="9525">
+        <a:solidFill>
+          <a:schemeClr val="lt1">
+            <a:lumMod val="95000"/>
+            <a:alpha val="54000"/>
+          </a:schemeClr>
+        </a:solidFill>
+      </a:ln>
+    </cs:spPr>
+  </cs:downBar>
+  <cs:dropLine>
+    <cs:lnRef idx="0"/>
+    <cs:fillRef idx="0"/>
+    <cs:effectRef idx="0"/>
+    <cs:fontRef idx="minor">
+      <a:schemeClr val="tx1"/>
+    </cs:fontRef>
+    <cs:spPr>
+      <a:ln w="9525">
+        <a:solidFill>
+          <a:schemeClr val="lt1">
+            <a:lumMod val="95000"/>
+            <a:alpha val="54000"/>
+          </a:schemeClr>
+        </a:solidFill>
+        <a:prstDash val="dash"/>
+      </a:ln>
+    </cs:spPr>
+  </cs:dropLine>
+  <cs:errorBar>
+    <cs:lnRef idx="0"/>
+    <cs:fillRef idx="0"/>
+    <cs:effectRef idx="0"/>
+    <cs:fontRef idx="minor">
+      <a:schemeClr val="tx1"/>
+    </cs:fontRef>
+    <cs:spPr>
+      <a:ln w="9525" cap="flat" cmpd="sng" algn="ctr">
+        <a:solidFill>
+          <a:schemeClr val="lt1">
+            <a:lumMod val="95000"/>
+          </a:schemeClr>
+        </a:solidFill>
+        <a:round/>
+      </a:ln>
+    </cs:spPr>
+  </cs:errorBar>
+  <cs:floor>
+    <cs:lnRef idx="0"/>
+    <cs:fillRef idx="0"/>
+    <cs:effectRef idx="0"/>
+    <cs:fontRef idx="minor">
+      <a:schemeClr val="tx1"/>
+    </cs:fontRef>
+  </cs:floor>
+  <cs:gridlineMajor>
+    <cs:lnRef idx="0"/>
+    <cs:fillRef idx="0"/>
+    <cs:effectRef idx="0"/>
+    <cs:fontRef idx="minor">
+      <a:schemeClr val="tx1"/>
+    </cs:fontRef>
+    <cs:spPr>
+      <a:ln w="9525" cap="flat" cmpd="sng" algn="ctr">
+        <a:solidFill>
+          <a:schemeClr val="lt1">
+            <a:lumMod val="95000"/>
+            <a:alpha val="10000"/>
+          </a:schemeClr>
+        </a:solidFill>
+        <a:round/>
+      </a:ln>
+    </cs:spPr>
+  </cs:gridlineMajor>
+  <cs:gridlineMinor>
+    <cs:lnRef idx="0"/>
+    <cs:fillRef idx="0"/>
+    <cs:effectRef idx="0"/>
+    <cs:fontRef idx="minor">
+      <a:schemeClr val="tx1"/>
+    </cs:fontRef>
+    <cs:spPr>
+      <a:ln>
+        <a:solidFill>
+          <a:schemeClr val="lt1">
+            <a:lumMod val="95000"/>
+            <a:alpha val="5000"/>
+          </a:schemeClr>
+        </a:solidFill>
+      </a:ln>
+    </cs:spPr>
+  </cs:gridlineMinor>
+  <cs:hiLoLine>
+    <cs:lnRef idx="0"/>
+    <cs:fillRef idx="0"/>
+    <cs:effectRef idx="0"/>
+    <cs:fontRef idx="minor">
+      <a:schemeClr val="tx1"/>
+    </cs:fontRef>
+    <cs:spPr>
+      <a:ln w="9525">
+        <a:solidFill>
+          <a:schemeClr val="lt1">
+            <a:lumMod val="95000"/>
+            <a:alpha val="54000"/>
+          </a:schemeClr>
+        </a:solidFill>
+        <a:prstDash val="dash"/>
+      </a:ln>
+    </cs:spPr>
+  </cs:hiLoLine>
+  <cs:leaderLine>
+    <cs:lnRef idx="0"/>
+    <cs:fillRef idx="0"/>
+    <cs:effectRef idx="0"/>
+    <cs:fontRef idx="minor">
+      <a:schemeClr val="tx1"/>
+    </cs:fontRef>
+    <cs:spPr>
+      <a:ln w="9525">
+        <a:solidFill>
+          <a:schemeClr val="lt1">
+            <a:lumMod val="95000"/>
+            <a:alpha val="54000"/>
+          </a:schemeClr>
+        </a:solidFill>
+      </a:ln>
+    </cs:spPr>
+  </cs:leaderLine>
+  <cs:legend>
+    <cs:lnRef idx="0"/>
+    <cs:fillRef idx="0"/>
+    <cs:effectRef idx="0"/>
+    <cs:fontRef idx="minor">
+      <a:schemeClr val="lt1">
+        <a:lumMod val="85000"/>
+      </a:schemeClr>
+    </cs:fontRef>
+    <cs:defRPr sz="1197" kern="1200"/>
+  </cs:legend>
+  <cs:plotArea>
+    <cs:lnRef idx="0"/>
+    <cs:fillRef idx="0"/>
+    <cs:effectRef idx="0"/>
+    <cs:fontRef idx="minor">
+      <a:schemeClr val="tx1"/>
+    </cs:fontRef>
+  </cs:plotArea>
+  <cs:plotArea3D>
+    <cs:lnRef idx="0"/>
+    <cs:fillRef idx="0"/>
+    <cs:effectRef idx="0"/>
+    <cs:fontRef idx="minor">
+      <a:schemeClr val="tx1"/>
+    </cs:fontRef>
+  </cs:plotArea3D>
+  <cs:seriesAxis>
+    <cs:lnRef idx="0"/>
+    <cs:fillRef idx="0"/>
+    <cs:effectRef idx="0"/>
+    <cs:fontRef idx="minor">
+      <a:schemeClr val="lt1">
+        <a:lumMod val="85000"/>
+      </a:schemeClr>
+    </cs:fontRef>
+    <cs:spPr>
+      <a:ln w="12700" cap="flat" cmpd="sng" algn="ctr">
+        <a:solidFill>
+          <a:schemeClr val="lt1">
+            <a:lumMod val="95000"/>
+            <a:alpha val="54000"/>
+          </a:schemeClr>
+        </a:solidFill>
+        <a:round/>
+      </a:ln>
+    </cs:spPr>
+    <cs:defRPr sz="1197" kern="1200"/>
+  </cs:seriesAxis>
+  <cs:seriesLine>
+    <cs:lnRef idx="0"/>
+    <cs:fillRef idx="0"/>
+    <cs:effectRef idx="0"/>
+    <cs:fontRef idx="minor">
+      <a:schemeClr val="lt1"/>
+    </cs:fontRef>
+    <cs:spPr>
+      <a:ln w="9525" cap="flat" cmpd="sng" algn="ctr">
+        <a:solidFill>
+          <a:schemeClr val="lt1">
+            <a:lumMod val="95000"/>
+            <a:alpha val="54000"/>
+          </a:schemeClr>
+        </a:solidFill>
+        <a:round/>
+      </a:ln>
+    </cs:spPr>
+  </cs:seriesLine>
+  <cs:title>
+    <cs:lnRef idx="0"/>
+    <cs:fillRef idx="0"/>
+    <cs:effectRef idx="0"/>
+    <cs:fontRef idx="minor">
+      <a:schemeClr val="lt1">
+        <a:lumMod val="95000"/>
+      </a:schemeClr>
+    </cs:fontRef>
+    <cs:defRPr sz="2128" b="1" kern="1200" spc="100" baseline="0">
+      <a:effectLst>
+        <a:outerShdw blurRad="50800" dist="38100" dir="5400000" algn="t" rotWithShape="0">
+          <a:prstClr val="black">
+            <a:alpha val="40000"/>
+          </a:prstClr>
+        </a:outerShdw>
+      </a:effectLst>
+    </cs:defRPr>
+  </cs:title>
+  <cs:trendline>
+    <cs:lnRef idx="0">
+      <cs:styleClr val="auto"/>
+    </cs:lnRef>
+    <cs:fillRef idx="0"/>
+    <cs:effectRef idx="0"/>
+    <cs:fontRef idx="minor">
+      <a:schemeClr val="tx1"/>
+    </cs:fontRef>
+    <cs:spPr>
+      <a:ln w="19050" cap="rnd">
+        <a:solidFill>
+          <a:schemeClr val="phClr"/>
+        </a:solidFill>
+      </a:ln>
+    </cs:spPr>
+  </cs:trendline>
+  <cs:trendlineLabel>
+    <cs:lnRef idx="0"/>
+    <cs:fillRef idx="0"/>
+    <cs:effectRef idx="0"/>
+    <cs:fontRef idx="minor">
+      <a:schemeClr val="lt1">
+        <a:lumMod val="85000"/>
+      </a:schemeClr>
+    </cs:fontRef>
+    <cs:defRPr sz="1197" kern="1200"/>
+  </cs:trendlineLabel>
+  <cs:upBar>
+    <cs:lnRef idx="0"/>
+    <cs:fillRef idx="0"/>
+    <cs:effectRef idx="0"/>
+    <cs:fontRef idx="minor">
+      <a:schemeClr val="tx1"/>
+    </cs:fontRef>
+    <cs:spPr>
+      <a:solidFill>
+        <a:schemeClr val="lt1"/>
+      </a:solidFill>
+      <a:ln w="9525">
+        <a:solidFill>
+          <a:schemeClr val="lt1">
+            <a:lumMod val="95000"/>
+            <a:alpha val="54000"/>
+          </a:schemeClr>
+        </a:solidFill>
+      </a:ln>
+    </cs:spPr>
+  </cs:upBar>
+  <cs:valueAxis>
+    <cs:lnRef idx="0"/>
+    <cs:fillRef idx="0"/>
+    <cs:effectRef idx="0"/>
+    <cs:fontRef idx="minor">
+      <a:schemeClr val="lt1">
+        <a:lumMod val="85000"/>
+      </a:schemeClr>
+    </cs:fontRef>
+    <cs:defRPr sz="1197" kern="1200"/>
+  </cs:valueAxis>
+  <cs:wall>
+    <cs:lnRef idx="0"/>
+    <cs:fillRef idx="0"/>
+    <cs:effectRef idx="0"/>
+    <cs:fontRef idx="minor">
+      <a:schemeClr val="tx1"/>
+    </cs:fontRef>
+  </cs:wall>
+</cs:chartStyle>
+</file>
+
+<file path=ppt/charts/style3.xml><?xml version="1.0" encoding="utf-8"?>
 <cs:chartStyle xmlns:cs="http://schemas.microsoft.com/office/drawing/2012/chartStyle" xmlns:a="http://schemas.openxmlformats.org/drawingml/2006/main" id="257">
   <cs:axisTitle>
     <cs:lnRef idx="0"/>
@@ -4804,7 +7056,7 @@
         </p:nvSpPr>
         <p:spPr>
           <a:xfrm>
-            <a:off x="3097764" y="1437262"/>
+            <a:off x="3480008" y="1424865"/>
             <a:ext cx="5170516" cy="632045"/>
           </a:xfrm>
           <a:prstGeom prst="homePlate">
@@ -4867,7 +7119,7 @@
         </p:nvSpPr>
         <p:spPr>
           <a:xfrm>
-            <a:off x="3097764" y="1505930"/>
+            <a:off x="3480008" y="1493533"/>
             <a:ext cx="5170516" cy="461665"/>
           </a:xfrm>
           <a:prstGeom prst="rect">
@@ -4882,7 +7134,7 @@
           <a:p>
             <a:pPr algn="ctr" defTabSz="609630"/>
             <a:r>
-              <a:rPr lang="it-IT" sz="2400" dirty="0">
+              <a:rPr lang="it-IT" altLang="zh-CN" sz="2400" dirty="0">
                 <a:solidFill>
                   <a:schemeClr val="accent4">
                     <a:lumMod val="75000"/>
@@ -4890,9 +7142,8 @@
                 </a:solidFill>
                 <a:latin typeface="Microsoft YaHei" charset="-122"/>
                 <a:ea typeface="Microsoft YaHei" charset="-122"/>
-                <a:cs typeface="Microsoft YaHei" charset="-122"/>
               </a:rPr>
-              <a:t>Il Team</a:t>
+              <a:t>Aspetti legati alla qualità</a:t>
             </a:r>
           </a:p>
         </p:txBody>
@@ -4941,8 +7192,8 @@
         </p:nvSpPr>
         <p:spPr>
           <a:xfrm>
-            <a:off x="1172146" y="2912809"/>
-            <a:ext cx="9786240" cy="2923877"/>
+            <a:off x="2947639" y="2511362"/>
+            <a:ext cx="7286625" cy="3539430"/>
           </a:xfrm>
           <a:prstGeom prst="rect">
             <a:avLst/>
@@ -4954,100 +7205,64 @@
           </a:bodyPr>
           <a:lstStyle/>
           <a:p>
-            <a:pPr algn="ctr" defTabSz="609630">
+            <a:pPr marL="457200" indent="-457200" defTabSz="609630">
               <a:lnSpc>
                 <a:spcPct val="200000"/>
               </a:lnSpc>
+              <a:buClr>
+                <a:srgbClr val="FFD600"/>
+              </a:buClr>
+              <a:buFont typeface="Wingdings" panose="05000000000000000000" pitchFamily="2" charset="2"/>
+              <a:buChar char="v"/>
             </a:pPr>
             <a:r>
               <a:rPr lang="it-IT" sz="2800" dirty="0"/>
-              <a:t>Il team ha sempre lavorato al meglio</a:t>
+              <a:t>Facilmente estendibile</a:t>
             </a:r>
           </a:p>
           <a:p>
-            <a:pPr algn="ctr" defTabSz="609630">
+            <a:pPr marL="457200" indent="-457200" defTabSz="609630">
               <a:lnSpc>
                 <a:spcPct val="200000"/>
               </a:lnSpc>
+              <a:buClr>
+                <a:srgbClr val="FFD600"/>
+              </a:buClr>
+              <a:buFont typeface="Wingdings" panose="05000000000000000000" pitchFamily="2" charset="2"/>
+              <a:buChar char="v"/>
             </a:pPr>
             <a:r>
               <a:rPr lang="it-IT" sz="2800" dirty="0"/>
-              <a:t>Ha saputo </a:t>
+              <a:t>Esaustivamente documentato </a:t>
             </a:r>
-            <a:r>
-              <a:rPr lang="it-IT" sz="3200" b="1" dirty="0">
-                <a:ln w="12700">
-                  <a:solidFill>
-                    <a:schemeClr val="accent3">
-                      <a:lumMod val="50000"/>
-                    </a:schemeClr>
-                  </a:solidFill>
-                  <a:prstDash val="solid"/>
-                </a:ln>
-                <a:pattFill prst="narHorz">
-                  <a:fgClr>
-                    <a:schemeClr val="accent3"/>
-                  </a:fgClr>
-                  <a:bgClr>
-                    <a:schemeClr val="accent3">
-                      <a:lumMod val="40000"/>
-                      <a:lumOff val="60000"/>
-                    </a:schemeClr>
-                  </a:bgClr>
-                </a:pattFill>
-                <a:effectLst>
-                  <a:innerShdw blurRad="177800">
-                    <a:schemeClr val="accent3">
-                      <a:lumMod val="50000"/>
-                    </a:schemeClr>
-                  </a:innerShdw>
-                </a:effectLst>
-              </a:rPr>
-              <a:t>gestire gli imprevisti </a:t>
-            </a:r>
-            <a:endParaRPr lang="it-IT" sz="2800" dirty="0"/>
           </a:p>
           <a:p>
-            <a:pPr algn="ctr" defTabSz="609630">
+            <a:pPr marL="457200" indent="-457200" defTabSz="609630">
               <a:lnSpc>
                 <a:spcPct val="200000"/>
               </a:lnSpc>
+              <a:buClr>
+                <a:srgbClr val="FFD600"/>
+              </a:buClr>
+              <a:buFont typeface="Wingdings" panose="05000000000000000000" pitchFamily="2" charset="2"/>
+              <a:buChar char="v"/>
             </a:pPr>
             <a:r>
               <a:rPr lang="it-IT" sz="2800" dirty="0"/>
-              <a:t>Ha sempre rispettato le scadenze </a:t>
+              <a:t>Misure metriche soddisfacenti</a:t>
             </a:r>
-            <a:r>
-              <a:rPr lang="it-IT" sz="3200" b="1" dirty="0">
-                <a:ln w="12700">
-                  <a:solidFill>
-                    <a:schemeClr val="accent3">
-                      <a:lumMod val="50000"/>
-                    </a:schemeClr>
-                  </a:solidFill>
-                  <a:prstDash val="solid"/>
-                </a:ln>
-                <a:pattFill prst="narHorz">
-                  <a:fgClr>
-                    <a:schemeClr val="accent3"/>
-                  </a:fgClr>
-                  <a:bgClr>
-                    <a:schemeClr val="accent3">
-                      <a:lumMod val="40000"/>
-                      <a:lumOff val="60000"/>
-                    </a:schemeClr>
-                  </a:bgClr>
-                </a:pattFill>
-                <a:effectLst>
-                  <a:innerShdw blurRad="177800">
-                    <a:schemeClr val="accent3">
-                      <a:lumMod val="50000"/>
-                    </a:schemeClr>
-                  </a:innerShdw>
-                </a:effectLst>
-              </a:rPr>
-              <a:t>nei termini previsti</a:t>
-            </a:r>
+          </a:p>
+          <a:p>
+            <a:pPr marL="457200" indent="-457200" defTabSz="609630">
+              <a:lnSpc>
+                <a:spcPct val="200000"/>
+              </a:lnSpc>
+              <a:buClr>
+                <a:srgbClr val="FFD600"/>
+              </a:buClr>
+              <a:buFont typeface="Wingdings" panose="05000000000000000000" pitchFamily="2" charset="2"/>
+              <a:buChar char="v"/>
+            </a:pPr>
             <a:endParaRPr lang="it-IT" sz="2800" dirty="0"/>
           </a:p>
         </p:txBody>
@@ -5055,7 +7270,7 @@
     </p:spTree>
     <p:extLst>
       <p:ext uri="{BB962C8B-B14F-4D97-AF65-F5344CB8AC3E}">
-        <p14:creationId xmlns:p14="http://schemas.microsoft.com/office/powerpoint/2010/main" val="1302691341"/>
+        <p14:creationId xmlns:p14="http://schemas.microsoft.com/office/powerpoint/2010/main" val="2710537349"/>
       </p:ext>
     </p:extLst>
   </p:cSld>
@@ -5065,6 +7280,345 @@
   <p:transition spd="slow">
     <p:push dir="u"/>
   </p:transition>
+  <p:timing>
+    <p:tnLst>
+      <p:par>
+        <p:cTn id="1" dur="indefinite" restart="never" nodeType="tmRoot">
+          <p:childTnLst>
+            <p:seq concurrent="1" nextAc="seek">
+              <p:cTn id="2" dur="indefinite" nodeType="mainSeq">
+                <p:childTnLst>
+                  <p:par>
+                    <p:cTn id="3" fill="hold">
+                      <p:stCondLst>
+                        <p:cond delay="indefinite"/>
+                      </p:stCondLst>
+                      <p:childTnLst>
+                        <p:par>
+                          <p:cTn id="4" fill="hold">
+                            <p:stCondLst>
+                              <p:cond delay="0"/>
+                            </p:stCondLst>
+                            <p:childTnLst>
+                              <p:par>
+                                <p:cTn id="5" presetID="2" presetClass="entr" presetSubtype="4" fill="hold" nodeType="clickEffect">
+                                  <p:stCondLst>
+                                    <p:cond delay="0"/>
+                                  </p:stCondLst>
+                                  <p:childTnLst>
+                                    <p:set>
+                                      <p:cBhvr>
+                                        <p:cTn id="6" dur="1" fill="hold">
+                                          <p:stCondLst>
+                                            <p:cond delay="0"/>
+                                          </p:stCondLst>
+                                        </p:cTn>
+                                        <p:tgtEl>
+                                          <p:spTgt spid="3">
+                                            <p:txEl>
+                                              <p:pRg st="0" end="0"/>
+                                            </p:txEl>
+                                          </p:spTgt>
+                                        </p:tgtEl>
+                                        <p:attrNameLst>
+                                          <p:attrName>style.visibility</p:attrName>
+                                        </p:attrNameLst>
+                                      </p:cBhvr>
+                                      <p:to>
+                                        <p:strVal val="visible"/>
+                                      </p:to>
+                                    </p:set>
+                                    <p:anim calcmode="lin" valueType="num">
+                                      <p:cBhvr additive="base">
+                                        <p:cTn id="7" dur="500" fill="hold"/>
+                                        <p:tgtEl>
+                                          <p:spTgt spid="3">
+                                            <p:txEl>
+                                              <p:pRg st="0" end="0"/>
+                                            </p:txEl>
+                                          </p:spTgt>
+                                        </p:tgtEl>
+                                        <p:attrNameLst>
+                                          <p:attrName>ppt_x</p:attrName>
+                                        </p:attrNameLst>
+                                      </p:cBhvr>
+                                      <p:tavLst>
+                                        <p:tav tm="0">
+                                          <p:val>
+                                            <p:strVal val="#ppt_x"/>
+                                          </p:val>
+                                        </p:tav>
+                                        <p:tav tm="100000">
+                                          <p:val>
+                                            <p:strVal val="#ppt_x"/>
+                                          </p:val>
+                                        </p:tav>
+                                      </p:tavLst>
+                                    </p:anim>
+                                    <p:anim calcmode="lin" valueType="num">
+                                      <p:cBhvr additive="base">
+                                        <p:cTn id="8" dur="500" fill="hold"/>
+                                        <p:tgtEl>
+                                          <p:spTgt spid="3">
+                                            <p:txEl>
+                                              <p:pRg st="0" end="0"/>
+                                            </p:txEl>
+                                          </p:spTgt>
+                                        </p:tgtEl>
+                                        <p:attrNameLst>
+                                          <p:attrName>ppt_y</p:attrName>
+                                        </p:attrNameLst>
+                                      </p:cBhvr>
+                                      <p:tavLst>
+                                        <p:tav tm="0">
+                                          <p:val>
+                                            <p:strVal val="1+#ppt_h/2"/>
+                                          </p:val>
+                                        </p:tav>
+                                        <p:tav tm="100000">
+                                          <p:val>
+                                            <p:strVal val="#ppt_y"/>
+                                          </p:val>
+                                        </p:tav>
+                                      </p:tavLst>
+                                    </p:anim>
+                                  </p:childTnLst>
+                                </p:cTn>
+                              </p:par>
+                            </p:childTnLst>
+                          </p:cTn>
+                        </p:par>
+                      </p:childTnLst>
+                    </p:cTn>
+                  </p:par>
+                  <p:par>
+                    <p:cTn id="9" fill="hold">
+                      <p:stCondLst>
+                        <p:cond delay="indefinite"/>
+                      </p:stCondLst>
+                      <p:childTnLst>
+                        <p:par>
+                          <p:cTn id="10" fill="hold">
+                            <p:stCondLst>
+                              <p:cond delay="0"/>
+                            </p:stCondLst>
+                            <p:childTnLst>
+                              <p:par>
+                                <p:cTn id="11" presetID="2" presetClass="entr" presetSubtype="4" fill="hold" nodeType="clickEffect">
+                                  <p:stCondLst>
+                                    <p:cond delay="0"/>
+                                  </p:stCondLst>
+                                  <p:childTnLst>
+                                    <p:set>
+                                      <p:cBhvr>
+                                        <p:cTn id="12" dur="1" fill="hold">
+                                          <p:stCondLst>
+                                            <p:cond delay="0"/>
+                                          </p:stCondLst>
+                                        </p:cTn>
+                                        <p:tgtEl>
+                                          <p:spTgt spid="3">
+                                            <p:txEl>
+                                              <p:pRg st="1" end="1"/>
+                                            </p:txEl>
+                                          </p:spTgt>
+                                        </p:tgtEl>
+                                        <p:attrNameLst>
+                                          <p:attrName>style.visibility</p:attrName>
+                                        </p:attrNameLst>
+                                      </p:cBhvr>
+                                      <p:to>
+                                        <p:strVal val="visible"/>
+                                      </p:to>
+                                    </p:set>
+                                    <p:anim calcmode="lin" valueType="num">
+                                      <p:cBhvr additive="base">
+                                        <p:cTn id="13" dur="500" fill="hold"/>
+                                        <p:tgtEl>
+                                          <p:spTgt spid="3">
+                                            <p:txEl>
+                                              <p:pRg st="1" end="1"/>
+                                            </p:txEl>
+                                          </p:spTgt>
+                                        </p:tgtEl>
+                                        <p:attrNameLst>
+                                          <p:attrName>ppt_x</p:attrName>
+                                        </p:attrNameLst>
+                                      </p:cBhvr>
+                                      <p:tavLst>
+                                        <p:tav tm="0">
+                                          <p:val>
+                                            <p:strVal val="#ppt_x"/>
+                                          </p:val>
+                                        </p:tav>
+                                        <p:tav tm="100000">
+                                          <p:val>
+                                            <p:strVal val="#ppt_x"/>
+                                          </p:val>
+                                        </p:tav>
+                                      </p:tavLst>
+                                    </p:anim>
+                                    <p:anim calcmode="lin" valueType="num">
+                                      <p:cBhvr additive="base">
+                                        <p:cTn id="14" dur="500" fill="hold"/>
+                                        <p:tgtEl>
+                                          <p:spTgt spid="3">
+                                            <p:txEl>
+                                              <p:pRg st="1" end="1"/>
+                                            </p:txEl>
+                                          </p:spTgt>
+                                        </p:tgtEl>
+                                        <p:attrNameLst>
+                                          <p:attrName>ppt_y</p:attrName>
+                                        </p:attrNameLst>
+                                      </p:cBhvr>
+                                      <p:tavLst>
+                                        <p:tav tm="0">
+                                          <p:val>
+                                            <p:strVal val="1+#ppt_h/2"/>
+                                          </p:val>
+                                        </p:tav>
+                                        <p:tav tm="100000">
+                                          <p:val>
+                                            <p:strVal val="#ppt_y"/>
+                                          </p:val>
+                                        </p:tav>
+                                      </p:tavLst>
+                                    </p:anim>
+                                  </p:childTnLst>
+                                </p:cTn>
+                              </p:par>
+                            </p:childTnLst>
+                          </p:cTn>
+                        </p:par>
+                      </p:childTnLst>
+                    </p:cTn>
+                  </p:par>
+                  <p:par>
+                    <p:cTn id="15" fill="hold">
+                      <p:stCondLst>
+                        <p:cond delay="indefinite"/>
+                      </p:stCondLst>
+                      <p:childTnLst>
+                        <p:par>
+                          <p:cTn id="16" fill="hold">
+                            <p:stCondLst>
+                              <p:cond delay="0"/>
+                            </p:stCondLst>
+                            <p:childTnLst>
+                              <p:par>
+                                <p:cTn id="17" presetID="2" presetClass="entr" presetSubtype="4" fill="hold" nodeType="clickEffect">
+                                  <p:stCondLst>
+                                    <p:cond delay="0"/>
+                                  </p:stCondLst>
+                                  <p:childTnLst>
+                                    <p:set>
+                                      <p:cBhvr>
+                                        <p:cTn id="18" dur="1" fill="hold">
+                                          <p:stCondLst>
+                                            <p:cond delay="0"/>
+                                          </p:stCondLst>
+                                        </p:cTn>
+                                        <p:tgtEl>
+                                          <p:spTgt spid="3">
+                                            <p:txEl>
+                                              <p:pRg st="2" end="2"/>
+                                            </p:txEl>
+                                          </p:spTgt>
+                                        </p:tgtEl>
+                                        <p:attrNameLst>
+                                          <p:attrName>style.visibility</p:attrName>
+                                        </p:attrNameLst>
+                                      </p:cBhvr>
+                                      <p:to>
+                                        <p:strVal val="visible"/>
+                                      </p:to>
+                                    </p:set>
+                                    <p:anim calcmode="lin" valueType="num">
+                                      <p:cBhvr additive="base">
+                                        <p:cTn id="19" dur="500" fill="hold"/>
+                                        <p:tgtEl>
+                                          <p:spTgt spid="3">
+                                            <p:txEl>
+                                              <p:pRg st="2" end="2"/>
+                                            </p:txEl>
+                                          </p:spTgt>
+                                        </p:tgtEl>
+                                        <p:attrNameLst>
+                                          <p:attrName>ppt_x</p:attrName>
+                                        </p:attrNameLst>
+                                      </p:cBhvr>
+                                      <p:tavLst>
+                                        <p:tav tm="0">
+                                          <p:val>
+                                            <p:strVal val="#ppt_x"/>
+                                          </p:val>
+                                        </p:tav>
+                                        <p:tav tm="100000">
+                                          <p:val>
+                                            <p:strVal val="#ppt_x"/>
+                                          </p:val>
+                                        </p:tav>
+                                      </p:tavLst>
+                                    </p:anim>
+                                    <p:anim calcmode="lin" valueType="num">
+                                      <p:cBhvr additive="base">
+                                        <p:cTn id="20" dur="500" fill="hold"/>
+                                        <p:tgtEl>
+                                          <p:spTgt spid="3">
+                                            <p:txEl>
+                                              <p:pRg st="2" end="2"/>
+                                            </p:txEl>
+                                          </p:spTgt>
+                                        </p:tgtEl>
+                                        <p:attrNameLst>
+                                          <p:attrName>ppt_y</p:attrName>
+                                        </p:attrNameLst>
+                                      </p:cBhvr>
+                                      <p:tavLst>
+                                        <p:tav tm="0">
+                                          <p:val>
+                                            <p:strVal val="1+#ppt_h/2"/>
+                                          </p:val>
+                                        </p:tav>
+                                        <p:tav tm="100000">
+                                          <p:val>
+                                            <p:strVal val="#ppt_y"/>
+                                          </p:val>
+                                        </p:tav>
+                                      </p:tavLst>
+                                    </p:anim>
+                                  </p:childTnLst>
+                                </p:cTn>
+                              </p:par>
+                            </p:childTnLst>
+                          </p:cTn>
+                        </p:par>
+                      </p:childTnLst>
+                    </p:cTn>
+                  </p:par>
+                </p:childTnLst>
+              </p:cTn>
+              <p:prevCondLst>
+                <p:cond evt="onPrev" delay="0">
+                  <p:tgtEl>
+                    <p:sldTgt/>
+                  </p:tgtEl>
+                </p:cond>
+              </p:prevCondLst>
+              <p:nextCondLst>
+                <p:cond evt="onNext" delay="0">
+                  <p:tgtEl>
+                    <p:sldTgt/>
+                  </p:tgtEl>
+                </p:cond>
+              </p:nextCondLst>
+            </p:seq>
+          </p:childTnLst>
+        </p:cTn>
+      </p:par>
+    </p:tnLst>
+  </p:timing>
 </p:sld>
 </file>
 
@@ -5652,8 +8206,8 @@
         </p:nvSpPr>
         <p:spPr>
           <a:xfrm>
-            <a:off x="4142791" y="2382787"/>
-            <a:ext cx="7277877" cy="2677656"/>
+            <a:off x="4142791" y="1846556"/>
+            <a:ext cx="7277877" cy="3970318"/>
           </a:xfrm>
           <a:prstGeom prst="rect">
             <a:avLst/>
@@ -5714,7 +8268,7 @@
                 <a:ea typeface="Microsoft YaHei" charset="-122"/>
                 <a:cs typeface="Microsoft YaHei" charset="-122"/>
               </a:rPr>
-              <a:t>SonarQube</a:t>
+              <a:t>SonarCloud</a:t>
             </a:r>
             <a:endParaRPr lang="it-IT" sz="2800" dirty="0">
               <a:solidFill>
@@ -5759,7 +8313,7 @@
                 <a:ea typeface="Microsoft YaHei" charset="-122"/>
                 <a:cs typeface="Microsoft YaHei" charset="-122"/>
               </a:rPr>
-              <a:t>Lines </a:t>
+              <a:t>Line </a:t>
             </a:r>
             <a:r>
               <a:rPr lang="it-IT" sz="2800" dirty="0" err="1">
@@ -5770,7 +8324,7 @@
                 <a:ea typeface="Microsoft YaHei" charset="-122"/>
                 <a:cs typeface="Microsoft YaHei" charset="-122"/>
               </a:rPr>
-              <a:t>coverege</a:t>
+              <a:t>coverage</a:t>
             </a:r>
             <a:r>
               <a:rPr lang="it-IT" sz="2800" dirty="0">
@@ -5794,6 +8348,23 @@
               </a:rPr>
               <a:t>Speect</a:t>
             </a:r>
+            <a:endParaRPr lang="it-IT" sz="2800" dirty="0">
+              <a:solidFill>
+                <a:srgbClr val="515151"/>
+              </a:solidFill>
+              <a:latin typeface="Microsoft YaHei" charset="-122"/>
+              <a:ea typeface="Microsoft YaHei" charset="-122"/>
+              <a:cs typeface="Microsoft YaHei" charset="-122"/>
+            </a:endParaRPr>
+          </a:p>
+          <a:p>
+            <a:pPr marL="457200" indent="-457200">
+              <a:buClr>
+                <a:srgbClr val="FFDA00"/>
+              </a:buClr>
+              <a:buFont typeface="Wingdings" charset="2"/>
+              <a:buChar char="v"/>
+            </a:pPr>
             <a:endParaRPr lang="it-IT" sz="2800" b="1" dirty="0">
               <a:solidFill>
                 <a:srgbClr val="515151"/>
@@ -5802,6 +8373,26 @@
               <a:ea typeface="Microsoft YaHei" charset="-122"/>
               <a:cs typeface="Microsoft YaHei" charset="-122"/>
             </a:endParaRPr>
+          </a:p>
+          <a:p>
+            <a:pPr marL="457200" indent="-457200">
+              <a:buClr>
+                <a:srgbClr val="FFDA00"/>
+              </a:buClr>
+              <a:buFont typeface="Wingdings" charset="2"/>
+              <a:buChar char="v"/>
+            </a:pPr>
+            <a:r>
+              <a:rPr lang="it-IT" sz="2800" dirty="0">
+                <a:solidFill>
+                  <a:srgbClr val="515151"/>
+                </a:solidFill>
+                <a:latin typeface="Microsoft YaHei" charset="-122"/>
+                <a:ea typeface="Microsoft YaHei" charset="-122"/>
+                <a:cs typeface="Microsoft YaHei" charset="-122"/>
+              </a:rPr>
+              <a:t>Sono soddisfatti tutti i requisiti obbligatori</a:t>
+            </a:r>
           </a:p>
         </p:txBody>
       </p:sp>
@@ -5889,36 +8480,6 @@
           <a:xfrm>
             <a:off x="1542918" y="3831715"/>
             <a:ext cx="783339" cy="777085"/>
-          </a:xfrm>
-          <a:prstGeom prst="rect">
-            <a:avLst/>
-          </a:prstGeom>
-        </p:spPr>
-      </p:pic>
-      <p:pic>
-        <p:nvPicPr>
-          <p:cNvPr id="19" name="Immagine 18">
-            <a:extLst>
-              <a:ext uri="{FF2B5EF4-FFF2-40B4-BE49-F238E27FC236}">
-                <a16:creationId xmlns:a16="http://schemas.microsoft.com/office/drawing/2014/main" id="{BAA8B248-A8D8-49F8-95E8-331AB7F0EE48}"/>
-              </a:ext>
-            </a:extLst>
-          </p:cNvPr>
-          <p:cNvPicPr>
-            <a:picLocks noChangeAspect="1"/>
-          </p:cNvPicPr>
-          <p:nvPr/>
-        </p:nvPicPr>
-        <p:blipFill>
-          <a:blip r:embed="rId5"/>
-          <a:stretch>
-            <a:fillRect/>
-          </a:stretch>
-        </p:blipFill>
-        <p:spPr>
-          <a:xfrm>
-            <a:off x="1208931" y="5428129"/>
-            <a:ext cx="1530016" cy="1530016"/>
           </a:xfrm>
           <a:prstGeom prst="rect">
             <a:avLst/>
@@ -6172,8 +8733,8 @@
         </p:nvSpPr>
         <p:spPr>
           <a:xfrm rot="5400000">
-            <a:off x="2047366" y="5000688"/>
-            <a:ext cx="1808405" cy="469870"/>
+            <a:off x="1804374" y="4816424"/>
+            <a:ext cx="1700000" cy="469870"/>
           </a:xfrm>
           <a:prstGeom prst="uturnArrow">
             <a:avLst>
@@ -6210,6 +8771,84 @@
               <a:solidFill>
                 <a:schemeClr val="tx1"/>
               </a:solidFill>
+            </a:endParaRPr>
+          </a:p>
+        </p:txBody>
+      </p:sp>
+      <p:pic>
+        <p:nvPicPr>
+          <p:cNvPr id="11" name="Immagine 10">
+            <a:extLst>
+              <a:ext uri="{FF2B5EF4-FFF2-40B4-BE49-F238E27FC236}">
+                <a16:creationId xmlns:a16="http://schemas.microsoft.com/office/drawing/2014/main" id="{95D761E5-E99C-43CD-A29C-CC16696240C6}"/>
+              </a:ext>
+            </a:extLst>
+          </p:cNvPr>
+          <p:cNvPicPr>
+            <a:picLocks noChangeAspect="1"/>
+          </p:cNvPicPr>
+          <p:nvPr/>
+        </p:nvPicPr>
+        <p:blipFill>
+          <a:blip r:embed="rId5"/>
+          <a:stretch>
+            <a:fillRect/>
+          </a:stretch>
+        </p:blipFill>
+        <p:spPr>
+          <a:xfrm>
+            <a:off x="1511063" y="5282577"/>
+            <a:ext cx="908376" cy="908376"/>
+          </a:xfrm>
+          <a:prstGeom prst="rect">
+            <a:avLst/>
+          </a:prstGeom>
+        </p:spPr>
+      </p:pic>
+      <p:sp>
+        <p:nvSpPr>
+          <p:cNvPr id="23" name="CasellaDiTesto 22">
+            <a:extLst>
+              <a:ext uri="{FF2B5EF4-FFF2-40B4-BE49-F238E27FC236}">
+                <a16:creationId xmlns:a16="http://schemas.microsoft.com/office/drawing/2014/main" id="{4E1D6DB2-C086-4EDE-B359-A36B3691202F}"/>
+              </a:ext>
+            </a:extLst>
+          </p:cNvPr>
+          <p:cNvSpPr txBox="1"/>
+          <p:nvPr/>
+        </p:nvSpPr>
+        <p:spPr>
+          <a:xfrm>
+            <a:off x="1452001" y="6093859"/>
+            <a:ext cx="1043876" cy="276999"/>
+          </a:xfrm>
+          <a:prstGeom prst="rect">
+            <a:avLst/>
+          </a:prstGeom>
+          <a:noFill/>
+        </p:spPr>
+        <p:txBody>
+          <a:bodyPr wrap="none" rtlCol="0">
+            <a:spAutoFit/>
+          </a:bodyPr>
+          <a:lstStyle/>
+          <a:p>
+            <a:r>
+              <a:rPr lang="it-IT" sz="1200" dirty="0" err="1">
+                <a:solidFill>
+                  <a:srgbClr val="515151"/>
+                </a:solidFill>
+                <a:latin typeface="Microsoft YaHei" charset="-122"/>
+                <a:ea typeface="Microsoft YaHei" charset="-122"/>
+              </a:rPr>
+              <a:t>SonarCloud</a:t>
+            </a:r>
+            <a:endParaRPr lang="it-IT" sz="1200" dirty="0">
+              <a:solidFill>
+                <a:srgbClr val="515151"/>
+              </a:solidFill>
+              <a:latin typeface="Microsoft YaHei" charset="-122"/>
+              <a:ea typeface="Microsoft YaHei" charset="-122"/>
             </a:endParaRPr>
           </a:p>
         </p:txBody>
@@ -6441,6 +9080,109 @@
                       </p:childTnLst>
                     </p:cTn>
                   </p:par>
+                  <p:par>
+                    <p:cTn id="15" fill="hold">
+                      <p:stCondLst>
+                        <p:cond delay="indefinite"/>
+                      </p:stCondLst>
+                      <p:childTnLst>
+                        <p:par>
+                          <p:cTn id="16" fill="hold">
+                            <p:stCondLst>
+                              <p:cond delay="0"/>
+                            </p:stCondLst>
+                            <p:childTnLst>
+                              <p:par>
+                                <p:cTn id="17" presetID="2" presetClass="entr" presetSubtype="4" fill="hold" nodeType="clickEffect">
+                                  <p:stCondLst>
+                                    <p:cond delay="0"/>
+                                  </p:stCondLst>
+                                  <p:childTnLst>
+                                    <p:set>
+                                      <p:cBhvr>
+                                        <p:cTn id="18" dur="1" fill="hold">
+                                          <p:stCondLst>
+                                            <p:cond delay="0"/>
+                                          </p:stCondLst>
+                                        </p:cTn>
+                                        <p:tgtEl>
+                                          <p:spTgt spid="3">
+                                            <p:txEl>
+                                              <p:pRg st="4" end="4"/>
+                                            </p:txEl>
+                                          </p:spTgt>
+                                        </p:tgtEl>
+                                        <p:attrNameLst>
+                                          <p:attrName>style.visibility</p:attrName>
+                                        </p:attrNameLst>
+                                      </p:cBhvr>
+                                      <p:to>
+                                        <p:strVal val="visible"/>
+                                      </p:to>
+                                    </p:set>
+                                    <p:anim calcmode="lin" valueType="num">
+                                      <p:cBhvr additive="base">
+                                        <p:cTn id="19" dur="500" fill="hold"/>
+                                        <p:tgtEl>
+                                          <p:spTgt spid="3">
+                                            <p:txEl>
+                                              <p:pRg st="4" end="4"/>
+                                            </p:txEl>
+                                          </p:spTgt>
+                                        </p:tgtEl>
+                                        <p:attrNameLst>
+                                          <p:attrName>ppt_x</p:attrName>
+                                        </p:attrNameLst>
+                                      </p:cBhvr>
+                                      <p:tavLst>
+                                        <p:tav tm="0">
+                                          <p:val>
+                                            <p:strVal val="#ppt_x"/>
+                                          </p:val>
+                                        </p:tav>
+                                        <p:tav tm="100000">
+                                          <p:val>
+                                            <p:strVal val="#ppt_x"/>
+                                          </p:val>
+                                        </p:tav>
+                                      </p:tavLst>
+                                    </p:anim>
+                                    <p:anim calcmode="lin" valueType="num">
+                                      <p:cBhvr additive="base">
+                                        <p:cTn id="20" dur="500" fill="hold"/>
+                                        <p:tgtEl>
+                                          <p:spTgt spid="3">
+                                            <p:txEl>
+                                              <p:pRg st="4" end="4"/>
+                                            </p:txEl>
+                                          </p:spTgt>
+                                        </p:tgtEl>
+                                        <p:attrNameLst>
+                                          <p:attrName>ppt_y</p:attrName>
+                                        </p:attrNameLst>
+                                      </p:cBhvr>
+                                      <p:tavLst>
+                                        <p:tav tm="0">
+                                          <p:val>
+                                            <p:strVal val="1+#ppt_h/2"/>
+                                          </p:val>
+                                        </p:tav>
+                                        <p:tav tm="100000">
+                                          <p:val>
+                                            <p:strVal val="#ppt_y"/>
+                                          </p:val>
+                                        </p:tav>
+                                      </p:tavLst>
+                                    </p:anim>
+                                  </p:childTnLst>
+                                </p:cTn>
+                              </p:par>
+                            </p:childTnLst>
+                          </p:cTn>
+                        </p:par>
+                      </p:childTnLst>
+                    </p:cTn>
+                  </p:par>
                 </p:childTnLst>
               </p:cTn>
               <p:prevCondLst>
@@ -6562,14 +9304,14 @@
           <p:nvPr>
             <p:extLst>
               <p:ext uri="{D42A27DB-BD31-4B8C-83A1-F6EECF244321}">
-                <p14:modId xmlns:p14="http://schemas.microsoft.com/office/powerpoint/2010/main" val="2130019417"/>
+                <p14:modId xmlns:p14="http://schemas.microsoft.com/office/powerpoint/2010/main" val="1322691819"/>
               </p:ext>
             </p:extLst>
           </p:nvPr>
         </p:nvGraphicFramePr>
         <p:xfrm>
-          <a:off x="2024743" y="1399592"/>
-          <a:ext cx="8627423" cy="4591760"/>
+          <a:off x="3646449" y="1463294"/>
+          <a:ext cx="4538545" cy="4652466"/>
         </p:xfrm>
         <a:graphic>
           <a:graphicData uri="http://schemas.openxmlformats.org/drawingml/2006/chart">
@@ -6676,6 +9418,62 @@
           </a:p>
         </p:txBody>
       </p:sp>
+      <p:graphicFrame>
+        <p:nvGraphicFramePr>
+          <p:cNvPr id="7" name="Grafico 6">
+            <a:extLst>
+              <a:ext uri="{FF2B5EF4-FFF2-40B4-BE49-F238E27FC236}">
+                <a16:creationId xmlns:a16="http://schemas.microsoft.com/office/drawing/2014/main" id="{85A42BDE-B6F8-43EE-9DB4-2EDEA0A21F58}"/>
+              </a:ext>
+            </a:extLst>
+          </p:cNvPr>
+          <p:cNvGraphicFramePr/>
+          <p:nvPr>
+            <p:extLst>
+              <p:ext uri="{D42A27DB-BD31-4B8C-83A1-F6EECF244321}">
+                <p14:modId xmlns:p14="http://schemas.microsoft.com/office/powerpoint/2010/main" val="2356927097"/>
+              </p:ext>
+            </p:extLst>
+          </p:nvPr>
+        </p:nvGraphicFramePr>
+        <p:xfrm>
+          <a:off x="144811" y="1463293"/>
+          <a:ext cx="3844211" cy="4591760"/>
+        </p:xfrm>
+        <a:graphic>
+          <a:graphicData uri="http://schemas.openxmlformats.org/drawingml/2006/chart">
+            <c:chart xmlns:c="http://schemas.openxmlformats.org/drawingml/2006/chart" xmlns:r="http://schemas.openxmlformats.org/officeDocument/2006/relationships" r:id="rId3"/>
+          </a:graphicData>
+        </a:graphic>
+      </p:graphicFrame>
+      <p:graphicFrame>
+        <p:nvGraphicFramePr>
+          <p:cNvPr id="13" name="Grafico 12">
+            <a:extLst>
+              <a:ext uri="{FF2B5EF4-FFF2-40B4-BE49-F238E27FC236}">
+                <a16:creationId xmlns:a16="http://schemas.microsoft.com/office/drawing/2014/main" id="{3C7B1EA5-4A72-4778-A88C-0DC67F64B824}"/>
+              </a:ext>
+            </a:extLst>
+          </p:cNvPr>
+          <p:cNvGraphicFramePr/>
+          <p:nvPr>
+            <p:extLst>
+              <p:ext uri="{D42A27DB-BD31-4B8C-83A1-F6EECF244321}">
+                <p14:modId xmlns:p14="http://schemas.microsoft.com/office/powerpoint/2010/main" val="2631773011"/>
+              </p:ext>
+            </p:extLst>
+          </p:nvPr>
+        </p:nvGraphicFramePr>
+        <p:xfrm>
+          <a:off x="7755097" y="1463293"/>
+          <a:ext cx="3844211" cy="4591760"/>
+        </p:xfrm>
+        <a:graphic>
+          <a:graphicData uri="http://schemas.openxmlformats.org/drawingml/2006/chart">
+            <c:chart xmlns:c="http://schemas.openxmlformats.org/drawingml/2006/chart" xmlns:r="http://schemas.openxmlformats.org/officeDocument/2006/relationships" r:id="rId4"/>
+          </a:graphicData>
+        </a:graphic>
+      </p:graphicFrame>
     </p:spTree>
     <p:extLst>
       <p:ext uri="{BB962C8B-B14F-4D97-AF65-F5344CB8AC3E}">
@@ -6723,6 +9521,97 @@
                                           </p:stCondLst>
                                         </p:cTn>
                                         <p:tgtEl>
+                                          <p:spTgt spid="7"/>
+                                        </p:tgtEl>
+                                        <p:attrNameLst>
+                                          <p:attrName>style.visibility</p:attrName>
+                                        </p:attrNameLst>
+                                      </p:cBhvr>
+                                      <p:to>
+                                        <p:strVal val="visible"/>
+                                      </p:to>
+                                    </p:set>
+                                    <p:anim calcmode="lin" valueType="num">
+                                      <p:cBhvr additive="base">
+                                        <p:cTn id="7" dur="500" fill="hold"/>
+                                        <p:tgtEl>
+                                          <p:spTgt spid="7"/>
+                                        </p:tgtEl>
+                                        <p:attrNameLst>
+                                          <p:attrName>ppt_x</p:attrName>
+                                        </p:attrNameLst>
+                                      </p:cBhvr>
+                                      <p:tavLst>
+                                        <p:tav tm="0">
+                                          <p:val>
+                                            <p:strVal val="#ppt_x"/>
+                                          </p:val>
+                                        </p:tav>
+                                        <p:tav tm="100000">
+                                          <p:val>
+                                            <p:strVal val="#ppt_x"/>
+                                          </p:val>
+                                        </p:tav>
+                                      </p:tavLst>
+                                    </p:anim>
+                                    <p:anim calcmode="lin" valueType="num">
+                                      <p:cBhvr additive="base">
+                                        <p:cTn id="8" dur="500" fill="hold"/>
+                                        <p:tgtEl>
+                                          <p:spTgt spid="7"/>
+                                        </p:tgtEl>
+                                        <p:attrNameLst>
+                                          <p:attrName>ppt_y</p:attrName>
+                                        </p:attrNameLst>
+                                      </p:cBhvr>
+                                      <p:tavLst>
+                                        <p:tav tm="0">
+                                          <p:val>
+                                            <p:strVal val="1+#ppt_h/2"/>
+                                          </p:val>
+                                        </p:tav>
+                                        <p:tav tm="100000">
+                                          <p:val>
+                                            <p:strVal val="#ppt_y"/>
+                                          </p:val>
+                                        </p:tav>
+                                      </p:tavLst>
+                                    </p:anim>
+                                  </p:childTnLst>
+                                </p:cTn>
+                              </p:par>
+                            </p:childTnLst>
+                          </p:cTn>
+                        </p:par>
+                      </p:childTnLst>
+                    </p:cTn>
+                  </p:par>
+                  <p:par>
+                    <p:cTn id="9" fill="hold">
+                      <p:stCondLst>
+                        <p:cond delay="indefinite"/>
+                      </p:stCondLst>
+                      <p:childTnLst>
+                        <p:par>
+                          <p:cTn id="10" fill="hold">
+                            <p:stCondLst>
+                              <p:cond delay="0"/>
+                            </p:stCondLst>
+                            <p:childTnLst>
+                              <p:par>
+                                <p:cTn id="11" presetID="2" presetClass="entr" presetSubtype="4" fill="hold" grpId="0" nodeType="clickEffect">
+                                  <p:stCondLst>
+                                    <p:cond delay="0"/>
+                                  </p:stCondLst>
+                                  <p:childTnLst>
+                                    <p:set>
+                                      <p:cBhvr>
+                                        <p:cTn id="12" dur="1" fill="hold">
+                                          <p:stCondLst>
+                                            <p:cond delay="0"/>
+                                          </p:stCondLst>
+                                        </p:cTn>
+                                        <p:tgtEl>
                                           <p:spTgt spid="10"/>
                                         </p:tgtEl>
                                         <p:attrNameLst>
@@ -6735,7 +9624,7 @@
                                     </p:set>
                                     <p:anim calcmode="lin" valueType="num">
                                       <p:cBhvr additive="base">
-                                        <p:cTn id="7" dur="500" fill="hold"/>
+                                        <p:cTn id="13" dur="500" fill="hold"/>
                                         <p:tgtEl>
                                           <p:spTgt spid="10"/>
                                         </p:tgtEl>
@@ -6758,9 +9647,100 @@
                                     </p:anim>
                                     <p:anim calcmode="lin" valueType="num">
                                       <p:cBhvr additive="base">
-                                        <p:cTn id="8" dur="500" fill="hold"/>
+                                        <p:cTn id="14" dur="500" fill="hold"/>
                                         <p:tgtEl>
                                           <p:spTgt spid="10"/>
+                                        </p:tgtEl>
+                                        <p:attrNameLst>
+                                          <p:attrName>ppt_y</p:attrName>
+                                        </p:attrNameLst>
+                                      </p:cBhvr>
+                                      <p:tavLst>
+                                        <p:tav tm="0">
+                                          <p:val>
+                                            <p:strVal val="1+#ppt_h/2"/>
+                                          </p:val>
+                                        </p:tav>
+                                        <p:tav tm="100000">
+                                          <p:val>
+                                            <p:strVal val="#ppt_y"/>
+                                          </p:val>
+                                        </p:tav>
+                                      </p:tavLst>
+                                    </p:anim>
+                                  </p:childTnLst>
+                                </p:cTn>
+                              </p:par>
+                            </p:childTnLst>
+                          </p:cTn>
+                        </p:par>
+                      </p:childTnLst>
+                    </p:cTn>
+                  </p:par>
+                  <p:par>
+                    <p:cTn id="15" fill="hold">
+                      <p:stCondLst>
+                        <p:cond delay="indefinite"/>
+                      </p:stCondLst>
+                      <p:childTnLst>
+                        <p:par>
+                          <p:cTn id="16" fill="hold">
+                            <p:stCondLst>
+                              <p:cond delay="0"/>
+                            </p:stCondLst>
+                            <p:childTnLst>
+                              <p:par>
+                                <p:cTn id="17" presetID="2" presetClass="entr" presetSubtype="4" fill="hold" grpId="0" nodeType="clickEffect">
+                                  <p:stCondLst>
+                                    <p:cond delay="0"/>
+                                  </p:stCondLst>
+                                  <p:childTnLst>
+                                    <p:set>
+                                      <p:cBhvr>
+                                        <p:cTn id="18" dur="1" fill="hold">
+                                          <p:stCondLst>
+                                            <p:cond delay="0"/>
+                                          </p:stCondLst>
+                                        </p:cTn>
+                                        <p:tgtEl>
+                                          <p:spTgt spid="13"/>
+                                        </p:tgtEl>
+                                        <p:attrNameLst>
+                                          <p:attrName>style.visibility</p:attrName>
+                                        </p:attrNameLst>
+                                      </p:cBhvr>
+                                      <p:to>
+                                        <p:strVal val="visible"/>
+                                      </p:to>
+                                    </p:set>
+                                    <p:anim calcmode="lin" valueType="num">
+                                      <p:cBhvr additive="base">
+                                        <p:cTn id="19" dur="500" fill="hold"/>
+                                        <p:tgtEl>
+                                          <p:spTgt spid="13"/>
+                                        </p:tgtEl>
+                                        <p:attrNameLst>
+                                          <p:attrName>ppt_x</p:attrName>
+                                        </p:attrNameLst>
+                                      </p:cBhvr>
+                                      <p:tavLst>
+                                        <p:tav tm="0">
+                                          <p:val>
+                                            <p:strVal val="#ppt_x"/>
+                                          </p:val>
+                                        </p:tav>
+                                        <p:tav tm="100000">
+                                          <p:val>
+                                            <p:strVal val="#ppt_x"/>
+                                          </p:val>
+                                        </p:tav>
+                                      </p:tavLst>
+                                    </p:anim>
+                                    <p:anim calcmode="lin" valueType="num">
+                                      <p:cBhvr additive="base">
+                                        <p:cTn id="20" dur="500" fill="hold"/>
+                                        <p:tgtEl>
+                                          <p:spTgt spid="13"/>
                                         </p:tgtEl>
                                         <p:attrNameLst>
                                           <p:attrName>ppt_y</p:attrName>
@@ -6811,6 +9791,12 @@
     </p:tnLst>
     <p:bldLst>
       <p:bldGraphic spid="10" grpId="0">
+        <p:bldAsOne/>
+      </p:bldGraphic>
+      <p:bldGraphic spid="7" grpId="0">
+        <p:bldAsOne/>
+      </p:bldGraphic>
+      <p:bldGraphic spid="13" grpId="0">
         <p:bldAsOne/>
       </p:bldGraphic>
     </p:bldLst>
@@ -14933,32 +17919,8 @@
                 </a:solidFill>
                 <a:ea typeface="微软雅黑" charset="0"/>
               </a:rPr>
-              <a:t>Caratteristiche più significative</a:t>
+              <a:t>Funzionalità salienti</a:t>
             </a:r>
-          </a:p>
-          <a:p>
-            <a:pPr marL="800089" lvl="1" indent="-342900" defTabSz="609630">
-              <a:lnSpc>
-                <a:spcPct val="110000"/>
-              </a:lnSpc>
-              <a:buFontTx/>
-              <a:buChar char="-"/>
-            </a:pPr>
-            <a:r>
-              <a:rPr kumimoji="1" lang="it-IT" altLang="zh-CN" sz="2400" dirty="0" err="1">
-                <a:solidFill>
-                  <a:srgbClr val="1E2327"/>
-                </a:solidFill>
-                <a:ea typeface="微软雅黑" charset="0"/>
-              </a:rPr>
-              <a:t>Vanatggi</a:t>
-            </a:r>
-            <a:endParaRPr kumimoji="1" lang="it-IT" altLang="zh-CN" sz="2400" dirty="0">
-              <a:solidFill>
-                <a:srgbClr val="1E2327"/>
-              </a:solidFill>
-              <a:ea typeface="微软雅黑" charset="0"/>
-            </a:endParaRPr>
           </a:p>
           <a:p>
             <a:pPr marL="800089" lvl="1" indent="-342900" defTabSz="609630">
@@ -14975,7 +17937,25 @@
                 </a:solidFill>
                 <a:ea typeface="微软雅黑" charset="0"/>
               </a:rPr>
-              <a:t>Il team</a:t>
+              <a:t>Vantaggi</a:t>
+            </a:r>
+          </a:p>
+          <a:p>
+            <a:pPr marL="800089" lvl="1" indent="-342900" defTabSz="609630">
+              <a:lnSpc>
+                <a:spcPct val="110000"/>
+              </a:lnSpc>
+              <a:buFontTx/>
+              <a:buChar char="-"/>
+            </a:pPr>
+            <a:r>
+              <a:rPr kumimoji="1" lang="it-IT" altLang="zh-CN" sz="2400" dirty="0">
+                <a:solidFill>
+                  <a:srgbClr val="1E2327"/>
+                </a:solidFill>
+                <a:ea typeface="微软雅黑" charset="0"/>
+              </a:rPr>
+              <a:t>Aspetti legati alla qualità</a:t>
             </a:r>
           </a:p>
         </p:txBody>
@@ -15381,15 +18361,7 @@
             <a:pPr defTabSz="609630"/>
             <a:r>
               <a:rPr lang="it-IT" sz="2800" dirty="0"/>
-              <a:t>Libreria </a:t>
-            </a:r>
-            <a:r>
-              <a:rPr lang="it-IT" sz="2800" dirty="0" err="1"/>
-              <a:t>opensource</a:t>
-            </a:r>
-            <a:r>
-              <a:rPr lang="it-IT" sz="2800" dirty="0"/>
-              <a:t> per lo sviluppo di un sistema di sintesi vocale multilingua</a:t>
+              <a:t>Libreria open source per lo sviluppo di un sistema di sintesi vocale multilingua</a:t>
             </a:r>
           </a:p>
         </p:txBody>
@@ -15423,11 +18395,11 @@
           <a:p>
             <a:r>
               <a:rPr lang="it-IT" sz="2800" dirty="0"/>
-              <a:t>Sistema scritto in C</a:t>
+              <a:t>Sistema scritto in C,</a:t>
             </a:r>
             <a:r>
-              <a:rPr lang="zh-CN" altLang="en-US" sz="2800" dirty="0"/>
-              <a:t>， </a:t>
+              <a:rPr lang="zh-CN" altLang="it-IT" sz="2800" dirty="0"/>
+              <a:t> </a:t>
             </a:r>
             <a:r>
               <a:rPr lang="it-IT" sz="2800" dirty="0"/>
@@ -15465,21 +18437,8 @@
           <a:p>
             <a:r>
               <a:rPr lang="it-IT" sz="2800" dirty="0"/>
-              <a:t>Sviluppata in Sud Africa, presso il CSIR </a:t>
+              <a:t>Pensata per essere facilmente estendibile</a:t>
             </a:r>
-            <a:r>
-              <a:rPr lang="it-IT" sz="2800" dirty="0" err="1"/>
-              <a:t>Meraka</a:t>
-            </a:r>
-            <a:r>
-              <a:rPr lang="it-IT" sz="2800" dirty="0"/>
-              <a:t> </a:t>
-            </a:r>
-            <a:r>
-              <a:rPr lang="it-IT" sz="2800" dirty="0" err="1"/>
-              <a:t>Institute</a:t>
-            </a:r>
-            <a:endParaRPr lang="it-IT" sz="2800" dirty="0"/>
           </a:p>
         </p:txBody>
       </p:sp>
@@ -16344,8 +19303,8 @@
         </p:nvSpPr>
         <p:spPr>
           <a:xfrm>
-            <a:off x="2728124" y="1699669"/>
-            <a:ext cx="8479226" cy="2394502"/>
+            <a:off x="2728124" y="1428825"/>
+            <a:ext cx="8479226" cy="2936188"/>
           </a:xfrm>
           <a:prstGeom prst="rect">
             <a:avLst/>
@@ -16398,10 +19357,17 @@
                 </a:solidFill>
                 <a:latin typeface="Microsoft YaHei" panose="020B0503020204020204" pitchFamily="34" charset="-122"/>
                 <a:ea typeface="Microsoft YaHei" panose="020B0503020204020204" pitchFamily="34" charset="-122"/>
-                <a:cs typeface="Microsoft YaHei" charset="-122"/>
               </a:rPr>
-              <a:t>caratteristiche più significative</a:t>
+              <a:t>funzionalità salienti</a:t>
             </a:r>
+            <a:endParaRPr kumimoji="1" lang="it-IT" altLang="zh-CN" sz="3200" b="1" i="1" dirty="0">
+              <a:solidFill>
+                <a:schemeClr val="bg1"/>
+              </a:solidFill>
+              <a:latin typeface="Microsoft YaHei" panose="020B0503020204020204" pitchFamily="34" charset="-122"/>
+              <a:ea typeface="Microsoft YaHei" panose="020B0503020204020204" pitchFamily="34" charset="-122"/>
+              <a:cs typeface="Microsoft YaHei" charset="-122"/>
+            </a:endParaRPr>
           </a:p>
           <a:p>
             <a:pPr marL="457200" indent="-457200" defTabSz="609630">
@@ -16432,27 +19398,32 @@
               <a:buChar char="ü"/>
             </a:pPr>
             <a:r>
-              <a:rPr kumimoji="1" lang="it-IT" altLang="zh-CN" sz="3200" b="1" i="1" dirty="0" err="1">
-                <a:solidFill>
-                  <a:schemeClr val="bg1"/>
-                </a:solidFill>
-                <a:latin typeface="Microsoft YaHei" charset="-122"/>
-                <a:ea typeface="Microsoft YaHei" charset="-122"/>
-                <a:cs typeface="Microsoft YaHei" charset="-122"/>
-              </a:rPr>
-              <a:t>iI</a:t>
-            </a:r>
-            <a:r>
               <a:rPr kumimoji="1" lang="it-IT" altLang="zh-CN" sz="3200" b="1" i="1" dirty="0">
                 <a:solidFill>
                   <a:schemeClr val="bg1"/>
                 </a:solidFill>
                 <a:latin typeface="Microsoft YaHei" charset="-122"/>
                 <a:ea typeface="Microsoft YaHei" charset="-122"/>
-                <a:cs typeface="Microsoft YaHei" charset="-122"/>
               </a:rPr>
-              <a:t> team</a:t>
+              <a:t>aspetti legati alla qualità</a:t>
             </a:r>
+          </a:p>
+          <a:p>
+            <a:pPr marL="457200" indent="-457200" defTabSz="609630">
+              <a:lnSpc>
+                <a:spcPct val="110000"/>
+              </a:lnSpc>
+              <a:buFont typeface="Wingdings" charset="2"/>
+              <a:buChar char="ü"/>
+            </a:pPr>
+            <a:endParaRPr kumimoji="1" lang="it-IT" altLang="zh-CN" sz="3200" b="1" i="1" dirty="0">
+              <a:solidFill>
+                <a:schemeClr val="bg1"/>
+              </a:solidFill>
+              <a:latin typeface="Microsoft YaHei" charset="-122"/>
+              <a:ea typeface="Microsoft YaHei" charset="-122"/>
+              <a:cs typeface="Microsoft YaHei" charset="-122"/>
+            </a:endParaRPr>
           </a:p>
         </p:txBody>
       </p:sp>
@@ -17814,7 +20785,7 @@
         </p:nvSpPr>
         <p:spPr>
           <a:xfrm>
-            <a:off x="3097764" y="1437262"/>
+            <a:off x="3097764" y="1194666"/>
             <a:ext cx="5170516" cy="632045"/>
           </a:xfrm>
           <a:prstGeom prst="homePlate">
@@ -17877,7 +20848,7 @@
         </p:nvSpPr>
         <p:spPr>
           <a:xfrm>
-            <a:off x="3097764" y="1505930"/>
+            <a:off x="3097764" y="1263334"/>
             <a:ext cx="5170516" cy="461665"/>
           </a:xfrm>
           <a:prstGeom prst="rect">
@@ -17892,7 +20863,7 @@
           <a:p>
             <a:pPr algn="ctr" defTabSz="609630"/>
             <a:r>
-              <a:rPr lang="it-IT" sz="2400" dirty="0">
+              <a:rPr lang="it-IT" altLang="zh-CN" sz="2400" dirty="0">
                 <a:solidFill>
                   <a:schemeClr val="accent4">
                     <a:lumMod val="75000"/>
@@ -17900,10 +20871,19 @@
                 </a:solidFill>
                 <a:latin typeface="Microsoft YaHei" charset="-122"/>
                 <a:ea typeface="Microsoft YaHei" charset="-122"/>
-                <a:cs typeface="Microsoft YaHei" charset="-122"/>
               </a:rPr>
-              <a:t>Caratteristiche più significative</a:t>
+              <a:t>Funzionalità salienti</a:t>
             </a:r>
+            <a:endParaRPr lang="it-IT" sz="2400" dirty="0">
+              <a:solidFill>
+                <a:schemeClr val="accent4">
+                  <a:lumMod val="75000"/>
+                </a:schemeClr>
+              </a:solidFill>
+              <a:latin typeface="Microsoft YaHei" charset="-122"/>
+              <a:ea typeface="Microsoft YaHei" charset="-122"/>
+              <a:cs typeface="Microsoft YaHei" charset="-122"/>
+            </a:endParaRPr>
           </a:p>
         </p:txBody>
       </p:sp>
@@ -17951,8 +20931,8 @@
         </p:nvSpPr>
         <p:spPr>
           <a:xfrm>
-            <a:off x="1003083" y="2332523"/>
-            <a:ext cx="10124365" cy="3667351"/>
+            <a:off x="1003083" y="1959297"/>
+            <a:ext cx="10124365" cy="4524315"/>
           </a:xfrm>
           <a:prstGeom prst="rect">
             <a:avLst/>
@@ -17976,7 +20956,7 @@
             </a:pPr>
             <a:r>
               <a:rPr lang="it-IT" sz="2400" dirty="0"/>
-              <a:t>Rappresentazione mediante </a:t>
+              <a:t>Rappresentazione delle componenti di analisi linguistica mediante </a:t>
             </a:r>
             <a:r>
               <a:rPr lang="it-IT" sz="2400" dirty="0" err="1"/>
@@ -18329,7 +21309,7 @@
             </a:pPr>
             <a:r>
               <a:rPr lang="it-IT" sz="2400" i="1" dirty="0" err="1"/>
-              <a:t>speect</a:t>
+              <a:t>Speect</a:t>
             </a:r>
             <a:r>
               <a:rPr lang="it-IT" sz="2400" dirty="0"/>
@@ -18337,11 +21317,11 @@
             </a:r>
             <a:r>
               <a:rPr lang="it-IT" sz="2400" i="1" dirty="0"/>
-              <a:t>plug</a:t>
+              <a:t>plug-</a:t>
             </a:r>
             <a:r>
               <a:rPr lang="it-IT" sz="2400" dirty="0"/>
-              <a:t> in è più </a:t>
+              <a:t>in è più </a:t>
             </a:r>
             <a:r>
               <a:rPr lang="it-IT" sz="3200" b="1" dirty="0">

--- a/Presentazioni/Presentazioni RA/Presentazione RA.pptx
+++ b/Presentazioni/Presentazioni RA/Presentazione RA.pptx
@@ -685,7 +685,6 @@
     </c:legend>
     <c:plotVisOnly val="1"/>
     <c:dispBlanksAs val="gap"/>
-    <c:showDLblsOverMax val="0"/>
     <c:extLst>
       <c:ext xmlns:c16r3="http://schemas.microsoft.com/office/drawing/2017/03/chart" uri="{56B9EC1D-385E-4148-901F-78D8002777C0}">
         <c16r3:dataDisplayOptions16>
@@ -693,6 +692,7 @@
         </c16r3:dataDisplayOptions16>
       </c:ext>
     </c:extLst>
+    <c:showDLblsOverMax val="0"/>
   </c:chart>
   <c:spPr>
     <a:noFill/>
@@ -1308,7 +1308,6 @@
     </c:legend>
     <c:plotVisOnly val="1"/>
     <c:dispBlanksAs val="gap"/>
-    <c:showDLblsOverMax val="0"/>
     <c:extLst>
       <c:ext xmlns:c16r3="http://schemas.microsoft.com/office/drawing/2017/03/chart" uri="{56B9EC1D-385E-4148-901F-78D8002777C0}">
         <c16r3:dataDisplayOptions16>
@@ -1316,6 +1315,7 @@
         </c16r3:dataDisplayOptions16>
       </c:ext>
     </c:extLst>
+    <c:showDLblsOverMax val="0"/>
   </c:chart>
   <c:spPr>
     <a:noFill/>
@@ -1874,7 +1874,6 @@
     </c:legend>
     <c:plotVisOnly val="1"/>
     <c:dispBlanksAs val="gap"/>
-    <c:showDLblsOverMax val="0"/>
     <c:extLst>
       <c:ext xmlns:c16r3="http://schemas.microsoft.com/office/drawing/2017/03/chart" uri="{56B9EC1D-385E-4148-901F-78D8002777C0}">
         <c16r3:dataDisplayOptions16>
@@ -1882,6 +1881,7 @@
         </c16r3:dataDisplayOptions16>
       </c:ext>
     </c:extLst>
+    <c:showDLblsOverMax val="0"/>
   </c:chart>
   <c:spPr>
     <a:noFill/>
@@ -3947,6 +3947,489 @@
 </p:notes>
 </file>
 
+<file path=ppt/notesSlides/notesSlide2.xml><?xml version="1.0" encoding="utf-8"?>
+<p:notes xmlns:a="http://schemas.openxmlformats.org/drawingml/2006/main" xmlns:r="http://schemas.openxmlformats.org/officeDocument/2006/relationships" xmlns:p="http://schemas.openxmlformats.org/presentationml/2006/main">
+  <p:cSld>
+    <p:spTree>
+      <p:nvGrpSpPr>
+        <p:cNvPr id="1" name=""/>
+        <p:cNvGrpSpPr/>
+        <p:nvPr/>
+      </p:nvGrpSpPr>
+      <p:grpSpPr>
+        <a:xfrm>
+          <a:off x="0" y="0"/>
+          <a:ext cx="0" cy="0"/>
+          <a:chOff x="0" y="0"/>
+          <a:chExt cx="0" cy="0"/>
+        </a:xfrm>
+      </p:grpSpPr>
+      <p:sp>
+        <p:nvSpPr>
+          <p:cNvPr id="2" name="Segnaposto immagine diapositiva 1"/>
+          <p:cNvSpPr>
+            <a:spLocks noGrp="1" noRot="1" noChangeAspect="1"/>
+          </p:cNvSpPr>
+          <p:nvPr>
+            <p:ph type="sldImg"/>
+          </p:nvPr>
+        </p:nvSpPr>
+        <p:spPr/>
+      </p:sp>
+      <p:sp>
+        <p:nvSpPr>
+          <p:cNvPr id="3" name="Segnaposto note 2"/>
+          <p:cNvSpPr>
+            <a:spLocks noGrp="1"/>
+          </p:cNvSpPr>
+          <p:nvPr>
+            <p:ph type="body" idx="1"/>
+          </p:nvPr>
+        </p:nvSpPr>
+        <p:spPr/>
+        <p:txBody>
+          <a:bodyPr/>
+          <a:lstStyle/>
+          <a:p>
+            <a:r>
+              <a:rPr lang="it-IT" sz="1200" b="0" i="0" kern="1200" dirty="0">
+                <a:solidFill>
+                  <a:schemeClr val="tx1"/>
+                </a:solidFill>
+                <a:effectLst/>
+                <a:latin typeface="+mn-lt"/>
+                <a:ea typeface="+mn-ea"/>
+                <a:cs typeface="+mn-cs"/>
+              </a:rPr>
+              <a:t>Sistemi di TTS o di STT sono tecnologie trasversali a molti trend emergenti: si pensi per esempio alle interfacce conversazionali o agli assistenti virtuali. </a:t>
+            </a:r>
+            <a:r>
+              <a:rPr lang="it-IT" sz="1200" b="0" i="0" kern="1200" dirty="0" err="1">
+                <a:solidFill>
+                  <a:schemeClr val="tx1"/>
+                </a:solidFill>
+                <a:effectLst/>
+                <a:latin typeface="+mn-lt"/>
+                <a:ea typeface="+mn-ea"/>
+                <a:cs typeface="+mn-cs"/>
+              </a:rPr>
+              <a:t>Speect</a:t>
+            </a:r>
+            <a:r>
+              <a:rPr lang="it-IT" sz="1200" b="0" i="0" kern="1200" dirty="0">
+                <a:solidFill>
+                  <a:schemeClr val="tx1"/>
+                </a:solidFill>
+                <a:effectLst/>
+                <a:latin typeface="+mn-lt"/>
+                <a:ea typeface="+mn-ea"/>
+                <a:cs typeface="+mn-cs"/>
+              </a:rPr>
+              <a:t> è una libreria TTS molto potente, sviluppata in conformità con gli standard ISO e orientata alla portabilità, che permette di realizzare complessi applicativi con gli scopi più svariati, dal business all'accessibilità. Un progetto interessante che sfrutta </a:t>
+            </a:r>
+            <a:r>
+              <a:rPr lang="it-IT" sz="1200" b="0" i="0" kern="1200" dirty="0" err="1">
+                <a:solidFill>
+                  <a:schemeClr val="tx1"/>
+                </a:solidFill>
+                <a:effectLst/>
+                <a:latin typeface="+mn-lt"/>
+                <a:ea typeface="+mn-ea"/>
+                <a:cs typeface="+mn-cs"/>
+              </a:rPr>
+              <a:t>Speect</a:t>
+            </a:r>
+            <a:r>
+              <a:rPr lang="it-IT" sz="1200" b="0" i="0" kern="1200" dirty="0">
+                <a:solidFill>
+                  <a:schemeClr val="tx1"/>
+                </a:solidFill>
+                <a:effectLst/>
+                <a:latin typeface="+mn-lt"/>
+                <a:ea typeface="+mn-ea"/>
+                <a:cs typeface="+mn-cs"/>
+              </a:rPr>
+              <a:t> in ambito sanitario, è ad esempio quello realizzato da </a:t>
+            </a:r>
+            <a:r>
+              <a:rPr lang="it-IT" sz="1200" b="0" i="0" kern="1200" dirty="0" err="1">
+                <a:solidFill>
+                  <a:schemeClr val="tx1"/>
+                </a:solidFill>
+                <a:effectLst/>
+                <a:latin typeface="+mn-lt"/>
+                <a:ea typeface="+mn-ea"/>
+                <a:cs typeface="+mn-cs"/>
+              </a:rPr>
+              <a:t>Mivoq</a:t>
+            </a:r>
+            <a:r>
+              <a:rPr lang="it-IT" sz="1200" b="0" i="0" kern="1200" dirty="0">
+                <a:solidFill>
+                  <a:schemeClr val="tx1"/>
+                </a:solidFill>
+                <a:effectLst/>
+                <a:latin typeface="+mn-lt"/>
+                <a:ea typeface="+mn-ea"/>
+                <a:cs typeface="+mn-cs"/>
+              </a:rPr>
+              <a:t> per garantire la digitalizzazione della propria voce a chi dovesse essere in procinto di perderla. </a:t>
+            </a:r>
+            <a:br>
+              <a:rPr lang="it-IT" dirty="0"/>
+            </a:br>
+            <a:endParaRPr lang="it-IT" dirty="0"/>
+          </a:p>
+        </p:txBody>
+      </p:sp>
+      <p:sp>
+        <p:nvSpPr>
+          <p:cNvPr id="4" name="Segnaposto numero diapositiva 3"/>
+          <p:cNvSpPr>
+            <a:spLocks noGrp="1"/>
+          </p:cNvSpPr>
+          <p:nvPr>
+            <p:ph type="sldNum" sz="quarter" idx="10"/>
+          </p:nvPr>
+        </p:nvSpPr>
+        <p:spPr/>
+        <p:txBody>
+          <a:bodyPr/>
+          <a:lstStyle/>
+          <a:p>
+            <a:fld id="{09D9AE65-DFD0-A040-A241-C8B096E5371C}" type="slidenum">
+              <a:rPr lang="it-IT" smtClean="0"/>
+              <a:t>4</a:t>
+            </a:fld>
+            <a:endParaRPr lang="it-IT"/>
+          </a:p>
+        </p:txBody>
+      </p:sp>
+    </p:spTree>
+    <p:extLst>
+      <p:ext uri="{BB962C8B-B14F-4D97-AF65-F5344CB8AC3E}">
+        <p14:creationId xmlns:p14="http://schemas.microsoft.com/office/powerpoint/2010/main" val="2080352797"/>
+      </p:ext>
+    </p:extLst>
+  </p:cSld>
+  <p:clrMapOvr>
+    <a:masterClrMapping/>
+  </p:clrMapOvr>
+</p:notes>
+</file>
+
+<file path=ppt/notesSlides/notesSlide3.xml><?xml version="1.0" encoding="utf-8"?>
+<p:notes xmlns:a="http://schemas.openxmlformats.org/drawingml/2006/main" xmlns:r="http://schemas.openxmlformats.org/officeDocument/2006/relationships" xmlns:p="http://schemas.openxmlformats.org/presentationml/2006/main">
+  <p:cSld>
+    <p:spTree>
+      <p:nvGrpSpPr>
+        <p:cNvPr id="1" name=""/>
+        <p:cNvGrpSpPr/>
+        <p:nvPr/>
+      </p:nvGrpSpPr>
+      <p:grpSpPr>
+        <a:xfrm>
+          <a:off x="0" y="0"/>
+          <a:ext cx="0" cy="0"/>
+          <a:chOff x="0" y="0"/>
+          <a:chExt cx="0" cy="0"/>
+        </a:xfrm>
+      </p:grpSpPr>
+      <p:sp>
+        <p:nvSpPr>
+          <p:cNvPr id="2" name="Segnaposto immagine diapositiva 1"/>
+          <p:cNvSpPr>
+            <a:spLocks noGrp="1" noRot="1" noChangeAspect="1"/>
+          </p:cNvSpPr>
+          <p:nvPr>
+            <p:ph type="sldImg"/>
+          </p:nvPr>
+        </p:nvSpPr>
+        <p:spPr/>
+      </p:sp>
+      <p:sp>
+        <p:nvSpPr>
+          <p:cNvPr id="3" name="Segnaposto note 2"/>
+          <p:cNvSpPr>
+            <a:spLocks noGrp="1"/>
+          </p:cNvSpPr>
+          <p:nvPr>
+            <p:ph type="body" idx="1"/>
+          </p:nvPr>
+        </p:nvSpPr>
+        <p:spPr/>
+        <p:txBody>
+          <a:bodyPr/>
+          <a:lstStyle/>
+          <a:p>
+            <a:r>
+              <a:rPr lang="it-IT" sz="1200" b="0" i="0" kern="1200" dirty="0" err="1">
+                <a:solidFill>
+                  <a:schemeClr val="tx1"/>
+                </a:solidFill>
+                <a:effectLst/>
+                <a:latin typeface="+mn-lt"/>
+                <a:ea typeface="+mn-ea"/>
+                <a:cs typeface="+mn-cs"/>
+              </a:rPr>
+              <a:t>Speect</a:t>
+            </a:r>
+            <a:r>
+              <a:rPr lang="it-IT" sz="1200" b="0" i="0" kern="1200" dirty="0">
+                <a:solidFill>
+                  <a:schemeClr val="tx1"/>
+                </a:solidFill>
+                <a:effectLst/>
+                <a:latin typeface="+mn-lt"/>
+                <a:ea typeface="+mn-ea"/>
+                <a:cs typeface="+mn-cs"/>
+              </a:rPr>
+              <a:t>, tuttavia, è un software piuttosto datato e privo di qualsivoglia interfaccia grafica o strumento di debug. Da qui la richiesta della Proponente di realizzare </a:t>
+            </a:r>
+            <a:r>
+              <a:rPr lang="it-IT" sz="1200" b="0" i="0" kern="1200" dirty="0" err="1">
+                <a:solidFill>
+                  <a:schemeClr val="tx1"/>
+                </a:solidFill>
+                <a:effectLst/>
+                <a:latin typeface="+mn-lt"/>
+                <a:ea typeface="+mn-ea"/>
+                <a:cs typeface="+mn-cs"/>
+              </a:rPr>
+              <a:t>DeSpeect</a:t>
+            </a:r>
+            <a:r>
+              <a:rPr lang="it-IT" sz="1200" b="0" i="0" kern="1200" dirty="0">
+                <a:solidFill>
+                  <a:schemeClr val="tx1"/>
+                </a:solidFill>
+                <a:effectLst/>
+                <a:latin typeface="+mn-lt"/>
+                <a:ea typeface="+mn-ea"/>
+                <a:cs typeface="+mn-cs"/>
+              </a:rPr>
+              <a:t>, un applicativo che agevoli l'ispezione dello stato interno di </a:t>
+            </a:r>
+            <a:r>
+              <a:rPr lang="it-IT" sz="1200" b="0" i="0" kern="1200" dirty="0" err="1">
+                <a:solidFill>
+                  <a:schemeClr val="tx1"/>
+                </a:solidFill>
+                <a:effectLst/>
+                <a:latin typeface="+mn-lt"/>
+                <a:ea typeface="+mn-ea"/>
+                <a:cs typeface="+mn-cs"/>
+              </a:rPr>
+              <a:t>Speect</a:t>
+            </a:r>
+            <a:r>
+              <a:rPr lang="it-IT" sz="1200" b="0" i="0" kern="1200" dirty="0">
+                <a:solidFill>
+                  <a:schemeClr val="tx1"/>
+                </a:solidFill>
+                <a:effectLst/>
+                <a:latin typeface="+mn-lt"/>
+                <a:ea typeface="+mn-ea"/>
+                <a:cs typeface="+mn-cs"/>
+              </a:rPr>
+              <a:t> durante la sua esecuzione e che visualizzi i risultati delle componenti di analisi linguistica.</a:t>
+            </a:r>
+            <a:endParaRPr lang="it-IT" dirty="0"/>
+          </a:p>
+        </p:txBody>
+      </p:sp>
+      <p:sp>
+        <p:nvSpPr>
+          <p:cNvPr id="4" name="Segnaposto numero diapositiva 3"/>
+          <p:cNvSpPr>
+            <a:spLocks noGrp="1"/>
+          </p:cNvSpPr>
+          <p:nvPr>
+            <p:ph type="sldNum" sz="quarter" idx="10"/>
+          </p:nvPr>
+        </p:nvSpPr>
+        <p:spPr/>
+        <p:txBody>
+          <a:bodyPr/>
+          <a:lstStyle/>
+          <a:p>
+            <a:fld id="{09D9AE65-DFD0-A040-A241-C8B096E5371C}" type="slidenum">
+              <a:rPr lang="it-IT" smtClean="0"/>
+              <a:t>5</a:t>
+            </a:fld>
+            <a:endParaRPr lang="it-IT"/>
+          </a:p>
+        </p:txBody>
+      </p:sp>
+    </p:spTree>
+    <p:extLst>
+      <p:ext uri="{BB962C8B-B14F-4D97-AF65-F5344CB8AC3E}">
+        <p14:creationId xmlns:p14="http://schemas.microsoft.com/office/powerpoint/2010/main" val="2932595614"/>
+      </p:ext>
+    </p:extLst>
+  </p:cSld>
+  <p:clrMapOvr>
+    <a:masterClrMapping/>
+  </p:clrMapOvr>
+</p:notes>
+</file>
+
+<file path=ppt/notesSlides/notesSlide4.xml><?xml version="1.0" encoding="utf-8"?>
+<p:notes xmlns:a="http://schemas.openxmlformats.org/drawingml/2006/main" xmlns:r="http://schemas.openxmlformats.org/officeDocument/2006/relationships" xmlns:p="http://schemas.openxmlformats.org/presentationml/2006/main">
+  <p:cSld>
+    <p:spTree>
+      <p:nvGrpSpPr>
+        <p:cNvPr id="1" name=""/>
+        <p:cNvGrpSpPr/>
+        <p:nvPr/>
+      </p:nvGrpSpPr>
+      <p:grpSpPr>
+        <a:xfrm>
+          <a:off x="0" y="0"/>
+          <a:ext cx="0" cy="0"/>
+          <a:chOff x="0" y="0"/>
+          <a:chExt cx="0" cy="0"/>
+        </a:xfrm>
+      </p:grpSpPr>
+      <p:sp>
+        <p:nvSpPr>
+          <p:cNvPr id="2" name="Segnaposto immagine diapositiva 1"/>
+          <p:cNvSpPr>
+            <a:spLocks noGrp="1" noRot="1" noChangeAspect="1"/>
+          </p:cNvSpPr>
+          <p:nvPr>
+            <p:ph type="sldImg"/>
+          </p:nvPr>
+        </p:nvSpPr>
+        <p:spPr/>
+      </p:sp>
+      <p:sp>
+        <p:nvSpPr>
+          <p:cNvPr id="3" name="Segnaposto note 2"/>
+          <p:cNvSpPr>
+            <a:spLocks noGrp="1"/>
+          </p:cNvSpPr>
+          <p:nvPr>
+            <p:ph type="body" idx="1"/>
+          </p:nvPr>
+        </p:nvSpPr>
+        <p:spPr/>
+        <p:txBody>
+          <a:bodyPr/>
+          <a:lstStyle/>
+          <a:p>
+            <a:r>
+              <a:rPr lang="it-IT" sz="1200" b="0" i="0" kern="1200" dirty="0" err="1">
+                <a:solidFill>
+                  <a:schemeClr val="tx1"/>
+                </a:solidFill>
+                <a:effectLst/>
+                <a:latin typeface="+mn-lt"/>
+                <a:ea typeface="+mn-ea"/>
+                <a:cs typeface="+mn-cs"/>
+              </a:rPr>
+              <a:t>DeSpeect</a:t>
+            </a:r>
+            <a:r>
+              <a:rPr lang="it-IT" sz="1200" b="0" i="0" kern="1200" dirty="0">
+                <a:solidFill>
+                  <a:schemeClr val="tx1"/>
+                </a:solidFill>
+                <a:effectLst/>
+                <a:latin typeface="+mn-lt"/>
+                <a:ea typeface="+mn-ea"/>
+                <a:cs typeface="+mn-cs"/>
+              </a:rPr>
+              <a:t> è tutto questo, un'interfaccia grafica per </a:t>
+            </a:r>
+            <a:r>
+              <a:rPr lang="it-IT" sz="1200" b="0" i="0" kern="1200" dirty="0" err="1">
+                <a:solidFill>
+                  <a:schemeClr val="tx1"/>
+                </a:solidFill>
+                <a:effectLst/>
+                <a:latin typeface="+mn-lt"/>
+                <a:ea typeface="+mn-ea"/>
+                <a:cs typeface="+mn-cs"/>
+              </a:rPr>
+              <a:t>Speect</a:t>
+            </a:r>
+            <a:r>
+              <a:rPr lang="it-IT" sz="1200" b="0" i="0" kern="1200" dirty="0">
+                <a:solidFill>
+                  <a:schemeClr val="tx1"/>
+                </a:solidFill>
+                <a:effectLst/>
+                <a:latin typeface="+mn-lt"/>
+                <a:ea typeface="+mn-ea"/>
+                <a:cs typeface="+mn-cs"/>
+              </a:rPr>
+              <a:t>, rivolta agli sviluppatori che volessero utilizzare questa potente libreria e che vuole rappresentare per loro un utile strumento di analisi e di </a:t>
+            </a:r>
+            <a:r>
+              <a:rPr lang="it-IT" sz="1200" b="0" i="0" kern="1200" dirty="0" err="1">
+                <a:solidFill>
+                  <a:schemeClr val="tx1"/>
+                </a:solidFill>
+                <a:effectLst/>
+                <a:latin typeface="+mn-lt"/>
+                <a:ea typeface="+mn-ea"/>
+                <a:cs typeface="+mn-cs"/>
+              </a:rPr>
+              <a:t>debugging</a:t>
+            </a:r>
+            <a:r>
+              <a:rPr lang="it-IT" sz="1200" b="0" i="0" kern="1200" dirty="0">
+                <a:solidFill>
+                  <a:schemeClr val="tx1"/>
+                </a:solidFill>
+                <a:effectLst/>
+                <a:latin typeface="+mn-lt"/>
+                <a:ea typeface="+mn-ea"/>
+                <a:cs typeface="+mn-cs"/>
+              </a:rPr>
+              <a:t> attraverso la possibilità di stampare e manipolare specifici grafi</a:t>
+            </a:r>
+            <a:endParaRPr lang="it-IT" dirty="0"/>
+          </a:p>
+        </p:txBody>
+      </p:sp>
+      <p:sp>
+        <p:nvSpPr>
+          <p:cNvPr id="4" name="Segnaposto numero diapositiva 3"/>
+          <p:cNvSpPr>
+            <a:spLocks noGrp="1"/>
+          </p:cNvSpPr>
+          <p:nvPr>
+            <p:ph type="sldNum" sz="quarter" idx="10"/>
+          </p:nvPr>
+        </p:nvSpPr>
+        <p:spPr/>
+        <p:txBody>
+          <a:bodyPr/>
+          <a:lstStyle/>
+          <a:p>
+            <a:fld id="{09D9AE65-DFD0-A040-A241-C8B096E5371C}" type="slidenum">
+              <a:rPr lang="it-IT" smtClean="0"/>
+              <a:t>7</a:t>
+            </a:fld>
+            <a:endParaRPr lang="it-IT"/>
+          </a:p>
+        </p:txBody>
+      </p:sp>
+    </p:spTree>
+    <p:extLst>
+      <p:ext uri="{BB962C8B-B14F-4D97-AF65-F5344CB8AC3E}">
+        <p14:creationId xmlns:p14="http://schemas.microsoft.com/office/powerpoint/2010/main" val="974530963"/>
+      </p:ext>
+    </p:extLst>
+  </p:cSld>
+  <p:clrMapOvr>
+    <a:masterClrMapping/>
+  </p:clrMapOvr>
+</p:notes>
+</file>
+
 <file path=ppt/slideLayouts/slideLayout1.xml><?xml version="1.0" encoding="utf-8"?>
 <p:sldLayout xmlns:a="http://schemas.openxmlformats.org/drawingml/2006/main" xmlns:r="http://schemas.openxmlformats.org/officeDocument/2006/relationships" xmlns:p="http://schemas.openxmlformats.org/presentationml/2006/main" preserve="1" userDrawn="1">
   <p:cSld name="6_标题幻灯片">
